--- a/Dissertation/Figures/Figures.pptx
+++ b/Dissertation/Figures/Figures.pptx
@@ -9,7 +9,9 @@
     <p:sldId id="257" r:id="rId3"/>
     <p:sldId id="260" r:id="rId4"/>
     <p:sldId id="258" r:id="rId5"/>
-    <p:sldId id="259" r:id="rId6"/>
+    <p:sldId id="261" r:id="rId6"/>
+    <p:sldId id="262" r:id="rId7"/>
+    <p:sldId id="259" r:id="rId8"/>
   </p:sldIdLst>
   <p:sldSz cx="12192000" cy="6858000"/>
   <p:notesSz cx="6858000" cy="9144000"/>
@@ -114,6 +116,33 @@
     </p:ext>
   </p:extLst>
 </p:presentation>
+</file>
+
+<file path=ppt/ink/ink1.xml><?xml version="1.0" encoding="utf-8"?>
+<inkml:ink xmlns:inkml="http://www.w3.org/2003/InkML">
+  <inkml:definitions>
+    <inkml:context xml:id="ctx0">
+      <inkml:inkSource xml:id="inkSrc0">
+        <inkml:traceFormat>
+          <inkml:channel name="X" type="integer" min="-2.14748E9" max="2.14748E9" units="cm"/>
+          <inkml:channel name="Y" type="integer" min="-2.14748E9" max="2.14748E9" units="cm"/>
+          <inkml:channel name="F" type="integer" max="32767" units="dev"/>
+        </inkml:traceFormat>
+        <inkml:channelProperties>
+          <inkml:channelProperty channel="X" name="resolution" value="1000" units="1/cm"/>
+          <inkml:channelProperty channel="Y" name="resolution" value="1000" units="1/cm"/>
+          <inkml:channelProperty channel="F" name="resolution" value="0" units="1/dev"/>
+        </inkml:channelProperties>
+      </inkml:inkSource>
+      <inkml:timestamp xml:id="ts0" timeString="2024-04-30T16:59:53.467"/>
+    </inkml:context>
+    <inkml:brush xml:id="br0">
+      <inkml:brushProperty name="width" value="0.1" units="cm"/>
+      <inkml:brushProperty name="height" value="0.1" units="cm"/>
+    </inkml:brush>
+  </inkml:definitions>
+  <inkml:trace contextRef="#ctx0" brushRef="#br0">0 0 24575,'1'5'0,"1"-1"0,-1 1 0,1-1 0,0 0 0,0 1 0,0-1 0,0 0 0,1 0 0,-1 0 0,1-1 0,0 1 0,1-1 0,-1 1 0,8 4 0,14 20 0,15 26 0,-17-24 0,29 50 0,-46-69 0,0 1 0,-1-1 0,-1 1 0,0 0 0,0 0 0,-1 0 0,-1 1 0,2 20 0,-4-3-1365,0-1-5461</inkml:trace>
+</inkml:ink>
 </file>
 
 <file path=ppt/slideLayouts/slideLayout1.xml><?xml version="1.0" encoding="utf-8"?>
@@ -263,7 +292,7 @@
           <a:p>
             <a:fld id="{27A58F4A-DB3A-4AF3-A615-0E0692002C84}" type="datetimeFigureOut">
               <a:rPr lang="zh-CN" altLang="en-US" smtClean="0"/>
-              <a:t>2024/4/29</a:t>
+              <a:t>2024/5/3</a:t>
             </a:fld>
             <a:endParaRPr lang="zh-CN" altLang="en-US"/>
           </a:p>
@@ -461,7 +490,7 @@
           <a:p>
             <a:fld id="{27A58F4A-DB3A-4AF3-A615-0E0692002C84}" type="datetimeFigureOut">
               <a:rPr lang="zh-CN" altLang="en-US" smtClean="0"/>
-              <a:t>2024/4/29</a:t>
+              <a:t>2024/5/3</a:t>
             </a:fld>
             <a:endParaRPr lang="zh-CN" altLang="en-US"/>
           </a:p>
@@ -669,7 +698,7 @@
           <a:p>
             <a:fld id="{27A58F4A-DB3A-4AF3-A615-0E0692002C84}" type="datetimeFigureOut">
               <a:rPr lang="zh-CN" altLang="en-US" smtClean="0"/>
-              <a:t>2024/4/29</a:t>
+              <a:t>2024/5/3</a:t>
             </a:fld>
             <a:endParaRPr lang="zh-CN" altLang="en-US"/>
           </a:p>
@@ -867,7 +896,7 @@
           <a:p>
             <a:fld id="{27A58F4A-DB3A-4AF3-A615-0E0692002C84}" type="datetimeFigureOut">
               <a:rPr lang="zh-CN" altLang="en-US" smtClean="0"/>
-              <a:t>2024/4/29</a:t>
+              <a:t>2024/5/3</a:t>
             </a:fld>
             <a:endParaRPr lang="zh-CN" altLang="en-US"/>
           </a:p>
@@ -1142,7 +1171,7 @@
           <a:p>
             <a:fld id="{27A58F4A-DB3A-4AF3-A615-0E0692002C84}" type="datetimeFigureOut">
               <a:rPr lang="zh-CN" altLang="en-US" smtClean="0"/>
-              <a:t>2024/4/29</a:t>
+              <a:t>2024/5/3</a:t>
             </a:fld>
             <a:endParaRPr lang="zh-CN" altLang="en-US"/>
           </a:p>
@@ -1407,7 +1436,7 @@
           <a:p>
             <a:fld id="{27A58F4A-DB3A-4AF3-A615-0E0692002C84}" type="datetimeFigureOut">
               <a:rPr lang="zh-CN" altLang="en-US" smtClean="0"/>
-              <a:t>2024/4/29</a:t>
+              <a:t>2024/5/3</a:t>
             </a:fld>
             <a:endParaRPr lang="zh-CN" altLang="en-US"/>
           </a:p>
@@ -1819,7 +1848,7 @@
           <a:p>
             <a:fld id="{27A58F4A-DB3A-4AF3-A615-0E0692002C84}" type="datetimeFigureOut">
               <a:rPr lang="zh-CN" altLang="en-US" smtClean="0"/>
-              <a:t>2024/4/29</a:t>
+              <a:t>2024/5/3</a:t>
             </a:fld>
             <a:endParaRPr lang="zh-CN" altLang="en-US"/>
           </a:p>
@@ -1960,7 +1989,7 @@
           <a:p>
             <a:fld id="{27A58F4A-DB3A-4AF3-A615-0E0692002C84}" type="datetimeFigureOut">
               <a:rPr lang="zh-CN" altLang="en-US" smtClean="0"/>
-              <a:t>2024/4/29</a:t>
+              <a:t>2024/5/3</a:t>
             </a:fld>
             <a:endParaRPr lang="zh-CN" altLang="en-US"/>
           </a:p>
@@ -2073,7 +2102,7 @@
           <a:p>
             <a:fld id="{27A58F4A-DB3A-4AF3-A615-0E0692002C84}" type="datetimeFigureOut">
               <a:rPr lang="zh-CN" altLang="en-US" smtClean="0"/>
-              <a:t>2024/4/29</a:t>
+              <a:t>2024/5/3</a:t>
             </a:fld>
             <a:endParaRPr lang="zh-CN" altLang="en-US"/>
           </a:p>
@@ -2384,7 +2413,7 @@
           <a:p>
             <a:fld id="{27A58F4A-DB3A-4AF3-A615-0E0692002C84}" type="datetimeFigureOut">
               <a:rPr lang="zh-CN" altLang="en-US" smtClean="0"/>
-              <a:t>2024/4/29</a:t>
+              <a:t>2024/5/3</a:t>
             </a:fld>
             <a:endParaRPr lang="zh-CN" altLang="en-US"/>
           </a:p>
@@ -2672,7 +2701,7 @@
           <a:p>
             <a:fld id="{27A58F4A-DB3A-4AF3-A615-0E0692002C84}" type="datetimeFigureOut">
               <a:rPr lang="zh-CN" altLang="en-US" smtClean="0"/>
-              <a:t>2024/4/29</a:t>
+              <a:t>2024/5/3</a:t>
             </a:fld>
             <a:endParaRPr lang="zh-CN" altLang="en-US"/>
           </a:p>
@@ -2913,7 +2942,7 @@
           <a:p>
             <a:fld id="{27A58F4A-DB3A-4AF3-A615-0E0692002C84}" type="datetimeFigureOut">
               <a:rPr lang="zh-CN" altLang="en-US" smtClean="0"/>
-              <a:t>2024/4/29</a:t>
+              <a:t>2024/5/3</a:t>
             </a:fld>
             <a:endParaRPr lang="zh-CN" altLang="en-US"/>
           </a:p>
@@ -3860,8 +3889,8 @@
         </p:nvGrpSpPr>
         <p:grpSpPr>
           <a:xfrm>
-            <a:off x="8110776" y="888600"/>
-            <a:ext cx="1249214" cy="1419226"/>
+            <a:off x="8101499" y="769259"/>
+            <a:ext cx="1249214" cy="1970124"/>
             <a:chOff x="8076674" y="848781"/>
             <a:chExt cx="1157514" cy="1419226"/>
           </a:xfrm>
@@ -3932,8 +3961,8 @@
           </p:nvSpPr>
           <p:spPr>
             <a:xfrm>
-              <a:off x="8211727" y="1026420"/>
-              <a:ext cx="853616" cy="1077218"/>
+              <a:off x="8219216" y="910843"/>
+              <a:ext cx="869383" cy="1330285"/>
             </a:xfrm>
             <a:prstGeom prst="rect">
               <a:avLst/>
@@ -3950,6 +3979,34 @@
               <a:r>
                 <a:rPr lang="en-US" altLang="zh-CN" sz="1600" b="1" dirty="0"/>
                 <a:t>Inverse Clarke + SPWM</a:t>
+              </a:r>
+            </a:p>
+            <a:p>
+              <a:pPr algn="ctr"/>
+              <a:endParaRPr lang="en-US" altLang="zh-CN" sz="900" b="1" dirty="0"/>
+            </a:p>
+            <a:p>
+              <a:pPr algn="ctr"/>
+              <a:r>
+                <a:rPr lang="en-US" altLang="zh-CN" sz="1600" b="1" dirty="0">
+                  <a:solidFill>
+                    <a:schemeClr val="bg2">
+                      <a:lumMod val="50000"/>
+                    </a:schemeClr>
+                  </a:solidFill>
+                </a:rPr>
+                <a:t>or</a:t>
+              </a:r>
+            </a:p>
+            <a:p>
+              <a:pPr algn="ctr"/>
+              <a:endParaRPr lang="en-US" altLang="zh-CN" sz="900" b="1" dirty="0"/>
+            </a:p>
+            <a:p>
+              <a:pPr algn="ctr"/>
+              <a:r>
+                <a:rPr lang="en-US" altLang="zh-CN" sz="1600" b="1" dirty="0"/>
+                <a:t>SVPWM</a:t>
               </a:r>
               <a:endParaRPr lang="zh-CN" altLang="en-US" sz="1600" b="1" dirty="0"/>
             </a:p>
@@ -9731,116 +9788,6 @@
       </p:grpSp>
       <p:grpSp>
         <p:nvGrpSpPr>
-          <p:cNvPr id="73" name="组合 72">
-            <a:extLst>
-              <a:ext uri="{FF2B5EF4-FFF2-40B4-BE49-F238E27FC236}">
-                <a16:creationId xmlns:a16="http://schemas.microsoft.com/office/drawing/2014/main" id="{7AA76A09-062A-8515-9B84-2C7760039395}"/>
-              </a:ext>
-            </a:extLst>
-          </p:cNvPr>
-          <p:cNvGrpSpPr/>
-          <p:nvPr/>
-        </p:nvGrpSpPr>
-        <p:grpSpPr>
-          <a:xfrm>
-            <a:off x="6989899" y="701787"/>
-            <a:ext cx="1249214" cy="1419226"/>
-            <a:chOff x="8076674" y="848781"/>
-            <a:chExt cx="1157514" cy="1419226"/>
-          </a:xfrm>
-        </p:grpSpPr>
-        <p:sp>
-          <p:nvSpPr>
-            <p:cNvPr id="39" name="矩形 38">
-              <a:extLst>
-                <a:ext uri="{FF2B5EF4-FFF2-40B4-BE49-F238E27FC236}">
-                  <a16:creationId xmlns:a16="http://schemas.microsoft.com/office/drawing/2014/main" id="{500A9B99-796A-DF0A-7CFD-1916FB6D71A4}"/>
-                </a:ext>
-              </a:extLst>
-            </p:cNvPr>
-            <p:cNvSpPr/>
-            <p:nvPr/>
-          </p:nvSpPr>
-          <p:spPr>
-            <a:xfrm>
-              <a:off x="8076674" y="848781"/>
-              <a:ext cx="1157514" cy="1419226"/>
-            </a:xfrm>
-            <a:prstGeom prst="rect">
-              <a:avLst/>
-            </a:prstGeom>
-            <a:noFill/>
-            <a:ln w="28575">
-              <a:solidFill>
-                <a:schemeClr val="tx1"/>
-              </a:solidFill>
-            </a:ln>
-          </p:spPr>
-          <p:style>
-            <a:lnRef idx="2">
-              <a:schemeClr val="accent1">
-                <a:shade val="15000"/>
-              </a:schemeClr>
-            </a:lnRef>
-            <a:fillRef idx="1">
-              <a:schemeClr val="accent1"/>
-            </a:fillRef>
-            <a:effectRef idx="0">
-              <a:schemeClr val="accent1"/>
-            </a:effectRef>
-            <a:fontRef idx="minor">
-              <a:schemeClr val="lt1"/>
-            </a:fontRef>
-          </p:style>
-          <p:txBody>
-            <a:bodyPr rtlCol="0" anchor="ctr"/>
-            <a:lstStyle/>
-            <a:p>
-              <a:pPr algn="ctr"/>
-              <a:endParaRPr lang="zh-CN" altLang="en-US"/>
-            </a:p>
-          </p:txBody>
-        </p:sp>
-        <p:sp>
-          <p:nvSpPr>
-            <p:cNvPr id="40" name="文本框 39">
-              <a:extLst>
-                <a:ext uri="{FF2B5EF4-FFF2-40B4-BE49-F238E27FC236}">
-                  <a16:creationId xmlns:a16="http://schemas.microsoft.com/office/drawing/2014/main" id="{1310F5C4-F0A4-ED84-0518-A673C80C9482}"/>
-                </a:ext>
-              </a:extLst>
-            </p:cNvPr>
-            <p:cNvSpPr txBox="1"/>
-            <p:nvPr/>
-          </p:nvSpPr>
-          <p:spPr>
-            <a:xfrm>
-              <a:off x="8211727" y="1026420"/>
-              <a:ext cx="853616" cy="1077218"/>
-            </a:xfrm>
-            <a:prstGeom prst="rect">
-              <a:avLst/>
-            </a:prstGeom>
-            <a:noFill/>
-          </p:spPr>
-          <p:txBody>
-            <a:bodyPr wrap="square" rtlCol="0">
-              <a:spAutoFit/>
-            </a:bodyPr>
-            <a:lstStyle/>
-            <a:p>
-              <a:pPr algn="ctr"/>
-              <a:r>
-                <a:rPr lang="en-US" altLang="zh-CN" sz="1600" b="1" dirty="0"/>
-                <a:t>Inverse Clarke + SPWM</a:t>
-              </a:r>
-              <a:endParaRPr lang="zh-CN" altLang="en-US" sz="1600" b="1" dirty="0"/>
-            </a:p>
-          </p:txBody>
-        </p:sp>
-      </p:grpSp>
-      <p:grpSp>
-        <p:nvGrpSpPr>
           <p:cNvPr id="46" name="组合 45">
             <a:extLst>
               <a:ext uri="{FF2B5EF4-FFF2-40B4-BE49-F238E27FC236}">
@@ -11274,8 +11221,8 @@
           </a:fontRef>
         </p:style>
       </p:cxnSp>
-      <mc:AlternateContent xmlns:mc="http://schemas.openxmlformats.org/markup-compatibility/2006">
-        <mc:Choice xmlns:a14="http://schemas.microsoft.com/office/drawing/2010/main" Requires="a14">
+      <mc:AlternateContent xmlns:mc="http://schemas.openxmlformats.org/markup-compatibility/2006" xmlns:a14="http://schemas.microsoft.com/office/drawing/2010/main">
+        <mc:Choice Requires="a14">
           <p:sp>
             <p:nvSpPr>
               <p:cNvPr id="151" name="文本框 150">
@@ -11328,7 +11275,7 @@
             </p:txBody>
           </p:sp>
         </mc:Choice>
-        <mc:Fallback>
+        <mc:Fallback xmlns="">
           <p:sp>
             <p:nvSpPr>
               <p:cNvPr id="151" name="文本框 150">
@@ -11451,8 +11398,8 @@
           </a:fontRef>
         </p:style>
       </p:cxnSp>
-      <mc:AlternateContent xmlns:mc="http://schemas.openxmlformats.org/markup-compatibility/2006">
-        <mc:Choice xmlns:a14="http://schemas.microsoft.com/office/drawing/2010/main" Requires="a14">
+      <mc:AlternateContent xmlns:mc="http://schemas.openxmlformats.org/markup-compatibility/2006" xmlns:a14="http://schemas.microsoft.com/office/drawing/2010/main">
+        <mc:Choice Requires="a14">
           <p:sp>
             <p:nvSpPr>
               <p:cNvPr id="159" name="文本框 158">
@@ -11529,7 +11476,7 @@
             </p:txBody>
           </p:sp>
         </mc:Choice>
-        <mc:Fallback>
+        <mc:Fallback xmlns="">
           <p:sp>
             <p:nvSpPr>
               <p:cNvPr id="159" name="文本框 158">
@@ -11949,8 +11896,8 @@
           </a:fontRef>
         </p:style>
       </p:cxnSp>
-      <mc:AlternateContent xmlns:mc="http://schemas.openxmlformats.org/markup-compatibility/2006">
-        <mc:Choice xmlns:a14="http://schemas.microsoft.com/office/drawing/2010/main" Requires="a14">
+      <mc:AlternateContent xmlns:mc="http://schemas.openxmlformats.org/markup-compatibility/2006" xmlns:a14="http://schemas.microsoft.com/office/drawing/2010/main">
+        <mc:Choice Requires="a14">
           <p:sp>
             <p:nvSpPr>
               <p:cNvPr id="189" name="文本框 188">
@@ -12000,7 +11947,7 @@
             </p:txBody>
           </p:sp>
         </mc:Choice>
-        <mc:Fallback>
+        <mc:Fallback xmlns="">
           <p:sp>
             <p:nvSpPr>
               <p:cNvPr id="189" name="文本框 188">
@@ -12045,8 +11992,8 @@
           </p:sp>
         </mc:Fallback>
       </mc:AlternateContent>
-      <mc:AlternateContent xmlns:mc="http://schemas.openxmlformats.org/markup-compatibility/2006">
-        <mc:Choice xmlns:a14="http://schemas.microsoft.com/office/drawing/2010/main" Requires="a14">
+      <mc:AlternateContent xmlns:mc="http://schemas.openxmlformats.org/markup-compatibility/2006" xmlns:a14="http://schemas.microsoft.com/office/drawing/2010/main">
+        <mc:Choice Requires="a14">
           <p:sp>
             <p:nvSpPr>
               <p:cNvPr id="190" name="文本框 189">
@@ -12096,7 +12043,7 @@
             </p:txBody>
           </p:sp>
         </mc:Choice>
-        <mc:Fallback>
+        <mc:Fallback xmlns="">
           <p:sp>
             <p:nvSpPr>
               <p:cNvPr id="190" name="文本框 189">
@@ -12141,8 +12088,8 @@
           </p:sp>
         </mc:Fallback>
       </mc:AlternateContent>
-      <mc:AlternateContent xmlns:mc="http://schemas.openxmlformats.org/markup-compatibility/2006">
-        <mc:Choice xmlns:a14="http://schemas.microsoft.com/office/drawing/2010/main" Requires="a14">
+      <mc:AlternateContent xmlns:mc="http://schemas.openxmlformats.org/markup-compatibility/2006" xmlns:a14="http://schemas.microsoft.com/office/drawing/2010/main">
+        <mc:Choice Requires="a14">
           <p:sp>
             <p:nvSpPr>
               <p:cNvPr id="191" name="文本框 190">
@@ -12192,7 +12139,7 @@
             </p:txBody>
           </p:sp>
         </mc:Choice>
-        <mc:Fallback>
+        <mc:Fallback xmlns="">
           <p:sp>
             <p:nvSpPr>
               <p:cNvPr id="191" name="文本框 190">
@@ -12237,8 +12184,8 @@
           </p:sp>
         </mc:Fallback>
       </mc:AlternateContent>
-      <mc:AlternateContent xmlns:mc="http://schemas.openxmlformats.org/markup-compatibility/2006">
-        <mc:Choice xmlns:a14="http://schemas.microsoft.com/office/drawing/2010/main" Requires="a14">
+      <mc:AlternateContent xmlns:mc="http://schemas.openxmlformats.org/markup-compatibility/2006" xmlns:a14="http://schemas.microsoft.com/office/drawing/2010/main">
+        <mc:Choice Requires="a14">
           <p:sp>
             <p:nvSpPr>
               <p:cNvPr id="192" name="文本框 191">
@@ -12307,7 +12254,7 @@
             </p:txBody>
           </p:sp>
         </mc:Choice>
-        <mc:Fallback>
+        <mc:Fallback xmlns="">
           <p:sp>
             <p:nvSpPr>
               <p:cNvPr id="192" name="文本框 191">
@@ -12352,8 +12299,8 @@
           </p:sp>
         </mc:Fallback>
       </mc:AlternateContent>
-      <mc:AlternateContent xmlns:mc="http://schemas.openxmlformats.org/markup-compatibility/2006">
-        <mc:Choice xmlns:a14="http://schemas.microsoft.com/office/drawing/2010/main" Requires="a14">
+      <mc:AlternateContent xmlns:mc="http://schemas.openxmlformats.org/markup-compatibility/2006" xmlns:a14="http://schemas.microsoft.com/office/drawing/2010/main">
+        <mc:Choice Requires="a14">
           <p:sp>
             <p:nvSpPr>
               <p:cNvPr id="193" name="文本框 192">
@@ -12422,7 +12369,7 @@
             </p:txBody>
           </p:sp>
         </mc:Choice>
-        <mc:Fallback>
+        <mc:Fallback xmlns="">
           <p:sp>
             <p:nvSpPr>
               <p:cNvPr id="193" name="文本框 192">
@@ -12467,8 +12414,8 @@
           </p:sp>
         </mc:Fallback>
       </mc:AlternateContent>
-      <mc:AlternateContent xmlns:mc="http://schemas.openxmlformats.org/markup-compatibility/2006">
-        <mc:Choice xmlns:a14="http://schemas.microsoft.com/office/drawing/2010/main" Requires="a14">
+      <mc:AlternateContent xmlns:mc="http://schemas.openxmlformats.org/markup-compatibility/2006" xmlns:a14="http://schemas.microsoft.com/office/drawing/2010/main">
+        <mc:Choice Requires="a14">
           <p:sp>
             <p:nvSpPr>
               <p:cNvPr id="194" name="文本框 193">
@@ -12537,7 +12484,7 @@
             </p:txBody>
           </p:sp>
         </mc:Choice>
-        <mc:Fallback>
+        <mc:Fallback xmlns="">
           <p:sp>
             <p:nvSpPr>
               <p:cNvPr id="194" name="文本框 193">
@@ -12582,8 +12529,8 @@
           </p:sp>
         </mc:Fallback>
       </mc:AlternateContent>
-      <mc:AlternateContent xmlns:mc="http://schemas.openxmlformats.org/markup-compatibility/2006">
-        <mc:Choice xmlns:a14="http://schemas.microsoft.com/office/drawing/2010/main" Requires="a14">
+      <mc:AlternateContent xmlns:mc="http://schemas.openxmlformats.org/markup-compatibility/2006" xmlns:a14="http://schemas.microsoft.com/office/drawing/2010/main">
+        <mc:Choice Requires="a14">
           <p:sp>
             <p:nvSpPr>
               <p:cNvPr id="195" name="文本框 194">
@@ -12660,7 +12607,7 @@
             </p:txBody>
           </p:sp>
         </mc:Choice>
-        <mc:Fallback>
+        <mc:Fallback xmlns="">
           <p:sp>
             <p:nvSpPr>
               <p:cNvPr id="195" name="文本框 194">
@@ -12705,8 +12652,8 @@
           </p:sp>
         </mc:Fallback>
       </mc:AlternateContent>
-      <mc:AlternateContent xmlns:mc="http://schemas.openxmlformats.org/markup-compatibility/2006">
-        <mc:Choice xmlns:a14="http://schemas.microsoft.com/office/drawing/2010/main" Requires="a14">
+      <mc:AlternateContent xmlns:mc="http://schemas.openxmlformats.org/markup-compatibility/2006" xmlns:a14="http://schemas.microsoft.com/office/drawing/2010/main">
+        <mc:Choice Requires="a14">
           <p:sp>
             <p:nvSpPr>
               <p:cNvPr id="196" name="文本框 195">
@@ -12775,7 +12722,7 @@
             </p:txBody>
           </p:sp>
         </mc:Choice>
-        <mc:Fallback>
+        <mc:Fallback xmlns="">
           <p:sp>
             <p:nvSpPr>
               <p:cNvPr id="196" name="文本框 195">
@@ -12820,8 +12767,8 @@
           </p:sp>
         </mc:Fallback>
       </mc:AlternateContent>
-      <mc:AlternateContent xmlns:mc="http://schemas.openxmlformats.org/markup-compatibility/2006">
-        <mc:Choice xmlns:a14="http://schemas.microsoft.com/office/drawing/2010/main" Requires="a14">
+      <mc:AlternateContent xmlns:mc="http://schemas.openxmlformats.org/markup-compatibility/2006" xmlns:a14="http://schemas.microsoft.com/office/drawing/2010/main">
+        <mc:Choice Requires="a14">
           <p:sp>
             <p:nvSpPr>
               <p:cNvPr id="197" name="文本框 196">
@@ -12898,7 +12845,7 @@
             </p:txBody>
           </p:sp>
         </mc:Choice>
-        <mc:Fallback>
+        <mc:Fallback xmlns="">
           <p:sp>
             <p:nvSpPr>
               <p:cNvPr id="197" name="文本框 196">
@@ -12943,8 +12890,8 @@
           </p:sp>
         </mc:Fallback>
       </mc:AlternateContent>
-      <mc:AlternateContent xmlns:mc="http://schemas.openxmlformats.org/markup-compatibility/2006">
-        <mc:Choice xmlns:a14="http://schemas.microsoft.com/office/drawing/2010/main" Requires="a14">
+      <mc:AlternateContent xmlns:mc="http://schemas.openxmlformats.org/markup-compatibility/2006" xmlns:a14="http://schemas.microsoft.com/office/drawing/2010/main">
+        <mc:Choice Requires="a14">
           <p:sp>
             <p:nvSpPr>
               <p:cNvPr id="198" name="文本框 197">
@@ -13021,7 +12968,7 @@
             </p:txBody>
           </p:sp>
         </mc:Choice>
-        <mc:Fallback>
+        <mc:Fallback xmlns="">
           <p:sp>
             <p:nvSpPr>
               <p:cNvPr id="198" name="文本框 197">
@@ -13066,8 +13013,8 @@
           </p:sp>
         </mc:Fallback>
       </mc:AlternateContent>
-      <mc:AlternateContent xmlns:mc="http://schemas.openxmlformats.org/markup-compatibility/2006">
-        <mc:Choice xmlns:a14="http://schemas.microsoft.com/office/drawing/2010/main" Requires="a14">
+      <mc:AlternateContent xmlns:mc="http://schemas.openxmlformats.org/markup-compatibility/2006" xmlns:a14="http://schemas.microsoft.com/office/drawing/2010/main">
+        <mc:Choice Requires="a14">
           <p:sp>
             <p:nvSpPr>
               <p:cNvPr id="201" name="文本框 200">
@@ -13144,7 +13091,7 @@
             </p:txBody>
           </p:sp>
         </mc:Choice>
-        <mc:Fallback>
+        <mc:Fallback xmlns="">
           <p:sp>
             <p:nvSpPr>
               <p:cNvPr id="201" name="文本框 200">
@@ -13189,8 +13136,8 @@
           </p:sp>
         </mc:Fallback>
       </mc:AlternateContent>
-      <mc:AlternateContent xmlns:mc="http://schemas.openxmlformats.org/markup-compatibility/2006">
-        <mc:Choice xmlns:a14="http://schemas.microsoft.com/office/drawing/2010/main" Requires="a14">
+      <mc:AlternateContent xmlns:mc="http://schemas.openxmlformats.org/markup-compatibility/2006" xmlns:a14="http://schemas.microsoft.com/office/drawing/2010/main">
+        <mc:Choice Requires="a14">
           <p:sp>
             <p:nvSpPr>
               <p:cNvPr id="202" name="文本框 201">
@@ -13267,7 +13214,7 @@
             </p:txBody>
           </p:sp>
         </mc:Choice>
-        <mc:Fallback>
+        <mc:Fallback xmlns="">
           <p:sp>
             <p:nvSpPr>
               <p:cNvPr id="202" name="文本框 201">
@@ -13493,8 +13440,8 @@
           </a:fontRef>
         </p:style>
       </p:cxnSp>
-      <mc:AlternateContent xmlns:mc="http://schemas.openxmlformats.org/markup-compatibility/2006">
-        <mc:Choice xmlns:a14="http://schemas.microsoft.com/office/drawing/2010/main" Requires="a14">
+      <mc:AlternateContent xmlns:mc="http://schemas.openxmlformats.org/markup-compatibility/2006" xmlns:a14="http://schemas.microsoft.com/office/drawing/2010/main">
+        <mc:Choice Requires="a14">
           <p:sp>
             <p:nvSpPr>
               <p:cNvPr id="209" name="文本框 208">
@@ -13600,7 +13547,7 @@
             </p:txBody>
           </p:sp>
         </mc:Choice>
-        <mc:Fallback>
+        <mc:Fallback xmlns="">
           <p:sp>
             <p:nvSpPr>
               <p:cNvPr id="209" name="文本框 208">
@@ -13645,8 +13592,8 @@
           </p:sp>
         </mc:Fallback>
       </mc:AlternateContent>
-      <mc:AlternateContent xmlns:mc="http://schemas.openxmlformats.org/markup-compatibility/2006">
-        <mc:Choice xmlns:a14="http://schemas.microsoft.com/office/drawing/2010/main" Requires="a14">
+      <mc:AlternateContent xmlns:mc="http://schemas.openxmlformats.org/markup-compatibility/2006" xmlns:a14="http://schemas.microsoft.com/office/drawing/2010/main">
+        <mc:Choice Requires="a14">
           <p:sp>
             <p:nvSpPr>
               <p:cNvPr id="210" name="文本框 209">
@@ -13752,7 +13699,7 @@
             </p:txBody>
           </p:sp>
         </mc:Choice>
-        <mc:Fallback>
+        <mc:Fallback xmlns="">
           <p:sp>
             <p:nvSpPr>
               <p:cNvPr id="210" name="文本框 209">
@@ -13797,8 +13744,8 @@
           </p:sp>
         </mc:Fallback>
       </mc:AlternateContent>
-      <mc:AlternateContent xmlns:mc="http://schemas.openxmlformats.org/markup-compatibility/2006">
-        <mc:Choice xmlns:a14="http://schemas.microsoft.com/office/drawing/2010/main" Requires="a14">
+      <mc:AlternateContent xmlns:mc="http://schemas.openxmlformats.org/markup-compatibility/2006" xmlns:a14="http://schemas.microsoft.com/office/drawing/2010/main">
+        <mc:Choice Requires="a14">
           <p:sp>
             <p:nvSpPr>
               <p:cNvPr id="211" name="文本框 210">
@@ -13867,7 +13814,7 @@
             </p:txBody>
           </p:sp>
         </mc:Choice>
-        <mc:Fallback>
+        <mc:Fallback xmlns="">
           <p:sp>
             <p:nvSpPr>
               <p:cNvPr id="211" name="文本框 210">
@@ -13912,8 +13859,8 @@
           </p:sp>
         </mc:Fallback>
       </mc:AlternateContent>
-      <mc:AlternateContent xmlns:mc="http://schemas.openxmlformats.org/markup-compatibility/2006">
-        <mc:Choice xmlns:a14="http://schemas.microsoft.com/office/drawing/2010/main" Requires="a14">
+      <mc:AlternateContent xmlns:mc="http://schemas.openxmlformats.org/markup-compatibility/2006" xmlns:a14="http://schemas.microsoft.com/office/drawing/2010/main">
+        <mc:Choice Requires="a14">
           <p:sp>
             <p:nvSpPr>
               <p:cNvPr id="216" name="文本框 215">
@@ -13982,7 +13929,7 @@
             </p:txBody>
           </p:sp>
         </mc:Choice>
-        <mc:Fallback>
+        <mc:Fallback xmlns="">
           <p:sp>
             <p:nvSpPr>
               <p:cNvPr id="216" name="文本框 215">
@@ -14117,6 +14064,144 @@
           </a:fontRef>
         </p:style>
       </p:cxnSp>
+      <p:grpSp>
+        <p:nvGrpSpPr>
+          <p:cNvPr id="2" name="组合 1">
+            <a:extLst>
+              <a:ext uri="{FF2B5EF4-FFF2-40B4-BE49-F238E27FC236}">
+                <a16:creationId xmlns:a16="http://schemas.microsoft.com/office/drawing/2014/main" id="{A44C8F96-549E-DF7D-4AF9-8A627A6B4A0D}"/>
+              </a:ext>
+            </a:extLst>
+          </p:cNvPr>
+          <p:cNvGrpSpPr/>
+          <p:nvPr/>
+        </p:nvGrpSpPr>
+        <p:grpSpPr>
+          <a:xfrm>
+            <a:off x="6980622" y="613703"/>
+            <a:ext cx="1249214" cy="1970124"/>
+            <a:chOff x="8076674" y="848781"/>
+            <a:chExt cx="1157514" cy="1419226"/>
+          </a:xfrm>
+        </p:grpSpPr>
+        <p:sp>
+          <p:nvSpPr>
+            <p:cNvPr id="3" name="矩形 2">
+              <a:extLst>
+                <a:ext uri="{FF2B5EF4-FFF2-40B4-BE49-F238E27FC236}">
+                  <a16:creationId xmlns:a16="http://schemas.microsoft.com/office/drawing/2014/main" id="{2F1858B6-0624-9B5C-ABD8-ABA97F92FBA8}"/>
+                </a:ext>
+              </a:extLst>
+            </p:cNvPr>
+            <p:cNvSpPr/>
+            <p:nvPr/>
+          </p:nvSpPr>
+          <p:spPr>
+            <a:xfrm>
+              <a:off x="8076674" y="848781"/>
+              <a:ext cx="1157514" cy="1419226"/>
+            </a:xfrm>
+            <a:prstGeom prst="rect">
+              <a:avLst/>
+            </a:prstGeom>
+            <a:noFill/>
+            <a:ln w="28575">
+              <a:solidFill>
+                <a:schemeClr val="tx1"/>
+              </a:solidFill>
+            </a:ln>
+          </p:spPr>
+          <p:style>
+            <a:lnRef idx="2">
+              <a:schemeClr val="accent1">
+                <a:shade val="15000"/>
+              </a:schemeClr>
+            </a:lnRef>
+            <a:fillRef idx="1">
+              <a:schemeClr val="accent1"/>
+            </a:fillRef>
+            <a:effectRef idx="0">
+              <a:schemeClr val="accent1"/>
+            </a:effectRef>
+            <a:fontRef idx="minor">
+              <a:schemeClr val="lt1"/>
+            </a:fontRef>
+          </p:style>
+          <p:txBody>
+            <a:bodyPr rtlCol="0" anchor="ctr"/>
+            <a:lstStyle/>
+            <a:p>
+              <a:pPr algn="ctr"/>
+              <a:endParaRPr lang="zh-CN" altLang="en-US"/>
+            </a:p>
+          </p:txBody>
+        </p:sp>
+        <p:sp>
+          <p:nvSpPr>
+            <p:cNvPr id="4" name="文本框 3">
+              <a:extLst>
+                <a:ext uri="{FF2B5EF4-FFF2-40B4-BE49-F238E27FC236}">
+                  <a16:creationId xmlns:a16="http://schemas.microsoft.com/office/drawing/2014/main" id="{ECA5BB10-A507-1707-09DE-3F423024C493}"/>
+                </a:ext>
+              </a:extLst>
+            </p:cNvPr>
+            <p:cNvSpPr txBox="1"/>
+            <p:nvPr/>
+          </p:nvSpPr>
+          <p:spPr>
+            <a:xfrm>
+              <a:off x="8219216" y="910843"/>
+              <a:ext cx="869383" cy="1330285"/>
+            </a:xfrm>
+            <a:prstGeom prst="rect">
+              <a:avLst/>
+            </a:prstGeom>
+            <a:noFill/>
+          </p:spPr>
+          <p:txBody>
+            <a:bodyPr wrap="square" rtlCol="0">
+              <a:spAutoFit/>
+            </a:bodyPr>
+            <a:lstStyle/>
+            <a:p>
+              <a:pPr algn="ctr"/>
+              <a:r>
+                <a:rPr lang="en-US" altLang="zh-CN" sz="1600" b="1" dirty="0"/>
+                <a:t>Inverse Clarke + SPWM</a:t>
+              </a:r>
+            </a:p>
+            <a:p>
+              <a:pPr algn="ctr"/>
+              <a:endParaRPr lang="en-US" altLang="zh-CN" sz="900" b="1" dirty="0"/>
+            </a:p>
+            <a:p>
+              <a:pPr algn="ctr"/>
+              <a:r>
+                <a:rPr lang="en-US" altLang="zh-CN" sz="1600" b="1" dirty="0">
+                  <a:solidFill>
+                    <a:schemeClr val="bg2">
+                      <a:lumMod val="50000"/>
+                    </a:schemeClr>
+                  </a:solidFill>
+                </a:rPr>
+                <a:t>or</a:t>
+              </a:r>
+            </a:p>
+            <a:p>
+              <a:pPr algn="ctr"/>
+              <a:endParaRPr lang="en-US" altLang="zh-CN" sz="900" b="1" dirty="0"/>
+            </a:p>
+            <a:p>
+              <a:pPr algn="ctr"/>
+              <a:r>
+                <a:rPr lang="en-US" altLang="zh-CN" sz="1600" b="1" dirty="0"/>
+                <a:t>SVPWM</a:t>
+              </a:r>
+              <a:endParaRPr lang="zh-CN" altLang="en-US" sz="1600" b="1" dirty="0"/>
+            </a:p>
+          </p:txBody>
+        </p:sp>
+      </p:grpSp>
     </p:spTree>
     <p:extLst>
       <p:ext uri="{BB962C8B-B14F-4D97-AF65-F5344CB8AC3E}">
@@ -14597,116 +14682,6 @@
                 <a:t>Diode Clamped Inverter</a:t>
               </a:r>
               <a:endParaRPr lang="zh-CN" altLang="en-US" b="1" dirty="0"/>
-            </a:p>
-          </p:txBody>
-        </p:sp>
-      </p:grpSp>
-      <p:grpSp>
-        <p:nvGrpSpPr>
-          <p:cNvPr id="73" name="组合 72">
-            <a:extLst>
-              <a:ext uri="{FF2B5EF4-FFF2-40B4-BE49-F238E27FC236}">
-                <a16:creationId xmlns:a16="http://schemas.microsoft.com/office/drawing/2014/main" id="{7AA76A09-062A-8515-9B84-2C7760039395}"/>
-              </a:ext>
-            </a:extLst>
-          </p:cNvPr>
-          <p:cNvGrpSpPr/>
-          <p:nvPr/>
-        </p:nvGrpSpPr>
-        <p:grpSpPr>
-          <a:xfrm>
-            <a:off x="8110776" y="888600"/>
-            <a:ext cx="1249214" cy="1419226"/>
-            <a:chOff x="8076674" y="848781"/>
-            <a:chExt cx="1157514" cy="1419226"/>
-          </a:xfrm>
-        </p:grpSpPr>
-        <p:sp>
-          <p:nvSpPr>
-            <p:cNvPr id="39" name="矩形 38">
-              <a:extLst>
-                <a:ext uri="{FF2B5EF4-FFF2-40B4-BE49-F238E27FC236}">
-                  <a16:creationId xmlns:a16="http://schemas.microsoft.com/office/drawing/2014/main" id="{500A9B99-796A-DF0A-7CFD-1916FB6D71A4}"/>
-                </a:ext>
-              </a:extLst>
-            </p:cNvPr>
-            <p:cNvSpPr/>
-            <p:nvPr/>
-          </p:nvSpPr>
-          <p:spPr>
-            <a:xfrm>
-              <a:off x="8076674" y="848781"/>
-              <a:ext cx="1157514" cy="1419226"/>
-            </a:xfrm>
-            <a:prstGeom prst="rect">
-              <a:avLst/>
-            </a:prstGeom>
-            <a:noFill/>
-            <a:ln w="28575">
-              <a:solidFill>
-                <a:schemeClr val="tx1"/>
-              </a:solidFill>
-            </a:ln>
-          </p:spPr>
-          <p:style>
-            <a:lnRef idx="2">
-              <a:schemeClr val="accent1">
-                <a:shade val="15000"/>
-              </a:schemeClr>
-            </a:lnRef>
-            <a:fillRef idx="1">
-              <a:schemeClr val="accent1"/>
-            </a:fillRef>
-            <a:effectRef idx="0">
-              <a:schemeClr val="accent1"/>
-            </a:effectRef>
-            <a:fontRef idx="minor">
-              <a:schemeClr val="lt1"/>
-            </a:fontRef>
-          </p:style>
-          <p:txBody>
-            <a:bodyPr rtlCol="0" anchor="ctr"/>
-            <a:lstStyle/>
-            <a:p>
-              <a:pPr algn="ctr"/>
-              <a:endParaRPr lang="zh-CN" altLang="en-US"/>
-            </a:p>
-          </p:txBody>
-        </p:sp>
-        <p:sp>
-          <p:nvSpPr>
-            <p:cNvPr id="40" name="文本框 39">
-              <a:extLst>
-                <a:ext uri="{FF2B5EF4-FFF2-40B4-BE49-F238E27FC236}">
-                  <a16:creationId xmlns:a16="http://schemas.microsoft.com/office/drawing/2014/main" id="{1310F5C4-F0A4-ED84-0518-A673C80C9482}"/>
-                </a:ext>
-              </a:extLst>
-            </p:cNvPr>
-            <p:cNvSpPr txBox="1"/>
-            <p:nvPr/>
-          </p:nvSpPr>
-          <p:spPr>
-            <a:xfrm>
-              <a:off x="8211727" y="1026420"/>
-              <a:ext cx="853616" cy="1077218"/>
-            </a:xfrm>
-            <a:prstGeom prst="rect">
-              <a:avLst/>
-            </a:prstGeom>
-            <a:noFill/>
-          </p:spPr>
-          <p:txBody>
-            <a:bodyPr wrap="square" rtlCol="0">
-              <a:spAutoFit/>
-            </a:bodyPr>
-            <a:lstStyle/>
-            <a:p>
-              <a:pPr algn="ctr"/>
-              <a:r>
-                <a:rPr lang="en-US" altLang="zh-CN" sz="1600" b="1" dirty="0"/>
-                <a:t>Inverse Clarke + SPWM</a:t>
-              </a:r>
-              <a:endParaRPr lang="zh-CN" altLang="en-US" sz="1600" b="1" dirty="0"/>
             </a:p>
           </p:txBody>
         </p:sp>
@@ -20856,6 +20831,144 @@
           </p:sp>
         </mc:Fallback>
       </mc:AlternateContent>
+      <p:grpSp>
+        <p:nvGrpSpPr>
+          <p:cNvPr id="3" name="组合 2">
+            <a:extLst>
+              <a:ext uri="{FF2B5EF4-FFF2-40B4-BE49-F238E27FC236}">
+                <a16:creationId xmlns:a16="http://schemas.microsoft.com/office/drawing/2014/main" id="{2D2EE198-9AE2-E32B-2CED-783DC66A7BB0}"/>
+              </a:ext>
+            </a:extLst>
+          </p:cNvPr>
+          <p:cNvGrpSpPr/>
+          <p:nvPr/>
+        </p:nvGrpSpPr>
+        <p:grpSpPr>
+          <a:xfrm>
+            <a:off x="8101499" y="769259"/>
+            <a:ext cx="1249214" cy="1970124"/>
+            <a:chOff x="8076674" y="848781"/>
+            <a:chExt cx="1157514" cy="1419226"/>
+          </a:xfrm>
+        </p:grpSpPr>
+        <p:sp>
+          <p:nvSpPr>
+            <p:cNvPr id="4" name="矩形 3">
+              <a:extLst>
+                <a:ext uri="{FF2B5EF4-FFF2-40B4-BE49-F238E27FC236}">
+                  <a16:creationId xmlns:a16="http://schemas.microsoft.com/office/drawing/2014/main" id="{59BDEBA9-05ED-0315-9561-729B244A9284}"/>
+                </a:ext>
+              </a:extLst>
+            </p:cNvPr>
+            <p:cNvSpPr/>
+            <p:nvPr/>
+          </p:nvSpPr>
+          <p:spPr>
+            <a:xfrm>
+              <a:off x="8076674" y="848781"/>
+              <a:ext cx="1157514" cy="1419226"/>
+            </a:xfrm>
+            <a:prstGeom prst="rect">
+              <a:avLst/>
+            </a:prstGeom>
+            <a:noFill/>
+            <a:ln w="28575">
+              <a:solidFill>
+                <a:schemeClr val="tx1"/>
+              </a:solidFill>
+            </a:ln>
+          </p:spPr>
+          <p:style>
+            <a:lnRef idx="2">
+              <a:schemeClr val="accent1">
+                <a:shade val="15000"/>
+              </a:schemeClr>
+            </a:lnRef>
+            <a:fillRef idx="1">
+              <a:schemeClr val="accent1"/>
+            </a:fillRef>
+            <a:effectRef idx="0">
+              <a:schemeClr val="accent1"/>
+            </a:effectRef>
+            <a:fontRef idx="minor">
+              <a:schemeClr val="lt1"/>
+            </a:fontRef>
+          </p:style>
+          <p:txBody>
+            <a:bodyPr rtlCol="0" anchor="ctr"/>
+            <a:lstStyle/>
+            <a:p>
+              <a:pPr algn="ctr"/>
+              <a:endParaRPr lang="zh-CN" altLang="en-US"/>
+            </a:p>
+          </p:txBody>
+        </p:sp>
+        <p:sp>
+          <p:nvSpPr>
+            <p:cNvPr id="7" name="文本框 6">
+              <a:extLst>
+                <a:ext uri="{FF2B5EF4-FFF2-40B4-BE49-F238E27FC236}">
+                  <a16:creationId xmlns:a16="http://schemas.microsoft.com/office/drawing/2014/main" id="{4CD9301E-15CE-5A56-EE87-14F8D025FF8F}"/>
+                </a:ext>
+              </a:extLst>
+            </p:cNvPr>
+            <p:cNvSpPr txBox="1"/>
+            <p:nvPr/>
+          </p:nvSpPr>
+          <p:spPr>
+            <a:xfrm>
+              <a:off x="8219216" y="910843"/>
+              <a:ext cx="869383" cy="1330285"/>
+            </a:xfrm>
+            <a:prstGeom prst="rect">
+              <a:avLst/>
+            </a:prstGeom>
+            <a:noFill/>
+          </p:spPr>
+          <p:txBody>
+            <a:bodyPr wrap="square" rtlCol="0">
+              <a:spAutoFit/>
+            </a:bodyPr>
+            <a:lstStyle/>
+            <a:p>
+              <a:pPr algn="ctr"/>
+              <a:r>
+                <a:rPr lang="en-US" altLang="zh-CN" sz="1600" b="1" dirty="0"/>
+                <a:t>Inverse Clarke + SPWM</a:t>
+              </a:r>
+            </a:p>
+            <a:p>
+              <a:pPr algn="ctr"/>
+              <a:endParaRPr lang="en-US" altLang="zh-CN" sz="900" b="1" dirty="0"/>
+            </a:p>
+            <a:p>
+              <a:pPr algn="ctr"/>
+              <a:r>
+                <a:rPr lang="en-US" altLang="zh-CN" sz="1600" b="1" dirty="0">
+                  <a:solidFill>
+                    <a:schemeClr val="bg2">
+                      <a:lumMod val="50000"/>
+                    </a:schemeClr>
+                  </a:solidFill>
+                </a:rPr>
+                <a:t>or</a:t>
+              </a:r>
+            </a:p>
+            <a:p>
+              <a:pPr algn="ctr"/>
+              <a:endParaRPr lang="en-US" altLang="zh-CN" sz="900" b="1" dirty="0"/>
+            </a:p>
+            <a:p>
+              <a:pPr algn="ctr"/>
+              <a:r>
+                <a:rPr lang="en-US" altLang="zh-CN" sz="1600" b="1" dirty="0"/>
+                <a:t>SVPWM</a:t>
+              </a:r>
+              <a:endParaRPr lang="zh-CN" altLang="en-US" sz="1600" b="1" dirty="0"/>
+            </a:p>
+          </p:txBody>
+        </p:sp>
+      </p:grpSp>
     </p:spTree>
     <p:extLst>
       <p:ext uri="{BB962C8B-B14F-4D97-AF65-F5344CB8AC3E}">
@@ -20886,8 +20999,4609 @@
           <a:chExt cx="0" cy="0"/>
         </a:xfrm>
       </p:grpSpPr>
+      <p:cxnSp>
+        <p:nvCxnSpPr>
+          <p:cNvPr id="3" name="直接箭头连接符 2">
+            <a:extLst>
+              <a:ext uri="{FF2B5EF4-FFF2-40B4-BE49-F238E27FC236}">
+                <a16:creationId xmlns:a16="http://schemas.microsoft.com/office/drawing/2014/main" id="{A10C88E4-0D23-4970-53B7-08D8C3313BE4}"/>
+              </a:ext>
+            </a:extLst>
+          </p:cNvPr>
+          <p:cNvCxnSpPr>
+            <a:cxnSpLocks/>
+          </p:cNvCxnSpPr>
+          <p:nvPr/>
+        </p:nvCxnSpPr>
+        <p:spPr>
+          <a:xfrm>
+            <a:off x="1348907" y="3473556"/>
+            <a:ext cx="1573161" cy="0"/>
+          </a:xfrm>
+          <a:prstGeom prst="straightConnector1">
+            <a:avLst/>
+          </a:prstGeom>
+          <a:ln w="57150">
+            <a:solidFill>
+              <a:schemeClr val="tx1"/>
+            </a:solidFill>
+            <a:tailEnd type="triangle"/>
+          </a:ln>
+        </p:spPr>
+        <p:style>
+          <a:lnRef idx="2">
+            <a:schemeClr val="accent1"/>
+          </a:lnRef>
+          <a:fillRef idx="0">
+            <a:schemeClr val="accent1"/>
+          </a:fillRef>
+          <a:effectRef idx="1">
+            <a:schemeClr val="accent1"/>
+          </a:effectRef>
+          <a:fontRef idx="minor">
+            <a:schemeClr val="tx1"/>
+          </a:fontRef>
+        </p:style>
+      </p:cxnSp>
+      <p:cxnSp>
+        <p:nvCxnSpPr>
+          <p:cNvPr id="5" name="直接箭头连接符 4">
+            <a:extLst>
+              <a:ext uri="{FF2B5EF4-FFF2-40B4-BE49-F238E27FC236}">
+                <a16:creationId xmlns:a16="http://schemas.microsoft.com/office/drawing/2014/main" id="{C1CBDF8F-9B3B-0D13-2043-C763CABA432D}"/>
+              </a:ext>
+            </a:extLst>
+          </p:cNvPr>
+          <p:cNvCxnSpPr>
+            <a:cxnSpLocks/>
+          </p:cNvCxnSpPr>
+          <p:nvPr/>
+        </p:nvCxnSpPr>
+        <p:spPr>
+          <a:xfrm flipH="1" flipV="1">
+            <a:off x="640984" y="2224860"/>
+            <a:ext cx="707923" cy="1248696"/>
+          </a:xfrm>
+          <a:prstGeom prst="straightConnector1">
+            <a:avLst/>
+          </a:prstGeom>
+          <a:ln w="57150">
+            <a:solidFill>
+              <a:schemeClr val="tx1"/>
+            </a:solidFill>
+            <a:tailEnd type="triangle"/>
+          </a:ln>
+        </p:spPr>
+        <p:style>
+          <a:lnRef idx="2">
+            <a:schemeClr val="accent1"/>
+          </a:lnRef>
+          <a:fillRef idx="0">
+            <a:schemeClr val="accent1"/>
+          </a:fillRef>
+          <a:effectRef idx="1">
+            <a:schemeClr val="accent1"/>
+          </a:effectRef>
+          <a:fontRef idx="minor">
+            <a:schemeClr val="tx1"/>
+          </a:fontRef>
+        </p:style>
+      </p:cxnSp>
+      <p:cxnSp>
+        <p:nvCxnSpPr>
+          <p:cNvPr id="8" name="直接箭头连接符 7">
+            <a:extLst>
+              <a:ext uri="{FF2B5EF4-FFF2-40B4-BE49-F238E27FC236}">
+                <a16:creationId xmlns:a16="http://schemas.microsoft.com/office/drawing/2014/main" id="{448BABF4-C2F8-BEAC-4E96-EFD90AFE1EB5}"/>
+              </a:ext>
+            </a:extLst>
+          </p:cNvPr>
+          <p:cNvCxnSpPr>
+            <a:cxnSpLocks/>
+          </p:cNvCxnSpPr>
+          <p:nvPr/>
+        </p:nvCxnSpPr>
+        <p:spPr>
+          <a:xfrm flipH="1">
+            <a:off x="709810" y="3473556"/>
+            <a:ext cx="639097" cy="1268361"/>
+          </a:xfrm>
+          <a:prstGeom prst="straightConnector1">
+            <a:avLst/>
+          </a:prstGeom>
+          <a:ln w="57150">
+            <a:solidFill>
+              <a:schemeClr val="tx1"/>
+            </a:solidFill>
+            <a:tailEnd type="triangle"/>
+          </a:ln>
+        </p:spPr>
+        <p:style>
+          <a:lnRef idx="2">
+            <a:schemeClr val="accent1"/>
+          </a:lnRef>
+          <a:fillRef idx="0">
+            <a:schemeClr val="accent1"/>
+          </a:fillRef>
+          <a:effectRef idx="1">
+            <a:schemeClr val="accent1"/>
+          </a:effectRef>
+          <a:fontRef idx="minor">
+            <a:schemeClr val="tx1"/>
+          </a:fontRef>
+        </p:style>
+      </p:cxnSp>
+      <p:cxnSp>
+        <p:nvCxnSpPr>
+          <p:cNvPr id="18" name="直接箭头连接符 17">
+            <a:extLst>
+              <a:ext uri="{FF2B5EF4-FFF2-40B4-BE49-F238E27FC236}">
+                <a16:creationId xmlns:a16="http://schemas.microsoft.com/office/drawing/2014/main" id="{2B9BAAEB-18D7-6443-365C-F969C107D9EA}"/>
+              </a:ext>
+            </a:extLst>
+          </p:cNvPr>
+          <p:cNvCxnSpPr>
+            <a:cxnSpLocks/>
+          </p:cNvCxnSpPr>
+          <p:nvPr/>
+        </p:nvCxnSpPr>
+        <p:spPr>
+          <a:xfrm>
+            <a:off x="1348907" y="3473556"/>
+            <a:ext cx="2030362" cy="0"/>
+          </a:xfrm>
+          <a:prstGeom prst="straightConnector1">
+            <a:avLst/>
+          </a:prstGeom>
+          <a:ln w="57150">
+            <a:solidFill>
+              <a:srgbClr val="FF0000"/>
+            </a:solidFill>
+            <a:tailEnd type="triangle"/>
+          </a:ln>
+        </p:spPr>
+        <p:style>
+          <a:lnRef idx="2">
+            <a:schemeClr val="accent1"/>
+          </a:lnRef>
+          <a:fillRef idx="0">
+            <a:schemeClr val="accent1"/>
+          </a:fillRef>
+          <a:effectRef idx="1">
+            <a:schemeClr val="accent1"/>
+          </a:effectRef>
+          <a:fontRef idx="minor">
+            <a:schemeClr val="tx1"/>
+          </a:fontRef>
+        </p:style>
+      </p:cxnSp>
+      <p:cxnSp>
+        <p:nvCxnSpPr>
+          <p:cNvPr id="20" name="直接箭头连接符 19">
+            <a:extLst>
+              <a:ext uri="{FF2B5EF4-FFF2-40B4-BE49-F238E27FC236}">
+                <a16:creationId xmlns:a16="http://schemas.microsoft.com/office/drawing/2014/main" id="{89A29B94-4870-A1DC-9710-CC270E757052}"/>
+              </a:ext>
+            </a:extLst>
+          </p:cNvPr>
+          <p:cNvCxnSpPr>
+            <a:cxnSpLocks/>
+          </p:cNvCxnSpPr>
+          <p:nvPr/>
+        </p:nvCxnSpPr>
+        <p:spPr>
+          <a:xfrm flipV="1">
+            <a:off x="1348907" y="1516937"/>
+            <a:ext cx="0" cy="1956619"/>
+          </a:xfrm>
+          <a:prstGeom prst="straightConnector1">
+            <a:avLst/>
+          </a:prstGeom>
+          <a:ln w="57150">
+            <a:solidFill>
+              <a:srgbClr val="FF0000"/>
+            </a:solidFill>
+            <a:tailEnd type="triangle"/>
+          </a:ln>
+        </p:spPr>
+        <p:style>
+          <a:lnRef idx="2">
+            <a:schemeClr val="accent1"/>
+          </a:lnRef>
+          <a:fillRef idx="0">
+            <a:schemeClr val="accent1"/>
+          </a:fillRef>
+          <a:effectRef idx="1">
+            <a:schemeClr val="accent1"/>
+          </a:effectRef>
+          <a:fontRef idx="minor">
+            <a:schemeClr val="tx1"/>
+          </a:fontRef>
+        </p:style>
+      </p:cxnSp>
+      <mc:AlternateContent xmlns:mc="http://schemas.openxmlformats.org/markup-compatibility/2006" xmlns:a14="http://schemas.microsoft.com/office/drawing/2010/main">
+        <mc:Choice Requires="a14">
+          <p:sp>
+            <p:nvSpPr>
+              <p:cNvPr id="23" name="文本框 22">
+                <a:extLst>
+                  <a:ext uri="{FF2B5EF4-FFF2-40B4-BE49-F238E27FC236}">
+                    <a16:creationId xmlns:a16="http://schemas.microsoft.com/office/drawing/2014/main" id="{6C975E42-4166-EEB3-A7D7-BE7560A3F6BB}"/>
+                  </a:ext>
+                </a:extLst>
+              </p:cNvPr>
+              <p:cNvSpPr txBox="1"/>
+              <p:nvPr/>
+            </p:nvSpPr>
+            <p:spPr>
+              <a:xfrm>
+                <a:off x="3379269" y="3473556"/>
+                <a:ext cx="278601" cy="369332"/>
+              </a:xfrm>
+              <a:prstGeom prst="rect">
+                <a:avLst/>
+              </a:prstGeom>
+              <a:noFill/>
+            </p:spPr>
+            <p:txBody>
+              <a:bodyPr wrap="none" lIns="0" tIns="0" rIns="0" bIns="0" rtlCol="0">
+                <a:spAutoFit/>
+              </a:bodyPr>
+              <a:lstStyle/>
+              <a:p>
+                <a:pPr/>
+                <a14:m>
+                  <m:oMathPara xmlns:m="http://schemas.openxmlformats.org/officeDocument/2006/math">
+                    <m:oMathParaPr>
+                      <m:jc m:val="centerGroup"/>
+                    </m:oMathParaPr>
+                    <m:oMath xmlns:m="http://schemas.openxmlformats.org/officeDocument/2006/math">
+                      <m:r>
+                        <a:rPr lang="zh-CN" altLang="en-US" sz="2400" i="1" smtClean="0">
+                          <a:solidFill>
+                            <a:srgbClr val="FF0000"/>
+                          </a:solidFill>
+                          <a:latin typeface="Cambria Math" panose="02040503050406030204" pitchFamily="18" charset="0"/>
+                        </a:rPr>
+                        <m:t>𝛼</m:t>
+                      </m:r>
+                    </m:oMath>
+                  </m:oMathPara>
+                </a14:m>
+                <a:endParaRPr lang="zh-CN" altLang="en-US" sz="2400" dirty="0">
+                  <a:solidFill>
+                    <a:srgbClr val="FF0000"/>
+                  </a:solidFill>
+                </a:endParaRPr>
+              </a:p>
+            </p:txBody>
+          </p:sp>
+        </mc:Choice>
+        <mc:Fallback xmlns="">
+          <p:sp>
+            <p:nvSpPr>
+              <p:cNvPr id="23" name="文本框 22">
+                <a:extLst>
+                  <a:ext uri="{FF2B5EF4-FFF2-40B4-BE49-F238E27FC236}">
+                    <a16:creationId xmlns:a16="http://schemas.microsoft.com/office/drawing/2014/main" id="{6C975E42-4166-EEB3-A7D7-BE7560A3F6BB}"/>
+                  </a:ext>
+                </a:extLst>
+              </p:cNvPr>
+              <p:cNvSpPr txBox="1">
+                <a:spLocks noRot="1" noChangeAspect="1" noMove="1" noResize="1" noEditPoints="1" noAdjustHandles="1" noChangeArrowheads="1" noChangeShapeType="1" noTextEdit="1"/>
+              </p:cNvSpPr>
+              <p:nvPr/>
+            </p:nvSpPr>
+            <p:spPr>
+              <a:xfrm>
+                <a:off x="3379269" y="3473556"/>
+                <a:ext cx="278601" cy="369332"/>
+              </a:xfrm>
+              <a:prstGeom prst="rect">
+                <a:avLst/>
+              </a:prstGeom>
+              <a:blipFill>
+                <a:blip r:embed="rId2"/>
+                <a:stretch>
+                  <a:fillRect l="-10870" r="-8696"/>
+                </a:stretch>
+              </a:blipFill>
+            </p:spPr>
+            <p:txBody>
+              <a:bodyPr/>
+              <a:lstStyle/>
+              <a:p>
+                <a:r>
+                  <a:rPr lang="zh-CN" altLang="en-US">
+                    <a:noFill/>
+                  </a:rPr>
+                  <a:t> </a:t>
+                </a:r>
+              </a:p>
+            </p:txBody>
+          </p:sp>
+        </mc:Fallback>
+      </mc:AlternateContent>
+      <mc:AlternateContent xmlns:mc="http://schemas.openxmlformats.org/markup-compatibility/2006" xmlns:a14="http://schemas.microsoft.com/office/drawing/2010/main">
+        <mc:Choice Requires="a14">
+          <p:sp>
+            <p:nvSpPr>
+              <p:cNvPr id="24" name="文本框 23">
+                <a:extLst>
+                  <a:ext uri="{FF2B5EF4-FFF2-40B4-BE49-F238E27FC236}">
+                    <a16:creationId xmlns:a16="http://schemas.microsoft.com/office/drawing/2014/main" id="{F5E500CD-D53E-F781-9844-0AD9E6126D10}"/>
+                  </a:ext>
+                </a:extLst>
+              </p:cNvPr>
+              <p:cNvSpPr txBox="1"/>
+              <p:nvPr/>
+            </p:nvSpPr>
+            <p:spPr>
+              <a:xfrm>
+                <a:off x="1530805" y="1332271"/>
+                <a:ext cx="280205" cy="369332"/>
+              </a:xfrm>
+              <a:prstGeom prst="rect">
+                <a:avLst/>
+              </a:prstGeom>
+              <a:noFill/>
+            </p:spPr>
+            <p:txBody>
+              <a:bodyPr wrap="none" lIns="0" tIns="0" rIns="0" bIns="0" rtlCol="0">
+                <a:spAutoFit/>
+              </a:bodyPr>
+              <a:lstStyle/>
+              <a:p>
+                <a:pPr/>
+                <a14:m>
+                  <m:oMathPara xmlns:m="http://schemas.openxmlformats.org/officeDocument/2006/math">
+                    <m:oMathParaPr>
+                      <m:jc m:val="centerGroup"/>
+                    </m:oMathParaPr>
+                    <m:oMath xmlns:m="http://schemas.openxmlformats.org/officeDocument/2006/math">
+                      <m:r>
+                        <a:rPr lang="zh-CN" altLang="en-US" sz="2400" i="1" smtClean="0">
+                          <a:solidFill>
+                            <a:srgbClr val="FF0000"/>
+                          </a:solidFill>
+                          <a:latin typeface="Cambria Math" panose="02040503050406030204" pitchFamily="18" charset="0"/>
+                        </a:rPr>
+                        <m:t>𝛽</m:t>
+                      </m:r>
+                    </m:oMath>
+                  </m:oMathPara>
+                </a14:m>
+                <a:endParaRPr lang="zh-CN" altLang="en-US" sz="2400" dirty="0">
+                  <a:solidFill>
+                    <a:srgbClr val="FF0000"/>
+                  </a:solidFill>
+                </a:endParaRPr>
+              </a:p>
+            </p:txBody>
+          </p:sp>
+        </mc:Choice>
+        <mc:Fallback xmlns="">
+          <p:sp>
+            <p:nvSpPr>
+              <p:cNvPr id="24" name="文本框 23">
+                <a:extLst>
+                  <a:ext uri="{FF2B5EF4-FFF2-40B4-BE49-F238E27FC236}">
+                    <a16:creationId xmlns:a16="http://schemas.microsoft.com/office/drawing/2014/main" id="{F5E500CD-D53E-F781-9844-0AD9E6126D10}"/>
+                  </a:ext>
+                </a:extLst>
+              </p:cNvPr>
+              <p:cNvSpPr txBox="1">
+                <a:spLocks noRot="1" noChangeAspect="1" noMove="1" noResize="1" noEditPoints="1" noAdjustHandles="1" noChangeArrowheads="1" noChangeShapeType="1" noTextEdit="1"/>
+              </p:cNvSpPr>
+              <p:nvPr/>
+            </p:nvSpPr>
+            <p:spPr>
+              <a:xfrm>
+                <a:off x="1530805" y="1332271"/>
+                <a:ext cx="280205" cy="369332"/>
+              </a:xfrm>
+              <a:prstGeom prst="rect">
+                <a:avLst/>
+              </a:prstGeom>
+              <a:blipFill>
+                <a:blip r:embed="rId3"/>
+                <a:stretch>
+                  <a:fillRect l="-34783" r="-32609" b="-35000"/>
+                </a:stretch>
+              </a:blipFill>
+            </p:spPr>
+            <p:txBody>
+              <a:bodyPr/>
+              <a:lstStyle/>
+              <a:p>
+                <a:r>
+                  <a:rPr lang="zh-CN" altLang="en-US">
+                    <a:noFill/>
+                  </a:rPr>
+                  <a:t> </a:t>
+                </a:r>
+              </a:p>
+            </p:txBody>
+          </p:sp>
+        </mc:Fallback>
+      </mc:AlternateContent>
+      <mc:AlternateContent xmlns:mc="http://schemas.openxmlformats.org/markup-compatibility/2006" xmlns:a14="http://schemas.microsoft.com/office/drawing/2010/main">
+        <mc:Choice Requires="a14">
+          <p:sp>
+            <p:nvSpPr>
+              <p:cNvPr id="25" name="文本框 24">
+                <a:extLst>
+                  <a:ext uri="{FF2B5EF4-FFF2-40B4-BE49-F238E27FC236}">
+                    <a16:creationId xmlns:a16="http://schemas.microsoft.com/office/drawing/2014/main" id="{EB9B44D2-B309-3851-BDBD-0BEBD3A22788}"/>
+                  </a:ext>
+                </a:extLst>
+              </p:cNvPr>
+              <p:cNvSpPr txBox="1"/>
+              <p:nvPr/>
+            </p:nvSpPr>
+            <p:spPr>
+              <a:xfrm>
+                <a:off x="2574618" y="2919559"/>
+                <a:ext cx="283539" cy="369332"/>
+              </a:xfrm>
+              <a:prstGeom prst="rect">
+                <a:avLst/>
+              </a:prstGeom>
+              <a:noFill/>
+            </p:spPr>
+            <p:txBody>
+              <a:bodyPr wrap="none" lIns="0" tIns="0" rIns="0" bIns="0" rtlCol="0">
+                <a:spAutoFit/>
+              </a:bodyPr>
+              <a:lstStyle/>
+              <a:p>
+                <a:pPr/>
+                <a14:m>
+                  <m:oMathPara xmlns:m="http://schemas.openxmlformats.org/officeDocument/2006/math">
+                    <m:oMathParaPr>
+                      <m:jc m:val="centerGroup"/>
+                    </m:oMathParaPr>
+                    <m:oMath xmlns:m="http://schemas.openxmlformats.org/officeDocument/2006/math">
+                      <m:r>
+                        <a:rPr lang="en-US" altLang="zh-CN" sz="2400" b="0" i="1" smtClean="0">
+                          <a:solidFill>
+                            <a:schemeClr val="tx1"/>
+                          </a:solidFill>
+                          <a:latin typeface="Cambria Math" panose="02040503050406030204" pitchFamily="18" charset="0"/>
+                        </a:rPr>
+                        <m:t>𝐴</m:t>
+                      </m:r>
+                    </m:oMath>
+                  </m:oMathPara>
+                </a14:m>
+                <a:endParaRPr lang="zh-CN" altLang="en-US" sz="2400" dirty="0">
+                  <a:solidFill>
+                    <a:schemeClr val="tx1"/>
+                  </a:solidFill>
+                </a:endParaRPr>
+              </a:p>
+            </p:txBody>
+          </p:sp>
+        </mc:Choice>
+        <mc:Fallback xmlns="">
+          <p:sp>
+            <p:nvSpPr>
+              <p:cNvPr id="25" name="文本框 24">
+                <a:extLst>
+                  <a:ext uri="{FF2B5EF4-FFF2-40B4-BE49-F238E27FC236}">
+                    <a16:creationId xmlns:a16="http://schemas.microsoft.com/office/drawing/2014/main" id="{EB9B44D2-B309-3851-BDBD-0BEBD3A22788}"/>
+                  </a:ext>
+                </a:extLst>
+              </p:cNvPr>
+              <p:cNvSpPr txBox="1">
+                <a:spLocks noRot="1" noChangeAspect="1" noMove="1" noResize="1" noEditPoints="1" noAdjustHandles="1" noChangeArrowheads="1" noChangeShapeType="1" noTextEdit="1"/>
+              </p:cNvSpPr>
+              <p:nvPr/>
+            </p:nvSpPr>
+            <p:spPr>
+              <a:xfrm>
+                <a:off x="2574618" y="2919559"/>
+                <a:ext cx="283539" cy="369332"/>
+              </a:xfrm>
+              <a:prstGeom prst="rect">
+                <a:avLst/>
+              </a:prstGeom>
+              <a:blipFill>
+                <a:blip r:embed="rId4"/>
+                <a:stretch>
+                  <a:fillRect l="-21277" r="-21277" b="-4918"/>
+                </a:stretch>
+              </a:blipFill>
+            </p:spPr>
+            <p:txBody>
+              <a:bodyPr/>
+              <a:lstStyle/>
+              <a:p>
+                <a:r>
+                  <a:rPr lang="zh-CN" altLang="en-US">
+                    <a:noFill/>
+                  </a:rPr>
+                  <a:t> </a:t>
+                </a:r>
+              </a:p>
+            </p:txBody>
+          </p:sp>
+        </mc:Fallback>
+      </mc:AlternateContent>
+      <mc:AlternateContent xmlns:mc="http://schemas.openxmlformats.org/markup-compatibility/2006" xmlns:a14="http://schemas.microsoft.com/office/drawing/2010/main">
+        <mc:Choice Requires="a14">
+          <p:sp>
+            <p:nvSpPr>
+              <p:cNvPr id="26" name="文本框 25">
+                <a:extLst>
+                  <a:ext uri="{FF2B5EF4-FFF2-40B4-BE49-F238E27FC236}">
+                    <a16:creationId xmlns:a16="http://schemas.microsoft.com/office/drawing/2014/main" id="{DA839B83-D4BD-09C3-9E13-6804DD26798B}"/>
+                  </a:ext>
+                </a:extLst>
+              </p:cNvPr>
+              <p:cNvSpPr txBox="1"/>
+              <p:nvPr/>
+            </p:nvSpPr>
+            <p:spPr>
+              <a:xfrm>
+                <a:off x="317317" y="1855528"/>
+                <a:ext cx="295209" cy="369332"/>
+              </a:xfrm>
+              <a:prstGeom prst="rect">
+                <a:avLst/>
+              </a:prstGeom>
+              <a:noFill/>
+            </p:spPr>
+            <p:txBody>
+              <a:bodyPr wrap="none" lIns="0" tIns="0" rIns="0" bIns="0" rtlCol="0">
+                <a:spAutoFit/>
+              </a:bodyPr>
+              <a:lstStyle/>
+              <a:p>
+                <a:pPr/>
+                <a14:m>
+                  <m:oMathPara xmlns:m="http://schemas.openxmlformats.org/officeDocument/2006/math">
+                    <m:oMathParaPr>
+                      <m:jc m:val="centerGroup"/>
+                    </m:oMathParaPr>
+                    <m:oMath xmlns:m="http://schemas.openxmlformats.org/officeDocument/2006/math">
+                      <m:r>
+                        <a:rPr lang="en-US" altLang="zh-CN" sz="2400" b="0" i="1" smtClean="0">
+                          <a:solidFill>
+                            <a:schemeClr val="tx1"/>
+                          </a:solidFill>
+                          <a:latin typeface="Cambria Math" panose="02040503050406030204" pitchFamily="18" charset="0"/>
+                        </a:rPr>
+                        <m:t>𝐵</m:t>
+                      </m:r>
+                    </m:oMath>
+                  </m:oMathPara>
+                </a14:m>
+                <a:endParaRPr lang="zh-CN" altLang="en-US" sz="2400" dirty="0">
+                  <a:solidFill>
+                    <a:schemeClr val="tx1"/>
+                  </a:solidFill>
+                </a:endParaRPr>
+              </a:p>
+            </p:txBody>
+          </p:sp>
+        </mc:Choice>
+        <mc:Fallback xmlns="">
+          <p:sp>
+            <p:nvSpPr>
+              <p:cNvPr id="26" name="文本框 25">
+                <a:extLst>
+                  <a:ext uri="{FF2B5EF4-FFF2-40B4-BE49-F238E27FC236}">
+                    <a16:creationId xmlns:a16="http://schemas.microsoft.com/office/drawing/2014/main" id="{DA839B83-D4BD-09C3-9E13-6804DD26798B}"/>
+                  </a:ext>
+                </a:extLst>
+              </p:cNvPr>
+              <p:cNvSpPr txBox="1">
+                <a:spLocks noRot="1" noChangeAspect="1" noMove="1" noResize="1" noEditPoints="1" noAdjustHandles="1" noChangeArrowheads="1" noChangeShapeType="1" noTextEdit="1"/>
+              </p:cNvSpPr>
+              <p:nvPr/>
+            </p:nvSpPr>
+            <p:spPr>
+              <a:xfrm>
+                <a:off x="317317" y="1855528"/>
+                <a:ext cx="295209" cy="369332"/>
+              </a:xfrm>
+              <a:prstGeom prst="rect">
+                <a:avLst/>
+              </a:prstGeom>
+              <a:blipFill>
+                <a:blip r:embed="rId5"/>
+                <a:stretch>
+                  <a:fillRect l="-20833" r="-20833" b="-6557"/>
+                </a:stretch>
+              </a:blipFill>
+            </p:spPr>
+            <p:txBody>
+              <a:bodyPr/>
+              <a:lstStyle/>
+              <a:p>
+                <a:r>
+                  <a:rPr lang="zh-CN" altLang="en-US">
+                    <a:noFill/>
+                  </a:rPr>
+                  <a:t> </a:t>
+                </a:r>
+              </a:p>
+            </p:txBody>
+          </p:sp>
+        </mc:Fallback>
+      </mc:AlternateContent>
+      <mc:AlternateContent xmlns:mc="http://schemas.openxmlformats.org/markup-compatibility/2006" xmlns:a14="http://schemas.microsoft.com/office/drawing/2010/main">
+        <mc:Choice Requires="a14">
+          <p:sp>
+            <p:nvSpPr>
+              <p:cNvPr id="27" name="文本框 26">
+                <a:extLst>
+                  <a:ext uri="{FF2B5EF4-FFF2-40B4-BE49-F238E27FC236}">
+                    <a16:creationId xmlns:a16="http://schemas.microsoft.com/office/drawing/2014/main" id="{6CE46217-F7EE-57E6-8D96-1A4236E4D770}"/>
+                  </a:ext>
+                </a:extLst>
+              </p:cNvPr>
+              <p:cNvSpPr txBox="1"/>
+              <p:nvPr/>
+            </p:nvSpPr>
+            <p:spPr>
+              <a:xfrm>
+                <a:off x="255003" y="4372585"/>
+                <a:ext cx="282833" cy="369332"/>
+              </a:xfrm>
+              <a:prstGeom prst="rect">
+                <a:avLst/>
+              </a:prstGeom>
+              <a:noFill/>
+            </p:spPr>
+            <p:txBody>
+              <a:bodyPr wrap="none" lIns="0" tIns="0" rIns="0" bIns="0" rtlCol="0">
+                <a:spAutoFit/>
+              </a:bodyPr>
+              <a:lstStyle/>
+              <a:p>
+                <a:pPr/>
+                <a14:m>
+                  <m:oMathPara xmlns:m="http://schemas.openxmlformats.org/officeDocument/2006/math">
+                    <m:oMathParaPr>
+                      <m:jc m:val="centerGroup"/>
+                    </m:oMathParaPr>
+                    <m:oMath xmlns:m="http://schemas.openxmlformats.org/officeDocument/2006/math">
+                      <m:r>
+                        <a:rPr lang="en-US" altLang="zh-CN" sz="2400" b="0" i="1" smtClean="0">
+                          <a:solidFill>
+                            <a:schemeClr val="tx1"/>
+                          </a:solidFill>
+                          <a:latin typeface="Cambria Math" panose="02040503050406030204" pitchFamily="18" charset="0"/>
+                        </a:rPr>
+                        <m:t>𝐶</m:t>
+                      </m:r>
+                    </m:oMath>
+                  </m:oMathPara>
+                </a14:m>
+                <a:endParaRPr lang="zh-CN" altLang="en-US" sz="2400" dirty="0">
+                  <a:solidFill>
+                    <a:schemeClr val="tx1"/>
+                  </a:solidFill>
+                </a:endParaRPr>
+              </a:p>
+            </p:txBody>
+          </p:sp>
+        </mc:Choice>
+        <mc:Fallback xmlns="">
+          <p:sp>
+            <p:nvSpPr>
+              <p:cNvPr id="27" name="文本框 26">
+                <a:extLst>
+                  <a:ext uri="{FF2B5EF4-FFF2-40B4-BE49-F238E27FC236}">
+                    <a16:creationId xmlns:a16="http://schemas.microsoft.com/office/drawing/2014/main" id="{6CE46217-F7EE-57E6-8D96-1A4236E4D770}"/>
+                  </a:ext>
+                </a:extLst>
+              </p:cNvPr>
+              <p:cNvSpPr txBox="1">
+                <a:spLocks noRot="1" noChangeAspect="1" noMove="1" noResize="1" noEditPoints="1" noAdjustHandles="1" noChangeArrowheads="1" noChangeShapeType="1" noTextEdit="1"/>
+              </p:cNvSpPr>
+              <p:nvPr/>
+            </p:nvSpPr>
+            <p:spPr>
+              <a:xfrm>
+                <a:off x="255003" y="4372585"/>
+                <a:ext cx="282833" cy="369332"/>
+              </a:xfrm>
+              <a:prstGeom prst="rect">
+                <a:avLst/>
+              </a:prstGeom>
+              <a:blipFill>
+                <a:blip r:embed="rId6"/>
+                <a:stretch>
+                  <a:fillRect l="-23913" r="-17391" b="-6557"/>
+                </a:stretch>
+              </a:blipFill>
+            </p:spPr>
+            <p:txBody>
+              <a:bodyPr/>
+              <a:lstStyle/>
+              <a:p>
+                <a:r>
+                  <a:rPr lang="zh-CN" altLang="en-US">
+                    <a:noFill/>
+                  </a:rPr>
+                  <a:t> </a:t>
+                </a:r>
+              </a:p>
+            </p:txBody>
+          </p:sp>
+        </mc:Fallback>
+      </mc:AlternateContent>
+      <p:cxnSp>
+        <p:nvCxnSpPr>
+          <p:cNvPr id="28" name="直接箭头连接符 27">
+            <a:extLst>
+              <a:ext uri="{FF2B5EF4-FFF2-40B4-BE49-F238E27FC236}">
+                <a16:creationId xmlns:a16="http://schemas.microsoft.com/office/drawing/2014/main" id="{67840523-DBDB-19E0-545F-3B3C33FF5F83}"/>
+              </a:ext>
+            </a:extLst>
+          </p:cNvPr>
+          <p:cNvCxnSpPr>
+            <a:cxnSpLocks/>
+          </p:cNvCxnSpPr>
+          <p:nvPr/>
+        </p:nvCxnSpPr>
+        <p:spPr>
+          <a:xfrm>
+            <a:off x="9414268" y="3741174"/>
+            <a:ext cx="2030362" cy="0"/>
+          </a:xfrm>
+          <a:prstGeom prst="straightConnector1">
+            <a:avLst/>
+          </a:prstGeom>
+          <a:ln w="57150">
+            <a:solidFill>
+              <a:srgbClr val="FF0000"/>
+            </a:solidFill>
+            <a:tailEnd type="triangle"/>
+          </a:ln>
+        </p:spPr>
+        <p:style>
+          <a:lnRef idx="2">
+            <a:schemeClr val="accent1"/>
+          </a:lnRef>
+          <a:fillRef idx="0">
+            <a:schemeClr val="accent1"/>
+          </a:fillRef>
+          <a:effectRef idx="1">
+            <a:schemeClr val="accent1"/>
+          </a:effectRef>
+          <a:fontRef idx="minor">
+            <a:schemeClr val="tx1"/>
+          </a:fontRef>
+        </p:style>
+      </p:cxnSp>
+      <p:cxnSp>
+        <p:nvCxnSpPr>
+          <p:cNvPr id="29" name="直接箭头连接符 28">
+            <a:extLst>
+              <a:ext uri="{FF2B5EF4-FFF2-40B4-BE49-F238E27FC236}">
+                <a16:creationId xmlns:a16="http://schemas.microsoft.com/office/drawing/2014/main" id="{D29F9DAA-574B-ADD8-B708-570C4C4C37A8}"/>
+              </a:ext>
+            </a:extLst>
+          </p:cNvPr>
+          <p:cNvCxnSpPr>
+            <a:cxnSpLocks/>
+          </p:cNvCxnSpPr>
+          <p:nvPr/>
+        </p:nvCxnSpPr>
+        <p:spPr>
+          <a:xfrm flipV="1">
+            <a:off x="9414268" y="1784555"/>
+            <a:ext cx="0" cy="1956619"/>
+          </a:xfrm>
+          <a:prstGeom prst="straightConnector1">
+            <a:avLst/>
+          </a:prstGeom>
+          <a:ln w="57150">
+            <a:solidFill>
+              <a:srgbClr val="FF0000"/>
+            </a:solidFill>
+            <a:tailEnd type="triangle"/>
+          </a:ln>
+        </p:spPr>
+        <p:style>
+          <a:lnRef idx="2">
+            <a:schemeClr val="accent1"/>
+          </a:lnRef>
+          <a:fillRef idx="0">
+            <a:schemeClr val="accent1"/>
+          </a:fillRef>
+          <a:effectRef idx="1">
+            <a:schemeClr val="accent1"/>
+          </a:effectRef>
+          <a:fontRef idx="minor">
+            <a:schemeClr val="tx1"/>
+          </a:fontRef>
+        </p:style>
+      </p:cxnSp>
+      <mc:AlternateContent xmlns:mc="http://schemas.openxmlformats.org/markup-compatibility/2006" xmlns:a14="http://schemas.microsoft.com/office/drawing/2010/main">
+        <mc:Choice Requires="a14">
+          <p:sp>
+            <p:nvSpPr>
+              <p:cNvPr id="30" name="文本框 29">
+                <a:extLst>
+                  <a:ext uri="{FF2B5EF4-FFF2-40B4-BE49-F238E27FC236}">
+                    <a16:creationId xmlns:a16="http://schemas.microsoft.com/office/drawing/2014/main" id="{40034D56-A7AF-63A1-F30A-BDDA62E30E42}"/>
+                  </a:ext>
+                </a:extLst>
+              </p:cNvPr>
+              <p:cNvSpPr txBox="1"/>
+              <p:nvPr/>
+            </p:nvSpPr>
+            <p:spPr>
+              <a:xfrm>
+                <a:off x="11444630" y="3741174"/>
+                <a:ext cx="278601" cy="369332"/>
+              </a:xfrm>
+              <a:prstGeom prst="rect">
+                <a:avLst/>
+              </a:prstGeom>
+              <a:noFill/>
+            </p:spPr>
+            <p:txBody>
+              <a:bodyPr wrap="none" lIns="0" tIns="0" rIns="0" bIns="0" rtlCol="0">
+                <a:spAutoFit/>
+              </a:bodyPr>
+              <a:lstStyle/>
+              <a:p>
+                <a:pPr/>
+                <a14:m>
+                  <m:oMathPara xmlns:m="http://schemas.openxmlformats.org/officeDocument/2006/math">
+                    <m:oMathParaPr>
+                      <m:jc m:val="centerGroup"/>
+                    </m:oMathParaPr>
+                    <m:oMath xmlns:m="http://schemas.openxmlformats.org/officeDocument/2006/math">
+                      <m:r>
+                        <a:rPr lang="zh-CN" altLang="en-US" sz="2400" i="1" smtClean="0">
+                          <a:solidFill>
+                            <a:srgbClr val="FF0000"/>
+                          </a:solidFill>
+                          <a:latin typeface="Cambria Math" panose="02040503050406030204" pitchFamily="18" charset="0"/>
+                        </a:rPr>
+                        <m:t>𝛼</m:t>
+                      </m:r>
+                    </m:oMath>
+                  </m:oMathPara>
+                </a14:m>
+                <a:endParaRPr lang="zh-CN" altLang="en-US" sz="2400" dirty="0">
+                  <a:solidFill>
+                    <a:srgbClr val="FF0000"/>
+                  </a:solidFill>
+                </a:endParaRPr>
+              </a:p>
+            </p:txBody>
+          </p:sp>
+        </mc:Choice>
+        <mc:Fallback xmlns="">
+          <p:sp>
+            <p:nvSpPr>
+              <p:cNvPr id="30" name="文本框 29">
+                <a:extLst>
+                  <a:ext uri="{FF2B5EF4-FFF2-40B4-BE49-F238E27FC236}">
+                    <a16:creationId xmlns:a16="http://schemas.microsoft.com/office/drawing/2014/main" id="{40034D56-A7AF-63A1-F30A-BDDA62E30E42}"/>
+                  </a:ext>
+                </a:extLst>
+              </p:cNvPr>
+              <p:cNvSpPr txBox="1">
+                <a:spLocks noRot="1" noChangeAspect="1" noMove="1" noResize="1" noEditPoints="1" noAdjustHandles="1" noChangeArrowheads="1" noChangeShapeType="1" noTextEdit="1"/>
+              </p:cNvSpPr>
+              <p:nvPr/>
+            </p:nvSpPr>
+            <p:spPr>
+              <a:xfrm>
+                <a:off x="11444630" y="3741174"/>
+                <a:ext cx="278601" cy="369332"/>
+              </a:xfrm>
+              <a:prstGeom prst="rect">
+                <a:avLst/>
+              </a:prstGeom>
+              <a:blipFill>
+                <a:blip r:embed="rId7"/>
+                <a:stretch>
+                  <a:fillRect l="-10870" r="-8696"/>
+                </a:stretch>
+              </a:blipFill>
+            </p:spPr>
+            <p:txBody>
+              <a:bodyPr/>
+              <a:lstStyle/>
+              <a:p>
+                <a:r>
+                  <a:rPr lang="zh-CN" altLang="en-US">
+                    <a:noFill/>
+                  </a:rPr>
+                  <a:t> </a:t>
+                </a:r>
+              </a:p>
+            </p:txBody>
+          </p:sp>
+        </mc:Fallback>
+      </mc:AlternateContent>
+      <mc:AlternateContent xmlns:mc="http://schemas.openxmlformats.org/markup-compatibility/2006" xmlns:a14="http://schemas.microsoft.com/office/drawing/2010/main">
+        <mc:Choice Requires="a14">
+          <p:sp>
+            <p:nvSpPr>
+              <p:cNvPr id="31" name="文本框 30">
+                <a:extLst>
+                  <a:ext uri="{FF2B5EF4-FFF2-40B4-BE49-F238E27FC236}">
+                    <a16:creationId xmlns:a16="http://schemas.microsoft.com/office/drawing/2014/main" id="{820F663E-93A0-FA5F-8090-4D761A883F90}"/>
+                  </a:ext>
+                </a:extLst>
+              </p:cNvPr>
+              <p:cNvSpPr txBox="1"/>
+              <p:nvPr/>
+            </p:nvSpPr>
+            <p:spPr>
+              <a:xfrm>
+                <a:off x="9596166" y="1599889"/>
+                <a:ext cx="280205" cy="369332"/>
+              </a:xfrm>
+              <a:prstGeom prst="rect">
+                <a:avLst/>
+              </a:prstGeom>
+              <a:noFill/>
+            </p:spPr>
+            <p:txBody>
+              <a:bodyPr wrap="none" lIns="0" tIns="0" rIns="0" bIns="0" rtlCol="0">
+                <a:spAutoFit/>
+              </a:bodyPr>
+              <a:lstStyle/>
+              <a:p>
+                <a:pPr/>
+                <a14:m>
+                  <m:oMathPara xmlns:m="http://schemas.openxmlformats.org/officeDocument/2006/math">
+                    <m:oMathParaPr>
+                      <m:jc m:val="centerGroup"/>
+                    </m:oMathParaPr>
+                    <m:oMath xmlns:m="http://schemas.openxmlformats.org/officeDocument/2006/math">
+                      <m:r>
+                        <a:rPr lang="zh-CN" altLang="en-US" sz="2400" i="1" smtClean="0">
+                          <a:solidFill>
+                            <a:srgbClr val="FF0000"/>
+                          </a:solidFill>
+                          <a:latin typeface="Cambria Math" panose="02040503050406030204" pitchFamily="18" charset="0"/>
+                        </a:rPr>
+                        <m:t>𝛽</m:t>
+                      </m:r>
+                    </m:oMath>
+                  </m:oMathPara>
+                </a14:m>
+                <a:endParaRPr lang="zh-CN" altLang="en-US" sz="2400" dirty="0">
+                  <a:solidFill>
+                    <a:srgbClr val="FF0000"/>
+                  </a:solidFill>
+                </a:endParaRPr>
+              </a:p>
+            </p:txBody>
+          </p:sp>
+        </mc:Choice>
+        <mc:Fallback xmlns="">
+          <p:sp>
+            <p:nvSpPr>
+              <p:cNvPr id="31" name="文本框 30">
+                <a:extLst>
+                  <a:ext uri="{FF2B5EF4-FFF2-40B4-BE49-F238E27FC236}">
+                    <a16:creationId xmlns:a16="http://schemas.microsoft.com/office/drawing/2014/main" id="{820F663E-93A0-FA5F-8090-4D761A883F90}"/>
+                  </a:ext>
+                </a:extLst>
+              </p:cNvPr>
+              <p:cNvSpPr txBox="1">
+                <a:spLocks noRot="1" noChangeAspect="1" noMove="1" noResize="1" noEditPoints="1" noAdjustHandles="1" noChangeArrowheads="1" noChangeShapeType="1" noTextEdit="1"/>
+              </p:cNvSpPr>
+              <p:nvPr/>
+            </p:nvSpPr>
+            <p:spPr>
+              <a:xfrm>
+                <a:off x="9596166" y="1599889"/>
+                <a:ext cx="280205" cy="369332"/>
+              </a:xfrm>
+              <a:prstGeom prst="rect">
+                <a:avLst/>
+              </a:prstGeom>
+              <a:blipFill>
+                <a:blip r:embed="rId8"/>
+                <a:stretch>
+                  <a:fillRect l="-34783" r="-32609" b="-34426"/>
+                </a:stretch>
+              </a:blipFill>
+            </p:spPr>
+            <p:txBody>
+              <a:bodyPr/>
+              <a:lstStyle/>
+              <a:p>
+                <a:r>
+                  <a:rPr lang="zh-CN" altLang="en-US">
+                    <a:noFill/>
+                  </a:rPr>
+                  <a:t> </a:t>
+                </a:r>
+              </a:p>
+            </p:txBody>
+          </p:sp>
+        </mc:Fallback>
+      </mc:AlternateContent>
+      <p:cxnSp>
+        <p:nvCxnSpPr>
+          <p:cNvPr id="32" name="直接箭头连接符 31">
+            <a:extLst>
+              <a:ext uri="{FF2B5EF4-FFF2-40B4-BE49-F238E27FC236}">
+                <a16:creationId xmlns:a16="http://schemas.microsoft.com/office/drawing/2014/main" id="{134E1505-97A2-9239-1FE3-0F1F198005F5}"/>
+              </a:ext>
+            </a:extLst>
+          </p:cNvPr>
+          <p:cNvCxnSpPr>
+            <a:cxnSpLocks/>
+          </p:cNvCxnSpPr>
+          <p:nvPr/>
+        </p:nvCxnSpPr>
+        <p:spPr>
+          <a:xfrm flipV="1">
+            <a:off x="9388069" y="2742578"/>
+            <a:ext cx="1599360" cy="998596"/>
+          </a:xfrm>
+          <a:prstGeom prst="straightConnector1">
+            <a:avLst/>
+          </a:prstGeom>
+          <a:ln w="57150">
+            <a:solidFill>
+              <a:schemeClr val="accent1"/>
+            </a:solidFill>
+            <a:tailEnd type="triangle"/>
+          </a:ln>
+        </p:spPr>
+        <p:style>
+          <a:lnRef idx="2">
+            <a:schemeClr val="accent1"/>
+          </a:lnRef>
+          <a:fillRef idx="0">
+            <a:schemeClr val="accent1"/>
+          </a:fillRef>
+          <a:effectRef idx="1">
+            <a:schemeClr val="accent1"/>
+          </a:effectRef>
+          <a:fontRef idx="minor">
+            <a:schemeClr val="tx1"/>
+          </a:fontRef>
+        </p:style>
+      </p:cxnSp>
+      <p:cxnSp>
+        <p:nvCxnSpPr>
+          <p:cNvPr id="33" name="直接箭头连接符 32">
+            <a:extLst>
+              <a:ext uri="{FF2B5EF4-FFF2-40B4-BE49-F238E27FC236}">
+                <a16:creationId xmlns:a16="http://schemas.microsoft.com/office/drawing/2014/main" id="{C01D2F8D-11F4-87CB-6CD0-E2A81E67E2D6}"/>
+              </a:ext>
+            </a:extLst>
+          </p:cNvPr>
+          <p:cNvCxnSpPr>
+            <a:cxnSpLocks/>
+          </p:cNvCxnSpPr>
+          <p:nvPr/>
+        </p:nvCxnSpPr>
+        <p:spPr>
+          <a:xfrm flipH="1" flipV="1">
+            <a:off x="8490037" y="2226384"/>
+            <a:ext cx="924230" cy="1514790"/>
+          </a:xfrm>
+          <a:prstGeom prst="straightConnector1">
+            <a:avLst/>
+          </a:prstGeom>
+          <a:ln w="57150">
+            <a:solidFill>
+              <a:schemeClr val="accent1"/>
+            </a:solidFill>
+            <a:tailEnd type="triangle"/>
+          </a:ln>
+        </p:spPr>
+        <p:style>
+          <a:lnRef idx="2">
+            <a:schemeClr val="accent1"/>
+          </a:lnRef>
+          <a:fillRef idx="0">
+            <a:schemeClr val="accent1"/>
+          </a:fillRef>
+          <a:effectRef idx="1">
+            <a:schemeClr val="accent1"/>
+          </a:effectRef>
+          <a:fontRef idx="minor">
+            <a:schemeClr val="tx1"/>
+          </a:fontRef>
+        </p:style>
+      </p:cxnSp>
+      <mc:AlternateContent xmlns:mc="http://schemas.openxmlformats.org/markup-compatibility/2006" xmlns:a14="http://schemas.microsoft.com/office/drawing/2010/main">
+        <mc:Choice Requires="a14">
+          <p:sp>
+            <p:nvSpPr>
+              <p:cNvPr id="38" name="文本框 37">
+                <a:extLst>
+                  <a:ext uri="{FF2B5EF4-FFF2-40B4-BE49-F238E27FC236}">
+                    <a16:creationId xmlns:a16="http://schemas.microsoft.com/office/drawing/2014/main" id="{2D6D388F-0CF9-BB71-6D1B-B530343DA558}"/>
+                  </a:ext>
+                </a:extLst>
+              </p:cNvPr>
+              <p:cNvSpPr txBox="1"/>
+              <p:nvPr/>
+            </p:nvSpPr>
+            <p:spPr>
+              <a:xfrm>
+                <a:off x="10833829" y="2337619"/>
+                <a:ext cx="272639" cy="369332"/>
+              </a:xfrm>
+              <a:prstGeom prst="rect">
+                <a:avLst/>
+              </a:prstGeom>
+              <a:noFill/>
+            </p:spPr>
+            <p:txBody>
+              <a:bodyPr wrap="none" lIns="0" tIns="0" rIns="0" bIns="0" rtlCol="0">
+                <a:spAutoFit/>
+              </a:bodyPr>
+              <a:lstStyle/>
+              <a:p>
+                <a:pPr/>
+                <a14:m>
+                  <m:oMathPara xmlns:m="http://schemas.openxmlformats.org/officeDocument/2006/math">
+                    <m:oMathParaPr>
+                      <m:jc m:val="centerGroup"/>
+                    </m:oMathParaPr>
+                    <m:oMath xmlns:m="http://schemas.openxmlformats.org/officeDocument/2006/math">
+                      <m:r>
+                        <a:rPr lang="en-US" altLang="zh-CN" sz="2400" b="0" i="1" smtClean="0">
+                          <a:solidFill>
+                            <a:schemeClr val="accent1"/>
+                          </a:solidFill>
+                          <a:latin typeface="Cambria Math" panose="02040503050406030204" pitchFamily="18" charset="0"/>
+                        </a:rPr>
+                        <m:t>𝑑</m:t>
+                      </m:r>
+                    </m:oMath>
+                  </m:oMathPara>
+                </a14:m>
+                <a:endParaRPr lang="zh-CN" altLang="en-US" sz="2400" dirty="0">
+                  <a:solidFill>
+                    <a:schemeClr val="accent1"/>
+                  </a:solidFill>
+                </a:endParaRPr>
+              </a:p>
+            </p:txBody>
+          </p:sp>
+        </mc:Choice>
+        <mc:Fallback xmlns="">
+          <p:sp>
+            <p:nvSpPr>
+              <p:cNvPr id="38" name="文本框 37">
+                <a:extLst>
+                  <a:ext uri="{FF2B5EF4-FFF2-40B4-BE49-F238E27FC236}">
+                    <a16:creationId xmlns:a16="http://schemas.microsoft.com/office/drawing/2014/main" id="{2D6D388F-0CF9-BB71-6D1B-B530343DA558}"/>
+                  </a:ext>
+                </a:extLst>
+              </p:cNvPr>
+              <p:cNvSpPr txBox="1">
+                <a:spLocks noRot="1" noChangeAspect="1" noMove="1" noResize="1" noEditPoints="1" noAdjustHandles="1" noChangeArrowheads="1" noChangeShapeType="1" noTextEdit="1"/>
+              </p:cNvSpPr>
+              <p:nvPr/>
+            </p:nvSpPr>
+            <p:spPr>
+              <a:xfrm>
+                <a:off x="10833829" y="2337619"/>
+                <a:ext cx="272639" cy="369332"/>
+              </a:xfrm>
+              <a:prstGeom prst="rect">
+                <a:avLst/>
+              </a:prstGeom>
+              <a:blipFill>
+                <a:blip r:embed="rId9"/>
+                <a:stretch>
+                  <a:fillRect l="-24444" r="-20000" b="-6557"/>
+                </a:stretch>
+              </a:blipFill>
+            </p:spPr>
+            <p:txBody>
+              <a:bodyPr/>
+              <a:lstStyle/>
+              <a:p>
+                <a:r>
+                  <a:rPr lang="zh-CN" altLang="en-US">
+                    <a:noFill/>
+                  </a:rPr>
+                  <a:t> </a:t>
+                </a:r>
+              </a:p>
+            </p:txBody>
+          </p:sp>
+        </mc:Fallback>
+      </mc:AlternateContent>
+      <mc:AlternateContent xmlns:mc="http://schemas.openxmlformats.org/markup-compatibility/2006" xmlns:a14="http://schemas.microsoft.com/office/drawing/2010/main">
+        <mc:Choice Requires="a14">
+          <p:sp>
+            <p:nvSpPr>
+              <p:cNvPr id="39" name="文本框 38">
+                <a:extLst>
+                  <a:ext uri="{FF2B5EF4-FFF2-40B4-BE49-F238E27FC236}">
+                    <a16:creationId xmlns:a16="http://schemas.microsoft.com/office/drawing/2014/main" id="{D0E37F56-1D07-7C48-3A01-24924C765324}"/>
+                  </a:ext>
+                </a:extLst>
+              </p:cNvPr>
+              <p:cNvSpPr txBox="1"/>
+              <p:nvPr/>
+            </p:nvSpPr>
+            <p:spPr>
+              <a:xfrm>
+                <a:off x="8187647" y="1784555"/>
+                <a:ext cx="259366" cy="369332"/>
+              </a:xfrm>
+              <a:prstGeom prst="rect">
+                <a:avLst/>
+              </a:prstGeom>
+              <a:noFill/>
+            </p:spPr>
+            <p:txBody>
+              <a:bodyPr wrap="none" lIns="0" tIns="0" rIns="0" bIns="0" rtlCol="0">
+                <a:spAutoFit/>
+              </a:bodyPr>
+              <a:lstStyle/>
+              <a:p>
+                <a:pPr/>
+                <a14:m>
+                  <m:oMathPara xmlns:m="http://schemas.openxmlformats.org/officeDocument/2006/math">
+                    <m:oMathParaPr>
+                      <m:jc m:val="centerGroup"/>
+                    </m:oMathParaPr>
+                    <m:oMath xmlns:m="http://schemas.openxmlformats.org/officeDocument/2006/math">
+                      <m:r>
+                        <a:rPr lang="en-US" altLang="zh-CN" sz="2400" b="0" i="1" smtClean="0">
+                          <a:solidFill>
+                            <a:schemeClr val="accent1"/>
+                          </a:solidFill>
+                          <a:latin typeface="Cambria Math" panose="02040503050406030204" pitchFamily="18" charset="0"/>
+                        </a:rPr>
+                        <m:t>𝑞</m:t>
+                      </m:r>
+                    </m:oMath>
+                  </m:oMathPara>
+                </a14:m>
+                <a:endParaRPr lang="zh-CN" altLang="en-US" sz="2400" dirty="0">
+                  <a:solidFill>
+                    <a:schemeClr val="accent1"/>
+                  </a:solidFill>
+                </a:endParaRPr>
+              </a:p>
+            </p:txBody>
+          </p:sp>
+        </mc:Choice>
+        <mc:Fallback xmlns="">
+          <p:sp>
+            <p:nvSpPr>
+              <p:cNvPr id="39" name="文本框 38">
+                <a:extLst>
+                  <a:ext uri="{FF2B5EF4-FFF2-40B4-BE49-F238E27FC236}">
+                    <a16:creationId xmlns:a16="http://schemas.microsoft.com/office/drawing/2014/main" id="{D0E37F56-1D07-7C48-3A01-24924C765324}"/>
+                  </a:ext>
+                </a:extLst>
+              </p:cNvPr>
+              <p:cNvSpPr txBox="1">
+                <a:spLocks noRot="1" noChangeAspect="1" noMove="1" noResize="1" noEditPoints="1" noAdjustHandles="1" noChangeArrowheads="1" noChangeShapeType="1" noTextEdit="1"/>
+              </p:cNvSpPr>
+              <p:nvPr/>
+            </p:nvSpPr>
+            <p:spPr>
+              <a:xfrm>
+                <a:off x="8187647" y="1784555"/>
+                <a:ext cx="259366" cy="369332"/>
+              </a:xfrm>
+              <a:prstGeom prst="rect">
+                <a:avLst/>
+              </a:prstGeom>
+              <a:blipFill>
+                <a:blip r:embed="rId10"/>
+                <a:stretch>
+                  <a:fillRect l="-25581" r="-20930" b="-26667"/>
+                </a:stretch>
+              </a:blipFill>
+            </p:spPr>
+            <p:txBody>
+              <a:bodyPr/>
+              <a:lstStyle/>
+              <a:p>
+                <a:r>
+                  <a:rPr lang="zh-CN" altLang="en-US">
+                    <a:noFill/>
+                  </a:rPr>
+                  <a:t> </a:t>
+                </a:r>
+              </a:p>
+            </p:txBody>
+          </p:sp>
+        </mc:Fallback>
+      </mc:AlternateContent>
+      <p:sp>
+        <p:nvSpPr>
+          <p:cNvPr id="41" name="文本框 40">
+            <a:extLst>
+              <a:ext uri="{FF2B5EF4-FFF2-40B4-BE49-F238E27FC236}">
+                <a16:creationId xmlns:a16="http://schemas.microsoft.com/office/drawing/2014/main" id="{EB7A72BF-9641-65EA-22DE-FBEF65D6EF3D}"/>
+              </a:ext>
+            </a:extLst>
+          </p:cNvPr>
+          <p:cNvSpPr txBox="1"/>
+          <p:nvPr/>
+        </p:nvSpPr>
+        <p:spPr>
+          <a:xfrm>
+            <a:off x="10363033" y="3925840"/>
+            <a:ext cx="2238313" cy="369332"/>
+          </a:xfrm>
+          <a:prstGeom prst="rect">
+            <a:avLst/>
+          </a:prstGeom>
+          <a:noFill/>
+        </p:spPr>
+        <p:txBody>
+          <a:bodyPr wrap="square" rtlCol="0">
+            <a:spAutoFit/>
+          </a:bodyPr>
+          <a:lstStyle/>
+          <a:p>
+            <a:r>
+              <a:rPr lang="en-US" altLang="zh-CN" b="1" dirty="0">
+                <a:solidFill>
+                  <a:srgbClr val="FF0000"/>
+                </a:solidFill>
+              </a:rPr>
+              <a:t>stator</a:t>
+            </a:r>
+            <a:endParaRPr lang="zh-CN" altLang="en-US" b="1" dirty="0">
+              <a:solidFill>
+                <a:srgbClr val="FF0000"/>
+              </a:solidFill>
+            </a:endParaRPr>
+          </a:p>
+        </p:txBody>
+      </p:sp>
+      <p:sp>
+        <p:nvSpPr>
+          <p:cNvPr id="42" name="文本框 41">
+            <a:extLst>
+              <a:ext uri="{FF2B5EF4-FFF2-40B4-BE49-F238E27FC236}">
+                <a16:creationId xmlns:a16="http://schemas.microsoft.com/office/drawing/2014/main" id="{C24B701A-4794-F6C7-62A9-4D0AFBC623F7}"/>
+              </a:ext>
+            </a:extLst>
+          </p:cNvPr>
+          <p:cNvSpPr txBox="1"/>
+          <p:nvPr/>
+        </p:nvSpPr>
+        <p:spPr>
+          <a:xfrm>
+            <a:off x="7860771" y="2983779"/>
+            <a:ext cx="1573161" cy="369332"/>
+          </a:xfrm>
+          <a:prstGeom prst="rect">
+            <a:avLst/>
+          </a:prstGeom>
+          <a:noFill/>
+        </p:spPr>
+        <p:txBody>
+          <a:bodyPr wrap="square" rtlCol="0">
+            <a:spAutoFit/>
+          </a:bodyPr>
+          <a:lstStyle/>
+          <a:p>
+            <a:r>
+              <a:rPr lang="en-US" altLang="zh-CN" b="1" dirty="0">
+                <a:solidFill>
+                  <a:schemeClr val="accent1"/>
+                </a:solidFill>
+              </a:rPr>
+              <a:t>rotor</a:t>
+            </a:r>
+            <a:endParaRPr lang="zh-CN" altLang="en-US" b="1" dirty="0">
+              <a:solidFill>
+                <a:schemeClr val="accent1"/>
+              </a:solidFill>
+            </a:endParaRPr>
+          </a:p>
+        </p:txBody>
+      </p:sp>
+      <mc:AlternateContent xmlns:mc="http://schemas.openxmlformats.org/markup-compatibility/2006" xmlns:p14="http://schemas.microsoft.com/office/powerpoint/2010/main">
+        <mc:Choice Requires="p14">
+          <p:contentPart p14:bwMode="auto" r:id="rId11">
+            <p14:nvContentPartPr>
+              <p14:cNvPr id="45" name="墨迹 44">
+                <a:extLst>
+                  <a:ext uri="{FF2B5EF4-FFF2-40B4-BE49-F238E27FC236}">
+                    <a16:creationId xmlns:a16="http://schemas.microsoft.com/office/drawing/2014/main" id="{34E2F0F6-0AFF-1D73-6273-EF9A62C4BECE}"/>
+                  </a:ext>
+                </a:extLst>
+              </p14:cNvPr>
+              <p14:cNvContentPartPr/>
+              <p14:nvPr/>
+            </p14:nvContentPartPr>
+            <p14:xfrm>
+              <a:off x="9778105" y="3533916"/>
+              <a:ext cx="79920" cy="160200"/>
+            </p14:xfrm>
+          </p:contentPart>
+        </mc:Choice>
+        <mc:Fallback xmlns="">
+          <p:pic>
+            <p:nvPicPr>
+              <p:cNvPr id="45" name="墨迹 44">
+                <a:extLst>
+                  <a:ext uri="{FF2B5EF4-FFF2-40B4-BE49-F238E27FC236}">
+                    <a16:creationId xmlns:a16="http://schemas.microsoft.com/office/drawing/2014/main" id="{34E2F0F6-0AFF-1D73-6273-EF9A62C4BECE}"/>
+                  </a:ext>
+                </a:extLst>
+              </p:cNvPr>
+              <p:cNvPicPr/>
+              <p:nvPr/>
+            </p:nvPicPr>
+            <p:blipFill>
+              <a:blip r:embed="rId12"/>
+              <a:stretch>
+                <a:fillRect/>
+              </a:stretch>
+            </p:blipFill>
+            <p:spPr>
+              <a:xfrm>
+                <a:off x="9760105" y="3515916"/>
+                <a:ext cx="115560" cy="195840"/>
+              </a:xfrm>
+              <a:prstGeom prst="rect">
+                <a:avLst/>
+              </a:prstGeom>
+            </p:spPr>
+          </p:pic>
+        </mc:Fallback>
+      </mc:AlternateContent>
+      <mc:AlternateContent xmlns:mc="http://schemas.openxmlformats.org/markup-compatibility/2006" xmlns:a14="http://schemas.microsoft.com/office/drawing/2010/main">
+        <mc:Choice Requires="a14">
+          <p:sp>
+            <p:nvSpPr>
+              <p:cNvPr id="46" name="文本框 45">
+                <a:extLst>
+                  <a:ext uri="{FF2B5EF4-FFF2-40B4-BE49-F238E27FC236}">
+                    <a16:creationId xmlns:a16="http://schemas.microsoft.com/office/drawing/2014/main" id="{DC0FA131-2765-5A39-76A7-C93A214179C7}"/>
+                  </a:ext>
+                </a:extLst>
+              </p:cNvPr>
+              <p:cNvSpPr txBox="1"/>
+              <p:nvPr/>
+            </p:nvSpPr>
+            <p:spPr>
+              <a:xfrm>
+                <a:off x="10094549" y="3366926"/>
+                <a:ext cx="310918" cy="276999"/>
+              </a:xfrm>
+              <a:prstGeom prst="rect">
+                <a:avLst/>
+              </a:prstGeom>
+              <a:noFill/>
+            </p:spPr>
+            <p:txBody>
+              <a:bodyPr wrap="none" lIns="0" tIns="0" rIns="0" bIns="0" rtlCol="0">
+                <a:spAutoFit/>
+              </a:bodyPr>
+              <a:lstStyle/>
+              <a:p>
+                <a:pPr/>
+                <a14:m>
+                  <m:oMathPara xmlns:m="http://schemas.openxmlformats.org/officeDocument/2006/math">
+                    <m:oMathParaPr>
+                      <m:jc m:val="centerGroup"/>
+                    </m:oMathParaPr>
+                    <m:oMath xmlns:m="http://schemas.openxmlformats.org/officeDocument/2006/math">
+                      <m:sSub>
+                        <m:sSubPr>
+                          <m:ctrlPr>
+                            <a:rPr lang="en-US" altLang="zh-CN" b="1" i="1" smtClean="0">
+                              <a:latin typeface="Cambria Math" panose="02040503050406030204" pitchFamily="18" charset="0"/>
+                            </a:rPr>
+                          </m:ctrlPr>
+                        </m:sSubPr>
+                        <m:e>
+                          <m:r>
+                            <a:rPr lang="zh-CN" altLang="en-US" b="1" i="1" smtClean="0">
+                              <a:latin typeface="Cambria Math" panose="02040503050406030204" pitchFamily="18" charset="0"/>
+                            </a:rPr>
+                            <m:t>𝜽</m:t>
+                          </m:r>
+                        </m:e>
+                        <m:sub>
+                          <m:r>
+                            <a:rPr lang="en-US" altLang="zh-CN" b="1" i="1" smtClean="0">
+                              <a:latin typeface="Cambria Math" panose="02040503050406030204" pitchFamily="18" charset="0"/>
+                            </a:rPr>
+                            <m:t>𝒆</m:t>
+                          </m:r>
+                        </m:sub>
+                      </m:sSub>
+                    </m:oMath>
+                  </m:oMathPara>
+                </a14:m>
+                <a:endParaRPr lang="zh-CN" altLang="en-US" b="1" dirty="0"/>
+              </a:p>
+            </p:txBody>
+          </p:sp>
+        </mc:Choice>
+        <mc:Fallback xmlns="">
+          <p:sp>
+            <p:nvSpPr>
+              <p:cNvPr id="46" name="文本框 45">
+                <a:extLst>
+                  <a:ext uri="{FF2B5EF4-FFF2-40B4-BE49-F238E27FC236}">
+                    <a16:creationId xmlns:a16="http://schemas.microsoft.com/office/drawing/2014/main" id="{DC0FA131-2765-5A39-76A7-C93A214179C7}"/>
+                  </a:ext>
+                </a:extLst>
+              </p:cNvPr>
+              <p:cNvSpPr txBox="1">
+                <a:spLocks noRot="1" noChangeAspect="1" noMove="1" noResize="1" noEditPoints="1" noAdjustHandles="1" noChangeArrowheads="1" noChangeShapeType="1" noTextEdit="1"/>
+              </p:cNvSpPr>
+              <p:nvPr/>
+            </p:nvSpPr>
+            <p:spPr>
+              <a:xfrm>
+                <a:off x="10094549" y="3366926"/>
+                <a:ext cx="310918" cy="276999"/>
+              </a:xfrm>
+              <a:prstGeom prst="rect">
+                <a:avLst/>
+              </a:prstGeom>
+              <a:blipFill>
+                <a:blip r:embed="rId13"/>
+                <a:stretch>
+                  <a:fillRect l="-17647" b="-10870"/>
+                </a:stretch>
+              </a:blipFill>
+            </p:spPr>
+            <p:txBody>
+              <a:bodyPr/>
+              <a:lstStyle/>
+              <a:p>
+                <a:r>
+                  <a:rPr lang="zh-CN" altLang="en-US">
+                    <a:noFill/>
+                  </a:rPr>
+                  <a:t> </a:t>
+                </a:r>
+              </a:p>
+            </p:txBody>
+          </p:sp>
+        </mc:Fallback>
+      </mc:AlternateContent>
+      <p:sp>
+        <p:nvSpPr>
+          <p:cNvPr id="47" name="椭圆 46">
+            <a:extLst>
+              <a:ext uri="{FF2B5EF4-FFF2-40B4-BE49-F238E27FC236}">
+                <a16:creationId xmlns:a16="http://schemas.microsoft.com/office/drawing/2014/main" id="{C7E83FED-07EB-D332-4C6A-23A353C77209}"/>
+              </a:ext>
+            </a:extLst>
+          </p:cNvPr>
+          <p:cNvSpPr/>
+          <p:nvPr/>
+        </p:nvSpPr>
+        <p:spPr>
+          <a:xfrm>
+            <a:off x="4971968" y="2531498"/>
+            <a:ext cx="1518961" cy="1514785"/>
+          </a:xfrm>
+          <a:prstGeom prst="ellipse">
+            <a:avLst/>
+          </a:prstGeom>
+          <a:noFill/>
+          <a:ln w="28575">
+            <a:solidFill>
+              <a:schemeClr val="tx1"/>
+            </a:solidFill>
+          </a:ln>
+        </p:spPr>
+        <p:style>
+          <a:lnRef idx="2">
+            <a:schemeClr val="accent1">
+              <a:shade val="15000"/>
+            </a:schemeClr>
+          </a:lnRef>
+          <a:fillRef idx="1">
+            <a:schemeClr val="accent1"/>
+          </a:fillRef>
+          <a:effectRef idx="0">
+            <a:schemeClr val="accent1"/>
+          </a:effectRef>
+          <a:fontRef idx="minor">
+            <a:schemeClr val="lt1"/>
+          </a:fontRef>
+        </p:style>
+        <p:txBody>
+          <a:bodyPr rtlCol="0" anchor="ctr"/>
+          <a:lstStyle/>
+          <a:p>
+            <a:pPr algn="ctr"/>
+            <a:endParaRPr lang="zh-CN" altLang="en-US"/>
+          </a:p>
+        </p:txBody>
+      </p:sp>
+      <p:cxnSp>
+        <p:nvCxnSpPr>
+          <p:cNvPr id="48" name="直接箭头连接符 47">
+            <a:extLst>
+              <a:ext uri="{FF2B5EF4-FFF2-40B4-BE49-F238E27FC236}">
+                <a16:creationId xmlns:a16="http://schemas.microsoft.com/office/drawing/2014/main" id="{D8154C80-75C1-4EFB-5D73-B2B723C15857}"/>
+              </a:ext>
+            </a:extLst>
+          </p:cNvPr>
+          <p:cNvCxnSpPr>
+            <a:cxnSpLocks/>
+          </p:cNvCxnSpPr>
+          <p:nvPr/>
+        </p:nvCxnSpPr>
+        <p:spPr>
+          <a:xfrm>
+            <a:off x="5741750" y="3307934"/>
+            <a:ext cx="1590853" cy="0"/>
+          </a:xfrm>
+          <a:prstGeom prst="straightConnector1">
+            <a:avLst/>
+          </a:prstGeom>
+          <a:ln w="57150">
+            <a:solidFill>
+              <a:schemeClr val="accent1"/>
+            </a:solidFill>
+            <a:tailEnd type="triangle"/>
+          </a:ln>
+        </p:spPr>
+        <p:style>
+          <a:lnRef idx="2">
+            <a:schemeClr val="accent1"/>
+          </a:lnRef>
+          <a:fillRef idx="0">
+            <a:schemeClr val="accent1"/>
+          </a:fillRef>
+          <a:effectRef idx="1">
+            <a:schemeClr val="accent1"/>
+          </a:effectRef>
+          <a:fontRef idx="minor">
+            <a:schemeClr val="tx1"/>
+          </a:fontRef>
+        </p:style>
+      </p:cxnSp>
+      <p:cxnSp>
+        <p:nvCxnSpPr>
+          <p:cNvPr id="49" name="直接箭头连接符 48">
+            <a:extLst>
+              <a:ext uri="{FF2B5EF4-FFF2-40B4-BE49-F238E27FC236}">
+                <a16:creationId xmlns:a16="http://schemas.microsoft.com/office/drawing/2014/main" id="{546609CF-FA1A-082B-F966-9BADD78923D2}"/>
+              </a:ext>
+            </a:extLst>
+          </p:cNvPr>
+          <p:cNvCxnSpPr>
+            <a:cxnSpLocks/>
+          </p:cNvCxnSpPr>
+          <p:nvPr/>
+        </p:nvCxnSpPr>
+        <p:spPr>
+          <a:xfrm flipV="1">
+            <a:off x="5741750" y="1787465"/>
+            <a:ext cx="0" cy="1540896"/>
+          </a:xfrm>
+          <a:prstGeom prst="straightConnector1">
+            <a:avLst/>
+          </a:prstGeom>
+          <a:ln w="57150">
+            <a:solidFill>
+              <a:schemeClr val="accent1"/>
+            </a:solidFill>
+            <a:tailEnd type="triangle"/>
+          </a:ln>
+        </p:spPr>
+        <p:style>
+          <a:lnRef idx="2">
+            <a:schemeClr val="accent1"/>
+          </a:lnRef>
+          <a:fillRef idx="0">
+            <a:schemeClr val="accent1"/>
+          </a:fillRef>
+          <a:effectRef idx="1">
+            <a:schemeClr val="accent1"/>
+          </a:effectRef>
+          <a:fontRef idx="minor">
+            <a:schemeClr val="tx1"/>
+          </a:fontRef>
+        </p:style>
+      </p:cxnSp>
+      <mc:AlternateContent xmlns:mc="http://schemas.openxmlformats.org/markup-compatibility/2006" xmlns:a14="http://schemas.microsoft.com/office/drawing/2010/main">
+        <mc:Choice Requires="a14">
+          <p:sp>
+            <p:nvSpPr>
+              <p:cNvPr id="50" name="文本框 49">
+                <a:extLst>
+                  <a:ext uri="{FF2B5EF4-FFF2-40B4-BE49-F238E27FC236}">
+                    <a16:creationId xmlns:a16="http://schemas.microsoft.com/office/drawing/2014/main" id="{11FB5163-5D9A-3708-220B-14E95DE3432F}"/>
+                  </a:ext>
+                </a:extLst>
+              </p:cNvPr>
+              <p:cNvSpPr txBox="1"/>
+              <p:nvPr/>
+            </p:nvSpPr>
+            <p:spPr>
+              <a:xfrm>
+                <a:off x="7145810" y="2856243"/>
+                <a:ext cx="272639" cy="369332"/>
+              </a:xfrm>
+              <a:prstGeom prst="rect">
+                <a:avLst/>
+              </a:prstGeom>
+              <a:noFill/>
+            </p:spPr>
+            <p:txBody>
+              <a:bodyPr wrap="none" lIns="0" tIns="0" rIns="0" bIns="0" rtlCol="0">
+                <a:spAutoFit/>
+              </a:bodyPr>
+              <a:lstStyle/>
+              <a:p>
+                <a:pPr/>
+                <a14:m>
+                  <m:oMathPara xmlns:m="http://schemas.openxmlformats.org/officeDocument/2006/math">
+                    <m:oMathParaPr>
+                      <m:jc m:val="centerGroup"/>
+                    </m:oMathParaPr>
+                    <m:oMath xmlns:m="http://schemas.openxmlformats.org/officeDocument/2006/math">
+                      <m:r>
+                        <a:rPr lang="en-US" altLang="zh-CN" sz="2400" b="0" i="1" smtClean="0">
+                          <a:solidFill>
+                            <a:schemeClr val="accent1"/>
+                          </a:solidFill>
+                          <a:latin typeface="Cambria Math" panose="02040503050406030204" pitchFamily="18" charset="0"/>
+                        </a:rPr>
+                        <m:t>𝑑</m:t>
+                      </m:r>
+                    </m:oMath>
+                  </m:oMathPara>
+                </a14:m>
+                <a:endParaRPr lang="zh-CN" altLang="en-US" sz="2400" dirty="0">
+                  <a:solidFill>
+                    <a:schemeClr val="accent1"/>
+                  </a:solidFill>
+                </a:endParaRPr>
+              </a:p>
+            </p:txBody>
+          </p:sp>
+        </mc:Choice>
+        <mc:Fallback xmlns="">
+          <p:sp>
+            <p:nvSpPr>
+              <p:cNvPr id="50" name="文本框 49">
+                <a:extLst>
+                  <a:ext uri="{FF2B5EF4-FFF2-40B4-BE49-F238E27FC236}">
+                    <a16:creationId xmlns:a16="http://schemas.microsoft.com/office/drawing/2014/main" id="{11FB5163-5D9A-3708-220B-14E95DE3432F}"/>
+                  </a:ext>
+                </a:extLst>
+              </p:cNvPr>
+              <p:cNvSpPr txBox="1">
+                <a:spLocks noRot="1" noChangeAspect="1" noMove="1" noResize="1" noEditPoints="1" noAdjustHandles="1" noChangeArrowheads="1" noChangeShapeType="1" noTextEdit="1"/>
+              </p:cNvSpPr>
+              <p:nvPr/>
+            </p:nvSpPr>
+            <p:spPr>
+              <a:xfrm>
+                <a:off x="7145810" y="2856243"/>
+                <a:ext cx="272639" cy="369332"/>
+              </a:xfrm>
+              <a:prstGeom prst="rect">
+                <a:avLst/>
+              </a:prstGeom>
+              <a:blipFill>
+                <a:blip r:embed="rId14"/>
+                <a:stretch>
+                  <a:fillRect l="-24444" r="-20000" b="-8333"/>
+                </a:stretch>
+              </a:blipFill>
+            </p:spPr>
+            <p:txBody>
+              <a:bodyPr/>
+              <a:lstStyle/>
+              <a:p>
+                <a:r>
+                  <a:rPr lang="zh-CN" altLang="en-US">
+                    <a:noFill/>
+                  </a:rPr>
+                  <a:t> </a:t>
+                </a:r>
+              </a:p>
+            </p:txBody>
+          </p:sp>
+        </mc:Fallback>
+      </mc:AlternateContent>
+      <mc:AlternateContent xmlns:mc="http://schemas.openxmlformats.org/markup-compatibility/2006" xmlns:a14="http://schemas.microsoft.com/office/drawing/2010/main">
+        <mc:Choice Requires="a14">
+          <p:sp>
+            <p:nvSpPr>
+              <p:cNvPr id="51" name="文本框 50">
+                <a:extLst>
+                  <a:ext uri="{FF2B5EF4-FFF2-40B4-BE49-F238E27FC236}">
+                    <a16:creationId xmlns:a16="http://schemas.microsoft.com/office/drawing/2014/main" id="{708FFE44-8BBF-5DB8-C3BD-F994EBA35F2B}"/>
+                  </a:ext>
+                </a:extLst>
+              </p:cNvPr>
+              <p:cNvSpPr txBox="1"/>
+              <p:nvPr/>
+            </p:nvSpPr>
+            <p:spPr>
+              <a:xfrm>
+                <a:off x="5305846" y="1594974"/>
+                <a:ext cx="259366" cy="369332"/>
+              </a:xfrm>
+              <a:prstGeom prst="rect">
+                <a:avLst/>
+              </a:prstGeom>
+              <a:noFill/>
+            </p:spPr>
+            <p:txBody>
+              <a:bodyPr wrap="none" lIns="0" tIns="0" rIns="0" bIns="0" rtlCol="0">
+                <a:spAutoFit/>
+              </a:bodyPr>
+              <a:lstStyle/>
+              <a:p>
+                <a:pPr/>
+                <a14:m>
+                  <m:oMathPara xmlns:m="http://schemas.openxmlformats.org/officeDocument/2006/math">
+                    <m:oMathParaPr>
+                      <m:jc m:val="centerGroup"/>
+                    </m:oMathParaPr>
+                    <m:oMath xmlns:m="http://schemas.openxmlformats.org/officeDocument/2006/math">
+                      <m:r>
+                        <a:rPr lang="en-US" altLang="zh-CN" sz="2400" b="0" i="1" smtClean="0">
+                          <a:solidFill>
+                            <a:schemeClr val="accent1"/>
+                          </a:solidFill>
+                          <a:latin typeface="Cambria Math" panose="02040503050406030204" pitchFamily="18" charset="0"/>
+                        </a:rPr>
+                        <m:t>𝑞</m:t>
+                      </m:r>
+                    </m:oMath>
+                  </m:oMathPara>
+                </a14:m>
+                <a:endParaRPr lang="zh-CN" altLang="en-US" sz="2400" dirty="0">
+                  <a:solidFill>
+                    <a:schemeClr val="accent1"/>
+                  </a:solidFill>
+                </a:endParaRPr>
+              </a:p>
+            </p:txBody>
+          </p:sp>
+        </mc:Choice>
+        <mc:Fallback xmlns="">
+          <p:sp>
+            <p:nvSpPr>
+              <p:cNvPr id="51" name="文本框 50">
+                <a:extLst>
+                  <a:ext uri="{FF2B5EF4-FFF2-40B4-BE49-F238E27FC236}">
+                    <a16:creationId xmlns:a16="http://schemas.microsoft.com/office/drawing/2014/main" id="{708FFE44-8BBF-5DB8-C3BD-F994EBA35F2B}"/>
+                  </a:ext>
+                </a:extLst>
+              </p:cNvPr>
+              <p:cNvSpPr txBox="1">
+                <a:spLocks noRot="1" noChangeAspect="1" noMove="1" noResize="1" noEditPoints="1" noAdjustHandles="1" noChangeArrowheads="1" noChangeShapeType="1" noTextEdit="1"/>
+              </p:cNvSpPr>
+              <p:nvPr/>
+            </p:nvSpPr>
+            <p:spPr>
+              <a:xfrm>
+                <a:off x="5305846" y="1594974"/>
+                <a:ext cx="259366" cy="369332"/>
+              </a:xfrm>
+              <a:prstGeom prst="rect">
+                <a:avLst/>
+              </a:prstGeom>
+              <a:blipFill>
+                <a:blip r:embed="rId15"/>
+                <a:stretch>
+                  <a:fillRect l="-25581" r="-20930" b="-26667"/>
+                </a:stretch>
+              </a:blipFill>
+            </p:spPr>
+            <p:txBody>
+              <a:bodyPr/>
+              <a:lstStyle/>
+              <a:p>
+                <a:r>
+                  <a:rPr lang="zh-CN" altLang="en-US">
+                    <a:noFill/>
+                  </a:rPr>
+                  <a:t> </a:t>
+                </a:r>
+              </a:p>
+            </p:txBody>
+          </p:sp>
+        </mc:Fallback>
+      </mc:AlternateContent>
+      <p:cxnSp>
+        <p:nvCxnSpPr>
+          <p:cNvPr id="55" name="直接连接符 54">
+            <a:extLst>
+              <a:ext uri="{FF2B5EF4-FFF2-40B4-BE49-F238E27FC236}">
+                <a16:creationId xmlns:a16="http://schemas.microsoft.com/office/drawing/2014/main" id="{6062D24F-2BC9-CC9E-B9C5-45E791CD9E89}"/>
+              </a:ext>
+            </a:extLst>
+          </p:cNvPr>
+          <p:cNvCxnSpPr>
+            <a:cxnSpLocks/>
+            <a:stCxn id="47" idx="0"/>
+            <a:endCxn id="47" idx="4"/>
+          </p:cNvCxnSpPr>
+          <p:nvPr/>
+        </p:nvCxnSpPr>
+        <p:spPr>
+          <a:xfrm>
+            <a:off x="5731449" y="2531498"/>
+            <a:ext cx="0" cy="1514785"/>
+          </a:xfrm>
+          <a:prstGeom prst="line">
+            <a:avLst/>
+          </a:prstGeom>
+          <a:ln w="28575">
+            <a:solidFill>
+              <a:schemeClr val="tx1"/>
+            </a:solidFill>
+          </a:ln>
+        </p:spPr>
+        <p:style>
+          <a:lnRef idx="2">
+            <a:schemeClr val="accent1"/>
+          </a:lnRef>
+          <a:fillRef idx="0">
+            <a:schemeClr val="accent1"/>
+          </a:fillRef>
+          <a:effectRef idx="1">
+            <a:schemeClr val="accent1"/>
+          </a:effectRef>
+          <a:fontRef idx="minor">
+            <a:schemeClr val="tx1"/>
+          </a:fontRef>
+        </p:style>
+      </p:cxnSp>
+      <p:sp>
+        <p:nvSpPr>
+          <p:cNvPr id="60" name="文本框 59">
+            <a:extLst>
+              <a:ext uri="{FF2B5EF4-FFF2-40B4-BE49-F238E27FC236}">
+                <a16:creationId xmlns:a16="http://schemas.microsoft.com/office/drawing/2014/main" id="{48279839-7612-7C11-546B-D4ED506C586C}"/>
+              </a:ext>
+            </a:extLst>
+          </p:cNvPr>
+          <p:cNvSpPr txBox="1"/>
+          <p:nvPr/>
+        </p:nvSpPr>
+        <p:spPr>
+          <a:xfrm>
+            <a:off x="6025335" y="2911113"/>
+            <a:ext cx="360996" cy="369332"/>
+          </a:xfrm>
+          <a:prstGeom prst="rect">
+            <a:avLst/>
+          </a:prstGeom>
+          <a:noFill/>
+        </p:spPr>
+        <p:txBody>
+          <a:bodyPr wrap="none" rtlCol="0">
+            <a:spAutoFit/>
+          </a:bodyPr>
+          <a:lstStyle/>
+          <a:p>
+            <a:r>
+              <a:rPr lang="en-US" altLang="zh-CN" b="1" dirty="0">
+                <a:solidFill>
+                  <a:srgbClr val="FF0000"/>
+                </a:solidFill>
+              </a:rPr>
+              <a:t>N</a:t>
+            </a:r>
+            <a:endParaRPr lang="zh-CN" altLang="en-US" b="1" dirty="0">
+              <a:solidFill>
+                <a:srgbClr val="FF0000"/>
+              </a:solidFill>
+            </a:endParaRPr>
+          </a:p>
+        </p:txBody>
+      </p:sp>
+      <p:sp>
+        <p:nvSpPr>
+          <p:cNvPr id="62" name="文本框 61">
+            <a:extLst>
+              <a:ext uri="{FF2B5EF4-FFF2-40B4-BE49-F238E27FC236}">
+                <a16:creationId xmlns:a16="http://schemas.microsoft.com/office/drawing/2014/main" id="{B3BB5EBD-248A-3C43-0B62-9680D292FBE9}"/>
+              </a:ext>
+            </a:extLst>
+          </p:cNvPr>
+          <p:cNvSpPr txBox="1"/>
+          <p:nvPr/>
+        </p:nvSpPr>
+        <p:spPr>
+          <a:xfrm>
+            <a:off x="5148071" y="3349250"/>
+            <a:ext cx="307184" cy="369332"/>
+          </a:xfrm>
+          <a:prstGeom prst="rect">
+            <a:avLst/>
+          </a:prstGeom>
+          <a:noFill/>
+        </p:spPr>
+        <p:txBody>
+          <a:bodyPr wrap="square">
+            <a:spAutoFit/>
+          </a:bodyPr>
+          <a:lstStyle/>
+          <a:p>
+            <a:r>
+              <a:rPr lang="en-US" altLang="zh-CN" b="1" dirty="0">
+                <a:solidFill>
+                  <a:schemeClr val="accent1"/>
+                </a:solidFill>
+              </a:rPr>
+              <a:t>S</a:t>
+            </a:r>
+            <a:endParaRPr lang="zh-CN" altLang="en-US" b="1" dirty="0">
+              <a:solidFill>
+                <a:schemeClr val="accent1"/>
+              </a:solidFill>
+            </a:endParaRPr>
+          </a:p>
+        </p:txBody>
+      </p:sp>
+    </p:spTree>
+    <p:extLst>
+      <p:ext uri="{BB962C8B-B14F-4D97-AF65-F5344CB8AC3E}">
+        <p14:creationId xmlns:p14="http://schemas.microsoft.com/office/powerpoint/2010/main" val="3957115956"/>
+      </p:ext>
+    </p:extLst>
+  </p:cSld>
+  <p:clrMapOvr>
+    <a:masterClrMapping/>
+  </p:clrMapOvr>
+</p:sld>
+</file>
+
+<file path=ppt/slides/slide6.xml><?xml version="1.0" encoding="utf-8"?>
+<p:sld xmlns:a="http://schemas.openxmlformats.org/drawingml/2006/main" xmlns:r="http://schemas.openxmlformats.org/officeDocument/2006/relationships" xmlns:p="http://schemas.openxmlformats.org/presentationml/2006/main">
+  <p:cSld>
+    <p:spTree>
+      <p:nvGrpSpPr>
+        <p:cNvPr id="1" name=""/>
+        <p:cNvGrpSpPr/>
+        <p:nvPr/>
+      </p:nvGrpSpPr>
+      <p:grpSpPr>
+        <a:xfrm>
+          <a:off x="0" y="0"/>
+          <a:ext cx="0" cy="0"/>
+          <a:chOff x="0" y="0"/>
+          <a:chExt cx="0" cy="0"/>
+        </a:xfrm>
+      </p:grpSpPr>
+      <p:cxnSp>
+        <p:nvCxnSpPr>
+          <p:cNvPr id="5" name="直接箭头连接符 4">
+            <a:extLst>
+              <a:ext uri="{FF2B5EF4-FFF2-40B4-BE49-F238E27FC236}">
+                <a16:creationId xmlns:a16="http://schemas.microsoft.com/office/drawing/2014/main" id="{DE751552-463E-9055-A35D-F24CD0E5F151}"/>
+              </a:ext>
+            </a:extLst>
+          </p:cNvPr>
+          <p:cNvCxnSpPr>
+            <a:cxnSpLocks/>
+          </p:cNvCxnSpPr>
+          <p:nvPr/>
+        </p:nvCxnSpPr>
+        <p:spPr>
+          <a:xfrm>
+            <a:off x="5715999" y="3428998"/>
+            <a:ext cx="1846576" cy="0"/>
+          </a:xfrm>
+          <a:prstGeom prst="straightConnector1">
+            <a:avLst/>
+          </a:prstGeom>
+          <a:ln w="57150">
+            <a:solidFill>
+              <a:srgbClr val="FF0000"/>
+            </a:solidFill>
+            <a:tailEnd type="triangle"/>
+          </a:ln>
+        </p:spPr>
+        <p:style>
+          <a:lnRef idx="2">
+            <a:schemeClr val="accent1"/>
+          </a:lnRef>
+          <a:fillRef idx="0">
+            <a:schemeClr val="accent1"/>
+          </a:fillRef>
+          <a:effectRef idx="1">
+            <a:schemeClr val="accent1"/>
+          </a:effectRef>
+          <a:fontRef idx="minor">
+            <a:schemeClr val="tx1"/>
+          </a:fontRef>
+        </p:style>
+      </p:cxnSp>
+      <p:cxnSp>
+        <p:nvCxnSpPr>
+          <p:cNvPr id="6" name="直接箭头连接符 5">
+            <a:extLst>
+              <a:ext uri="{FF2B5EF4-FFF2-40B4-BE49-F238E27FC236}">
+                <a16:creationId xmlns:a16="http://schemas.microsoft.com/office/drawing/2014/main" id="{F0E1A43C-3C4B-ECAE-E7F8-2CD4FBD249EE}"/>
+              </a:ext>
+            </a:extLst>
+          </p:cNvPr>
+          <p:cNvCxnSpPr>
+            <a:cxnSpLocks/>
+          </p:cNvCxnSpPr>
+          <p:nvPr/>
+        </p:nvCxnSpPr>
+        <p:spPr>
+          <a:xfrm flipV="1">
+            <a:off x="5743927" y="1657047"/>
+            <a:ext cx="0" cy="1771953"/>
+          </a:xfrm>
+          <a:prstGeom prst="straightConnector1">
+            <a:avLst/>
+          </a:prstGeom>
+          <a:ln w="57150">
+            <a:solidFill>
+              <a:srgbClr val="FF0000"/>
+            </a:solidFill>
+            <a:tailEnd type="triangle"/>
+          </a:ln>
+        </p:spPr>
+        <p:style>
+          <a:lnRef idx="2">
+            <a:schemeClr val="accent1"/>
+          </a:lnRef>
+          <a:fillRef idx="0">
+            <a:schemeClr val="accent1"/>
+          </a:fillRef>
+          <a:effectRef idx="1">
+            <a:schemeClr val="accent1"/>
+          </a:effectRef>
+          <a:fontRef idx="minor">
+            <a:schemeClr val="tx1"/>
+          </a:fontRef>
+        </p:style>
+      </p:cxnSp>
       <mc:AlternateContent xmlns:mc="http://schemas.openxmlformats.org/markup-compatibility/2006">
         <mc:Choice xmlns:a14="http://schemas.microsoft.com/office/drawing/2010/main" Requires="a14">
+          <p:sp>
+            <p:nvSpPr>
+              <p:cNvPr id="7" name="文本框 6">
+                <a:extLst>
+                  <a:ext uri="{FF2B5EF4-FFF2-40B4-BE49-F238E27FC236}">
+                    <a16:creationId xmlns:a16="http://schemas.microsoft.com/office/drawing/2014/main" id="{0BCFA4AF-5814-6E07-88A9-1EB076FBC4CA}"/>
+                  </a:ext>
+                </a:extLst>
+              </p:cNvPr>
+              <p:cNvSpPr txBox="1"/>
+              <p:nvPr/>
+            </p:nvSpPr>
+            <p:spPr>
+              <a:xfrm>
+                <a:off x="7641553" y="3429000"/>
+                <a:ext cx="278601" cy="369332"/>
+              </a:xfrm>
+              <a:prstGeom prst="rect">
+                <a:avLst/>
+              </a:prstGeom>
+              <a:noFill/>
+            </p:spPr>
+            <p:txBody>
+              <a:bodyPr wrap="none" lIns="0" tIns="0" rIns="0" bIns="0" rtlCol="0">
+                <a:spAutoFit/>
+              </a:bodyPr>
+              <a:lstStyle/>
+              <a:p>
+                <a:pPr/>
+                <a14:m>
+                  <m:oMathPara xmlns:m="http://schemas.openxmlformats.org/officeDocument/2006/math">
+                    <m:oMathParaPr>
+                      <m:jc m:val="centerGroup"/>
+                    </m:oMathParaPr>
+                    <m:oMath xmlns:m="http://schemas.openxmlformats.org/officeDocument/2006/math">
+                      <m:r>
+                        <a:rPr lang="zh-CN" altLang="en-US" sz="2400" i="1" smtClean="0">
+                          <a:solidFill>
+                            <a:srgbClr val="FF0000"/>
+                          </a:solidFill>
+                          <a:latin typeface="Cambria Math" panose="02040503050406030204" pitchFamily="18" charset="0"/>
+                        </a:rPr>
+                        <m:t>𝛼</m:t>
+                      </m:r>
+                    </m:oMath>
+                  </m:oMathPara>
+                </a14:m>
+                <a:endParaRPr lang="zh-CN" altLang="en-US" sz="2400" dirty="0">
+                  <a:solidFill>
+                    <a:srgbClr val="FF0000"/>
+                  </a:solidFill>
+                </a:endParaRPr>
+              </a:p>
+            </p:txBody>
+          </p:sp>
+        </mc:Choice>
+        <mc:Fallback>
+          <p:sp>
+            <p:nvSpPr>
+              <p:cNvPr id="7" name="文本框 6">
+                <a:extLst>
+                  <a:ext uri="{FF2B5EF4-FFF2-40B4-BE49-F238E27FC236}">
+                    <a16:creationId xmlns:a16="http://schemas.microsoft.com/office/drawing/2014/main" id="{0BCFA4AF-5814-6E07-88A9-1EB076FBC4CA}"/>
+                  </a:ext>
+                </a:extLst>
+              </p:cNvPr>
+              <p:cNvSpPr txBox="1">
+                <a:spLocks noRot="1" noChangeAspect="1" noMove="1" noResize="1" noEditPoints="1" noAdjustHandles="1" noChangeArrowheads="1" noChangeShapeType="1" noTextEdit="1"/>
+              </p:cNvSpPr>
+              <p:nvPr/>
+            </p:nvSpPr>
+            <p:spPr>
+              <a:xfrm>
+                <a:off x="7641553" y="3429000"/>
+                <a:ext cx="278601" cy="369332"/>
+              </a:xfrm>
+              <a:prstGeom prst="rect">
+                <a:avLst/>
+              </a:prstGeom>
+              <a:blipFill>
+                <a:blip r:embed="rId2"/>
+                <a:stretch>
+                  <a:fillRect l="-13333" r="-8889"/>
+                </a:stretch>
+              </a:blipFill>
+            </p:spPr>
+            <p:txBody>
+              <a:bodyPr/>
+              <a:lstStyle/>
+              <a:p>
+                <a:r>
+                  <a:rPr lang="zh-CN" altLang="en-US">
+                    <a:noFill/>
+                  </a:rPr>
+                  <a:t> </a:t>
+                </a:r>
+              </a:p>
+            </p:txBody>
+          </p:sp>
+        </mc:Fallback>
+      </mc:AlternateContent>
+      <mc:AlternateContent xmlns:mc="http://schemas.openxmlformats.org/markup-compatibility/2006">
+        <mc:Choice xmlns:a14="http://schemas.microsoft.com/office/drawing/2010/main" Requires="a14">
+          <p:sp>
+            <p:nvSpPr>
+              <p:cNvPr id="8" name="文本框 7">
+                <a:extLst>
+                  <a:ext uri="{FF2B5EF4-FFF2-40B4-BE49-F238E27FC236}">
+                    <a16:creationId xmlns:a16="http://schemas.microsoft.com/office/drawing/2014/main" id="{64EAE716-676F-0610-2179-1D3DAAC0A987}"/>
+                  </a:ext>
+                </a:extLst>
+              </p:cNvPr>
+              <p:cNvSpPr txBox="1"/>
+              <p:nvPr/>
+            </p:nvSpPr>
+            <p:spPr>
+              <a:xfrm>
+                <a:off x="5908187" y="1486894"/>
+                <a:ext cx="280205" cy="369332"/>
+              </a:xfrm>
+              <a:prstGeom prst="rect">
+                <a:avLst/>
+              </a:prstGeom>
+              <a:noFill/>
+            </p:spPr>
+            <p:txBody>
+              <a:bodyPr wrap="none" lIns="0" tIns="0" rIns="0" bIns="0" rtlCol="0">
+                <a:spAutoFit/>
+              </a:bodyPr>
+              <a:lstStyle/>
+              <a:p>
+                <a:pPr/>
+                <a14:m>
+                  <m:oMathPara xmlns:m="http://schemas.openxmlformats.org/officeDocument/2006/math">
+                    <m:oMathParaPr>
+                      <m:jc m:val="centerGroup"/>
+                    </m:oMathParaPr>
+                    <m:oMath xmlns:m="http://schemas.openxmlformats.org/officeDocument/2006/math">
+                      <m:r>
+                        <a:rPr lang="zh-CN" altLang="en-US" sz="2400" i="1" smtClean="0">
+                          <a:solidFill>
+                            <a:srgbClr val="FF0000"/>
+                          </a:solidFill>
+                          <a:latin typeface="Cambria Math" panose="02040503050406030204" pitchFamily="18" charset="0"/>
+                        </a:rPr>
+                        <m:t>𝛽</m:t>
+                      </m:r>
+                    </m:oMath>
+                  </m:oMathPara>
+                </a14:m>
+                <a:endParaRPr lang="zh-CN" altLang="en-US" sz="2400" dirty="0">
+                  <a:solidFill>
+                    <a:srgbClr val="FF0000"/>
+                  </a:solidFill>
+                </a:endParaRPr>
+              </a:p>
+            </p:txBody>
+          </p:sp>
+        </mc:Choice>
+        <mc:Fallback>
+          <p:sp>
+            <p:nvSpPr>
+              <p:cNvPr id="8" name="文本框 7">
+                <a:extLst>
+                  <a:ext uri="{FF2B5EF4-FFF2-40B4-BE49-F238E27FC236}">
+                    <a16:creationId xmlns:a16="http://schemas.microsoft.com/office/drawing/2014/main" id="{64EAE716-676F-0610-2179-1D3DAAC0A987}"/>
+                  </a:ext>
+                </a:extLst>
+              </p:cNvPr>
+              <p:cNvSpPr txBox="1">
+                <a:spLocks noRot="1" noChangeAspect="1" noMove="1" noResize="1" noEditPoints="1" noAdjustHandles="1" noChangeArrowheads="1" noChangeShapeType="1" noTextEdit="1"/>
+              </p:cNvSpPr>
+              <p:nvPr/>
+            </p:nvSpPr>
+            <p:spPr>
+              <a:xfrm>
+                <a:off x="5908187" y="1486894"/>
+                <a:ext cx="280205" cy="369332"/>
+              </a:xfrm>
+              <a:prstGeom prst="rect">
+                <a:avLst/>
+              </a:prstGeom>
+              <a:blipFill>
+                <a:blip r:embed="rId3"/>
+                <a:stretch>
+                  <a:fillRect l="-34783" r="-32609" b="-35000"/>
+                </a:stretch>
+              </a:blipFill>
+            </p:spPr>
+            <p:txBody>
+              <a:bodyPr/>
+              <a:lstStyle/>
+              <a:p>
+                <a:r>
+                  <a:rPr lang="zh-CN" altLang="en-US">
+                    <a:noFill/>
+                  </a:rPr>
+                  <a:t> </a:t>
+                </a:r>
+              </a:p>
+            </p:txBody>
+          </p:sp>
+        </mc:Fallback>
+      </mc:AlternateContent>
+      <mc:AlternateContent xmlns:mc="http://schemas.openxmlformats.org/markup-compatibility/2006">
+        <mc:Choice xmlns:a14="http://schemas.microsoft.com/office/drawing/2010/main" Requires="a14">
+          <p:sp>
+            <p:nvSpPr>
+              <p:cNvPr id="9" name="文本框 8">
+                <a:extLst>
+                  <a:ext uri="{FF2B5EF4-FFF2-40B4-BE49-F238E27FC236}">
+                    <a16:creationId xmlns:a16="http://schemas.microsoft.com/office/drawing/2014/main" id="{BA395262-1325-AD7F-A6BB-BBCD66A74AFC}"/>
+                  </a:ext>
+                </a:extLst>
+              </p:cNvPr>
+              <p:cNvSpPr txBox="1"/>
+              <p:nvPr/>
+            </p:nvSpPr>
+            <p:spPr>
+              <a:xfrm>
+                <a:off x="7033549" y="2942736"/>
+                <a:ext cx="283539" cy="369332"/>
+              </a:xfrm>
+              <a:prstGeom prst="rect">
+                <a:avLst/>
+              </a:prstGeom>
+              <a:noFill/>
+            </p:spPr>
+            <p:txBody>
+              <a:bodyPr wrap="none" lIns="0" tIns="0" rIns="0" bIns="0" rtlCol="0">
+                <a:spAutoFit/>
+              </a:bodyPr>
+              <a:lstStyle/>
+              <a:p>
+                <a:pPr/>
+                <a14:m>
+                  <m:oMathPara xmlns:m="http://schemas.openxmlformats.org/officeDocument/2006/math">
+                    <m:oMathParaPr>
+                      <m:jc m:val="centerGroup"/>
+                    </m:oMathParaPr>
+                    <m:oMath xmlns:m="http://schemas.openxmlformats.org/officeDocument/2006/math">
+                      <m:r>
+                        <a:rPr lang="en-US" altLang="zh-CN" sz="2400" b="0" i="1" smtClean="0">
+                          <a:solidFill>
+                            <a:schemeClr val="tx1"/>
+                          </a:solidFill>
+                          <a:latin typeface="Cambria Math" panose="02040503050406030204" pitchFamily="18" charset="0"/>
+                        </a:rPr>
+                        <m:t>𝐴</m:t>
+                      </m:r>
+                    </m:oMath>
+                  </m:oMathPara>
+                </a14:m>
+                <a:endParaRPr lang="zh-CN" altLang="en-US" sz="2400" dirty="0">
+                  <a:solidFill>
+                    <a:schemeClr val="tx1"/>
+                  </a:solidFill>
+                </a:endParaRPr>
+              </a:p>
+            </p:txBody>
+          </p:sp>
+        </mc:Choice>
+        <mc:Fallback>
+          <p:sp>
+            <p:nvSpPr>
+              <p:cNvPr id="9" name="文本框 8">
+                <a:extLst>
+                  <a:ext uri="{FF2B5EF4-FFF2-40B4-BE49-F238E27FC236}">
+                    <a16:creationId xmlns:a16="http://schemas.microsoft.com/office/drawing/2014/main" id="{BA395262-1325-AD7F-A6BB-BBCD66A74AFC}"/>
+                  </a:ext>
+                </a:extLst>
+              </p:cNvPr>
+              <p:cNvSpPr txBox="1">
+                <a:spLocks noRot="1" noChangeAspect="1" noMove="1" noResize="1" noEditPoints="1" noAdjustHandles="1" noChangeArrowheads="1" noChangeShapeType="1" noTextEdit="1"/>
+              </p:cNvSpPr>
+              <p:nvPr/>
+            </p:nvSpPr>
+            <p:spPr>
+              <a:xfrm>
+                <a:off x="7033549" y="2942736"/>
+                <a:ext cx="283539" cy="369332"/>
+              </a:xfrm>
+              <a:prstGeom prst="rect">
+                <a:avLst/>
+              </a:prstGeom>
+              <a:blipFill>
+                <a:blip r:embed="rId4"/>
+                <a:stretch>
+                  <a:fillRect l="-23913" r="-21739" b="-6667"/>
+                </a:stretch>
+              </a:blipFill>
+            </p:spPr>
+            <p:txBody>
+              <a:bodyPr/>
+              <a:lstStyle/>
+              <a:p>
+                <a:r>
+                  <a:rPr lang="zh-CN" altLang="en-US">
+                    <a:noFill/>
+                  </a:rPr>
+                  <a:t> </a:t>
+                </a:r>
+              </a:p>
+            </p:txBody>
+          </p:sp>
+        </mc:Fallback>
+      </mc:AlternateContent>
+      <mc:AlternateContent xmlns:mc="http://schemas.openxmlformats.org/markup-compatibility/2006">
+        <mc:Choice xmlns:a14="http://schemas.microsoft.com/office/drawing/2010/main" Requires="a14">
+          <p:sp>
+            <p:nvSpPr>
+              <p:cNvPr id="10" name="文本框 9">
+                <a:extLst>
+                  <a:ext uri="{FF2B5EF4-FFF2-40B4-BE49-F238E27FC236}">
+                    <a16:creationId xmlns:a16="http://schemas.microsoft.com/office/drawing/2014/main" id="{4F5CF72C-0F11-A035-1436-7A5F5D821E5F}"/>
+                  </a:ext>
+                </a:extLst>
+              </p:cNvPr>
+              <p:cNvSpPr txBox="1"/>
+              <p:nvPr/>
+            </p:nvSpPr>
+            <p:spPr>
+              <a:xfrm>
+                <a:off x="5198871" y="1810971"/>
+                <a:ext cx="295209" cy="369332"/>
+              </a:xfrm>
+              <a:prstGeom prst="rect">
+                <a:avLst/>
+              </a:prstGeom>
+              <a:noFill/>
+            </p:spPr>
+            <p:txBody>
+              <a:bodyPr wrap="none" lIns="0" tIns="0" rIns="0" bIns="0" rtlCol="0">
+                <a:spAutoFit/>
+              </a:bodyPr>
+              <a:lstStyle/>
+              <a:p>
+                <a:pPr/>
+                <a14:m>
+                  <m:oMathPara xmlns:m="http://schemas.openxmlformats.org/officeDocument/2006/math">
+                    <m:oMathParaPr>
+                      <m:jc m:val="centerGroup"/>
+                    </m:oMathParaPr>
+                    <m:oMath xmlns:m="http://schemas.openxmlformats.org/officeDocument/2006/math">
+                      <m:r>
+                        <a:rPr lang="en-US" altLang="zh-CN" sz="2400" b="0" i="1" smtClean="0">
+                          <a:solidFill>
+                            <a:schemeClr val="tx1"/>
+                          </a:solidFill>
+                          <a:latin typeface="Cambria Math" panose="02040503050406030204" pitchFamily="18" charset="0"/>
+                        </a:rPr>
+                        <m:t>𝐵</m:t>
+                      </m:r>
+                    </m:oMath>
+                  </m:oMathPara>
+                </a14:m>
+                <a:endParaRPr lang="zh-CN" altLang="en-US" sz="2400" dirty="0">
+                  <a:solidFill>
+                    <a:schemeClr val="tx1"/>
+                  </a:solidFill>
+                </a:endParaRPr>
+              </a:p>
+            </p:txBody>
+          </p:sp>
+        </mc:Choice>
+        <mc:Fallback>
+          <p:sp>
+            <p:nvSpPr>
+              <p:cNvPr id="10" name="文本框 9">
+                <a:extLst>
+                  <a:ext uri="{FF2B5EF4-FFF2-40B4-BE49-F238E27FC236}">
+                    <a16:creationId xmlns:a16="http://schemas.microsoft.com/office/drawing/2014/main" id="{4F5CF72C-0F11-A035-1436-7A5F5D821E5F}"/>
+                  </a:ext>
+                </a:extLst>
+              </p:cNvPr>
+              <p:cNvSpPr txBox="1">
+                <a:spLocks noRot="1" noChangeAspect="1" noMove="1" noResize="1" noEditPoints="1" noAdjustHandles="1" noChangeArrowheads="1" noChangeShapeType="1" noTextEdit="1"/>
+              </p:cNvSpPr>
+              <p:nvPr/>
+            </p:nvSpPr>
+            <p:spPr>
+              <a:xfrm>
+                <a:off x="5198871" y="1810971"/>
+                <a:ext cx="295209" cy="369332"/>
+              </a:xfrm>
+              <a:prstGeom prst="rect">
+                <a:avLst/>
+              </a:prstGeom>
+              <a:blipFill>
+                <a:blip r:embed="rId5"/>
+                <a:stretch>
+                  <a:fillRect l="-22917" r="-18750" b="-6557"/>
+                </a:stretch>
+              </a:blipFill>
+            </p:spPr>
+            <p:txBody>
+              <a:bodyPr/>
+              <a:lstStyle/>
+              <a:p>
+                <a:r>
+                  <a:rPr lang="zh-CN" altLang="en-US">
+                    <a:noFill/>
+                  </a:rPr>
+                  <a:t> </a:t>
+                </a:r>
+              </a:p>
+            </p:txBody>
+          </p:sp>
+        </mc:Fallback>
+      </mc:AlternateContent>
+      <mc:AlternateContent xmlns:mc="http://schemas.openxmlformats.org/markup-compatibility/2006">
+        <mc:Choice xmlns:a14="http://schemas.microsoft.com/office/drawing/2010/main" Requires="a14">
+          <p:sp>
+            <p:nvSpPr>
+              <p:cNvPr id="11" name="文本框 10">
+                <a:extLst>
+                  <a:ext uri="{FF2B5EF4-FFF2-40B4-BE49-F238E27FC236}">
+                    <a16:creationId xmlns:a16="http://schemas.microsoft.com/office/drawing/2014/main" id="{B927D168-7DBA-C110-338F-851DECC77478}"/>
+                  </a:ext>
+                </a:extLst>
+              </p:cNvPr>
+              <p:cNvSpPr txBox="1"/>
+              <p:nvPr/>
+            </p:nvSpPr>
+            <p:spPr>
+              <a:xfrm>
+                <a:off x="4624327" y="4252440"/>
+                <a:ext cx="282833" cy="369332"/>
+              </a:xfrm>
+              <a:prstGeom prst="rect">
+                <a:avLst/>
+              </a:prstGeom>
+              <a:noFill/>
+            </p:spPr>
+            <p:txBody>
+              <a:bodyPr wrap="none" lIns="0" tIns="0" rIns="0" bIns="0" rtlCol="0">
+                <a:spAutoFit/>
+              </a:bodyPr>
+              <a:lstStyle/>
+              <a:p>
+                <a:pPr/>
+                <a14:m>
+                  <m:oMathPara xmlns:m="http://schemas.openxmlformats.org/officeDocument/2006/math">
+                    <m:oMathParaPr>
+                      <m:jc m:val="centerGroup"/>
+                    </m:oMathParaPr>
+                    <m:oMath xmlns:m="http://schemas.openxmlformats.org/officeDocument/2006/math">
+                      <m:r>
+                        <a:rPr lang="en-US" altLang="zh-CN" sz="2400" b="0" i="1" smtClean="0">
+                          <a:solidFill>
+                            <a:schemeClr val="tx1"/>
+                          </a:solidFill>
+                          <a:latin typeface="Cambria Math" panose="02040503050406030204" pitchFamily="18" charset="0"/>
+                        </a:rPr>
+                        <m:t>𝐶</m:t>
+                      </m:r>
+                    </m:oMath>
+                  </m:oMathPara>
+                </a14:m>
+                <a:endParaRPr lang="zh-CN" altLang="en-US" sz="2400" dirty="0">
+                  <a:solidFill>
+                    <a:schemeClr val="tx1"/>
+                  </a:solidFill>
+                </a:endParaRPr>
+              </a:p>
+            </p:txBody>
+          </p:sp>
+        </mc:Choice>
+        <mc:Fallback>
+          <p:sp>
+            <p:nvSpPr>
+              <p:cNvPr id="11" name="文本框 10">
+                <a:extLst>
+                  <a:ext uri="{FF2B5EF4-FFF2-40B4-BE49-F238E27FC236}">
+                    <a16:creationId xmlns:a16="http://schemas.microsoft.com/office/drawing/2014/main" id="{B927D168-7DBA-C110-338F-851DECC77478}"/>
+                  </a:ext>
+                </a:extLst>
+              </p:cNvPr>
+              <p:cNvSpPr txBox="1">
+                <a:spLocks noRot="1" noChangeAspect="1" noMove="1" noResize="1" noEditPoints="1" noAdjustHandles="1" noChangeArrowheads="1" noChangeShapeType="1" noTextEdit="1"/>
+              </p:cNvSpPr>
+              <p:nvPr/>
+            </p:nvSpPr>
+            <p:spPr>
+              <a:xfrm>
+                <a:off x="4624327" y="4252440"/>
+                <a:ext cx="282833" cy="369332"/>
+              </a:xfrm>
+              <a:prstGeom prst="rect">
+                <a:avLst/>
+              </a:prstGeom>
+              <a:blipFill>
+                <a:blip r:embed="rId6"/>
+                <a:stretch>
+                  <a:fillRect l="-23913" r="-17391" b="-6667"/>
+                </a:stretch>
+              </a:blipFill>
+            </p:spPr>
+            <p:txBody>
+              <a:bodyPr/>
+              <a:lstStyle/>
+              <a:p>
+                <a:r>
+                  <a:rPr lang="zh-CN" altLang="en-US">
+                    <a:noFill/>
+                  </a:rPr>
+                  <a:t> </a:t>
+                </a:r>
+              </a:p>
+            </p:txBody>
+          </p:sp>
+        </mc:Fallback>
+      </mc:AlternateContent>
+      <p:cxnSp>
+        <p:nvCxnSpPr>
+          <p:cNvPr id="13" name="直接连接符 12">
+            <a:extLst>
+              <a:ext uri="{FF2B5EF4-FFF2-40B4-BE49-F238E27FC236}">
+                <a16:creationId xmlns:a16="http://schemas.microsoft.com/office/drawing/2014/main" id="{9F4E8915-2E8B-D13F-EED7-456EFADBA626}"/>
+              </a:ext>
+            </a:extLst>
+          </p:cNvPr>
+          <p:cNvCxnSpPr>
+            <a:cxnSpLocks/>
+          </p:cNvCxnSpPr>
+          <p:nvPr/>
+        </p:nvCxnSpPr>
+        <p:spPr>
+          <a:xfrm>
+            <a:off x="4100052" y="3429000"/>
+            <a:ext cx="1643875" cy="0"/>
+          </a:xfrm>
+          <a:prstGeom prst="line">
+            <a:avLst/>
+          </a:prstGeom>
+          <a:ln w="57150">
+            <a:solidFill>
+              <a:srgbClr val="FF0000"/>
+            </a:solidFill>
+            <a:prstDash val="sysDash"/>
+          </a:ln>
+        </p:spPr>
+        <p:style>
+          <a:lnRef idx="2">
+            <a:schemeClr val="accent1"/>
+          </a:lnRef>
+          <a:fillRef idx="0">
+            <a:schemeClr val="accent1"/>
+          </a:fillRef>
+          <a:effectRef idx="1">
+            <a:schemeClr val="accent1"/>
+          </a:effectRef>
+          <a:fontRef idx="minor">
+            <a:schemeClr val="tx1"/>
+          </a:fontRef>
+        </p:style>
+      </p:cxnSp>
+      <p:cxnSp>
+        <p:nvCxnSpPr>
+          <p:cNvPr id="15" name="直接连接符 14">
+            <a:extLst>
+              <a:ext uri="{FF2B5EF4-FFF2-40B4-BE49-F238E27FC236}">
+                <a16:creationId xmlns:a16="http://schemas.microsoft.com/office/drawing/2014/main" id="{F7750024-FFF2-BCD0-B0CC-AA5B10C3CE02}"/>
+              </a:ext>
+            </a:extLst>
+          </p:cNvPr>
+          <p:cNvCxnSpPr>
+            <a:cxnSpLocks/>
+          </p:cNvCxnSpPr>
+          <p:nvPr/>
+        </p:nvCxnSpPr>
+        <p:spPr>
+          <a:xfrm flipV="1">
+            <a:off x="5743927" y="3429000"/>
+            <a:ext cx="0" cy="1624780"/>
+          </a:xfrm>
+          <a:prstGeom prst="line">
+            <a:avLst/>
+          </a:prstGeom>
+          <a:ln w="57150">
+            <a:solidFill>
+              <a:srgbClr val="FF0000"/>
+            </a:solidFill>
+            <a:prstDash val="sysDash"/>
+          </a:ln>
+        </p:spPr>
+        <p:style>
+          <a:lnRef idx="2">
+            <a:schemeClr val="accent1"/>
+          </a:lnRef>
+          <a:fillRef idx="0">
+            <a:schemeClr val="accent1"/>
+          </a:fillRef>
+          <a:effectRef idx="1">
+            <a:schemeClr val="accent1"/>
+          </a:effectRef>
+          <a:fontRef idx="minor">
+            <a:schemeClr val="tx1"/>
+          </a:fontRef>
+        </p:style>
+      </p:cxnSp>
+      <p:cxnSp>
+        <p:nvCxnSpPr>
+          <p:cNvPr id="20" name="直接箭头连接符 19">
+            <a:extLst>
+              <a:ext uri="{FF2B5EF4-FFF2-40B4-BE49-F238E27FC236}">
+                <a16:creationId xmlns:a16="http://schemas.microsoft.com/office/drawing/2014/main" id="{158122BB-BFB9-3986-F231-12467737FB5C}"/>
+              </a:ext>
+            </a:extLst>
+          </p:cNvPr>
+          <p:cNvCxnSpPr>
+            <a:cxnSpLocks/>
+          </p:cNvCxnSpPr>
+          <p:nvPr/>
+        </p:nvCxnSpPr>
+        <p:spPr>
+          <a:xfrm flipV="1">
+            <a:off x="5738232" y="2245441"/>
+            <a:ext cx="639098" cy="1201991"/>
+          </a:xfrm>
+          <a:prstGeom prst="straightConnector1">
+            <a:avLst/>
+          </a:prstGeom>
+          <a:ln w="57150">
+            <a:solidFill>
+              <a:schemeClr val="bg2">
+                <a:lumMod val="50000"/>
+              </a:schemeClr>
+            </a:solidFill>
+            <a:tailEnd type="triangle"/>
+          </a:ln>
+        </p:spPr>
+        <p:style>
+          <a:lnRef idx="2">
+            <a:schemeClr val="accent1"/>
+          </a:lnRef>
+          <a:fillRef idx="0">
+            <a:schemeClr val="accent1"/>
+          </a:fillRef>
+          <a:effectRef idx="1">
+            <a:schemeClr val="accent1"/>
+          </a:effectRef>
+          <a:fontRef idx="minor">
+            <a:schemeClr val="tx1"/>
+          </a:fontRef>
+        </p:style>
+      </p:cxnSp>
+      <p:cxnSp>
+        <p:nvCxnSpPr>
+          <p:cNvPr id="25" name="直接箭头连接符 24">
+            <a:extLst>
+              <a:ext uri="{FF2B5EF4-FFF2-40B4-BE49-F238E27FC236}">
+                <a16:creationId xmlns:a16="http://schemas.microsoft.com/office/drawing/2014/main" id="{BDC3E65B-6A0D-5F60-6438-D2B7F2C11380}"/>
+              </a:ext>
+            </a:extLst>
+          </p:cNvPr>
+          <p:cNvCxnSpPr>
+            <a:cxnSpLocks/>
+          </p:cNvCxnSpPr>
+          <p:nvPr/>
+        </p:nvCxnSpPr>
+        <p:spPr>
+          <a:xfrm>
+            <a:off x="5724096" y="3393205"/>
+            <a:ext cx="639099" cy="1118419"/>
+          </a:xfrm>
+          <a:prstGeom prst="straightConnector1">
+            <a:avLst/>
+          </a:prstGeom>
+          <a:ln w="57150">
+            <a:solidFill>
+              <a:schemeClr val="bg2">
+                <a:lumMod val="50000"/>
+              </a:schemeClr>
+            </a:solidFill>
+            <a:tailEnd type="triangle"/>
+          </a:ln>
+        </p:spPr>
+        <p:style>
+          <a:lnRef idx="2">
+            <a:schemeClr val="accent1"/>
+          </a:lnRef>
+          <a:fillRef idx="0">
+            <a:schemeClr val="accent1"/>
+          </a:fillRef>
+          <a:effectRef idx="1">
+            <a:schemeClr val="accent1"/>
+          </a:effectRef>
+          <a:fontRef idx="minor">
+            <a:schemeClr val="tx1"/>
+          </a:fontRef>
+        </p:style>
+      </p:cxnSp>
+      <p:cxnSp>
+        <p:nvCxnSpPr>
+          <p:cNvPr id="28" name="直接箭头连接符 27">
+            <a:extLst>
+              <a:ext uri="{FF2B5EF4-FFF2-40B4-BE49-F238E27FC236}">
+                <a16:creationId xmlns:a16="http://schemas.microsoft.com/office/drawing/2014/main" id="{FA46260A-E901-3F1E-E273-899438BE7224}"/>
+              </a:ext>
+            </a:extLst>
+          </p:cNvPr>
+          <p:cNvCxnSpPr>
+            <a:cxnSpLocks/>
+          </p:cNvCxnSpPr>
+          <p:nvPr/>
+        </p:nvCxnSpPr>
+        <p:spPr>
+          <a:xfrm flipH="1">
+            <a:off x="4516617" y="3428999"/>
+            <a:ext cx="1233006" cy="0"/>
+          </a:xfrm>
+          <a:prstGeom prst="straightConnector1">
+            <a:avLst/>
+          </a:prstGeom>
+          <a:ln w="57150">
+            <a:solidFill>
+              <a:schemeClr val="bg2">
+                <a:lumMod val="50000"/>
+              </a:schemeClr>
+            </a:solidFill>
+            <a:tailEnd type="triangle"/>
+          </a:ln>
+        </p:spPr>
+        <p:style>
+          <a:lnRef idx="2">
+            <a:schemeClr val="accent1"/>
+          </a:lnRef>
+          <a:fillRef idx="0">
+            <a:schemeClr val="accent1"/>
+          </a:fillRef>
+          <a:effectRef idx="1">
+            <a:schemeClr val="accent1"/>
+          </a:effectRef>
+          <a:fontRef idx="minor">
+            <a:schemeClr val="tx1"/>
+          </a:fontRef>
+        </p:style>
+      </p:cxnSp>
+      <p:cxnSp>
+        <p:nvCxnSpPr>
+          <p:cNvPr id="33" name="直接连接符 32">
+            <a:extLst>
+              <a:ext uri="{FF2B5EF4-FFF2-40B4-BE49-F238E27FC236}">
+                <a16:creationId xmlns:a16="http://schemas.microsoft.com/office/drawing/2014/main" id="{9007AB3B-17FD-08E6-B2B2-FF8FA1EF846B}"/>
+              </a:ext>
+            </a:extLst>
+          </p:cNvPr>
+          <p:cNvCxnSpPr>
+            <a:cxnSpLocks/>
+          </p:cNvCxnSpPr>
+          <p:nvPr/>
+        </p:nvCxnSpPr>
+        <p:spPr>
+          <a:xfrm>
+            <a:off x="5133959" y="2245442"/>
+            <a:ext cx="1229236" cy="0"/>
+          </a:xfrm>
+          <a:prstGeom prst="line">
+            <a:avLst/>
+          </a:prstGeom>
+          <a:ln w="19050">
+            <a:solidFill>
+              <a:schemeClr val="bg2">
+                <a:lumMod val="75000"/>
+              </a:schemeClr>
+            </a:solidFill>
+            <a:prstDash val="sysDash"/>
+          </a:ln>
+        </p:spPr>
+        <p:style>
+          <a:lnRef idx="2">
+            <a:schemeClr val="accent1"/>
+          </a:lnRef>
+          <a:fillRef idx="0">
+            <a:schemeClr val="accent1"/>
+          </a:fillRef>
+          <a:effectRef idx="1">
+            <a:schemeClr val="accent1"/>
+          </a:effectRef>
+          <a:fontRef idx="minor">
+            <a:schemeClr val="tx1"/>
+          </a:fontRef>
+        </p:style>
+      </p:cxnSp>
+      <p:cxnSp>
+        <p:nvCxnSpPr>
+          <p:cNvPr id="35" name="直接连接符 34">
+            <a:extLst>
+              <a:ext uri="{FF2B5EF4-FFF2-40B4-BE49-F238E27FC236}">
+                <a16:creationId xmlns:a16="http://schemas.microsoft.com/office/drawing/2014/main" id="{492297D4-9C06-43A9-F509-BD1B14BD489E}"/>
+              </a:ext>
+            </a:extLst>
+          </p:cNvPr>
+          <p:cNvCxnSpPr>
+            <a:cxnSpLocks/>
+          </p:cNvCxnSpPr>
+          <p:nvPr/>
+        </p:nvCxnSpPr>
+        <p:spPr>
+          <a:xfrm flipV="1">
+            <a:off x="4552987" y="2245441"/>
+            <a:ext cx="580133" cy="1183557"/>
+          </a:xfrm>
+          <a:prstGeom prst="line">
+            <a:avLst/>
+          </a:prstGeom>
+          <a:ln w="19050">
+            <a:solidFill>
+              <a:schemeClr val="bg2">
+                <a:lumMod val="75000"/>
+              </a:schemeClr>
+            </a:solidFill>
+            <a:prstDash val="sysDash"/>
+          </a:ln>
+        </p:spPr>
+        <p:style>
+          <a:lnRef idx="2">
+            <a:schemeClr val="accent1"/>
+          </a:lnRef>
+          <a:fillRef idx="0">
+            <a:schemeClr val="accent1"/>
+          </a:fillRef>
+          <a:effectRef idx="1">
+            <a:schemeClr val="accent1"/>
+          </a:effectRef>
+          <a:fontRef idx="minor">
+            <a:schemeClr val="tx1"/>
+          </a:fontRef>
+        </p:style>
+      </p:cxnSp>
+      <p:cxnSp>
+        <p:nvCxnSpPr>
+          <p:cNvPr id="38" name="直接连接符 37">
+            <a:extLst>
+              <a:ext uri="{FF2B5EF4-FFF2-40B4-BE49-F238E27FC236}">
+                <a16:creationId xmlns:a16="http://schemas.microsoft.com/office/drawing/2014/main" id="{2CFFB814-9DC8-69E6-56C2-7C219678FF66}"/>
+              </a:ext>
+            </a:extLst>
+          </p:cNvPr>
+          <p:cNvCxnSpPr>
+            <a:cxnSpLocks/>
+          </p:cNvCxnSpPr>
+          <p:nvPr/>
+        </p:nvCxnSpPr>
+        <p:spPr>
+          <a:xfrm>
+            <a:off x="6377330" y="2245441"/>
+            <a:ext cx="590737" cy="1183557"/>
+          </a:xfrm>
+          <a:prstGeom prst="line">
+            <a:avLst/>
+          </a:prstGeom>
+          <a:ln w="19050">
+            <a:solidFill>
+              <a:schemeClr val="bg2">
+                <a:lumMod val="75000"/>
+              </a:schemeClr>
+            </a:solidFill>
+            <a:prstDash val="sysDash"/>
+          </a:ln>
+        </p:spPr>
+        <p:style>
+          <a:lnRef idx="2">
+            <a:schemeClr val="accent1"/>
+          </a:lnRef>
+          <a:fillRef idx="0">
+            <a:schemeClr val="accent1"/>
+          </a:fillRef>
+          <a:effectRef idx="1">
+            <a:schemeClr val="accent1"/>
+          </a:effectRef>
+          <a:fontRef idx="minor">
+            <a:schemeClr val="tx1"/>
+          </a:fontRef>
+        </p:style>
+      </p:cxnSp>
+      <p:cxnSp>
+        <p:nvCxnSpPr>
+          <p:cNvPr id="40" name="直接连接符 39">
+            <a:extLst>
+              <a:ext uri="{FF2B5EF4-FFF2-40B4-BE49-F238E27FC236}">
+                <a16:creationId xmlns:a16="http://schemas.microsoft.com/office/drawing/2014/main" id="{18BEB213-B268-03B2-DED1-14F5A6876D9F}"/>
+              </a:ext>
+            </a:extLst>
+          </p:cNvPr>
+          <p:cNvCxnSpPr>
+            <a:cxnSpLocks/>
+          </p:cNvCxnSpPr>
+          <p:nvPr/>
+        </p:nvCxnSpPr>
+        <p:spPr>
+          <a:xfrm>
+            <a:off x="5101381" y="4511624"/>
+            <a:ext cx="1229236" cy="0"/>
+          </a:xfrm>
+          <a:prstGeom prst="line">
+            <a:avLst/>
+          </a:prstGeom>
+          <a:ln w="19050">
+            <a:solidFill>
+              <a:schemeClr val="bg2">
+                <a:lumMod val="75000"/>
+              </a:schemeClr>
+            </a:solidFill>
+            <a:prstDash val="sysDash"/>
+          </a:ln>
+        </p:spPr>
+        <p:style>
+          <a:lnRef idx="2">
+            <a:schemeClr val="accent1"/>
+          </a:lnRef>
+          <a:fillRef idx="0">
+            <a:schemeClr val="accent1"/>
+          </a:fillRef>
+          <a:effectRef idx="1">
+            <a:schemeClr val="accent1"/>
+          </a:effectRef>
+          <a:fontRef idx="minor">
+            <a:schemeClr val="tx1"/>
+          </a:fontRef>
+        </p:style>
+      </p:cxnSp>
+      <p:cxnSp>
+        <p:nvCxnSpPr>
+          <p:cNvPr id="41" name="直接连接符 40">
+            <a:extLst>
+              <a:ext uri="{FF2B5EF4-FFF2-40B4-BE49-F238E27FC236}">
+                <a16:creationId xmlns:a16="http://schemas.microsoft.com/office/drawing/2014/main" id="{FD23FD73-F92D-CC91-26FC-CCAAE8CD1294}"/>
+              </a:ext>
+            </a:extLst>
+          </p:cNvPr>
+          <p:cNvCxnSpPr>
+            <a:cxnSpLocks/>
+          </p:cNvCxnSpPr>
+          <p:nvPr/>
+        </p:nvCxnSpPr>
+        <p:spPr>
+          <a:xfrm flipV="1">
+            <a:off x="6363195" y="3428998"/>
+            <a:ext cx="604872" cy="1082626"/>
+          </a:xfrm>
+          <a:prstGeom prst="line">
+            <a:avLst/>
+          </a:prstGeom>
+          <a:ln w="19050">
+            <a:solidFill>
+              <a:schemeClr val="bg2">
+                <a:lumMod val="75000"/>
+              </a:schemeClr>
+            </a:solidFill>
+            <a:prstDash val="sysDash"/>
+          </a:ln>
+        </p:spPr>
+        <p:style>
+          <a:lnRef idx="2">
+            <a:schemeClr val="accent1"/>
+          </a:lnRef>
+          <a:fillRef idx="0">
+            <a:schemeClr val="accent1"/>
+          </a:fillRef>
+          <a:effectRef idx="1">
+            <a:schemeClr val="accent1"/>
+          </a:effectRef>
+          <a:fontRef idx="minor">
+            <a:schemeClr val="tx1"/>
+          </a:fontRef>
+        </p:style>
+      </p:cxnSp>
+      <p:cxnSp>
+        <p:nvCxnSpPr>
+          <p:cNvPr id="43" name="直接连接符 42">
+            <a:extLst>
+              <a:ext uri="{FF2B5EF4-FFF2-40B4-BE49-F238E27FC236}">
+                <a16:creationId xmlns:a16="http://schemas.microsoft.com/office/drawing/2014/main" id="{CD9E4E0D-8656-E547-8322-9C5C7C0A055F}"/>
+              </a:ext>
+            </a:extLst>
+          </p:cNvPr>
+          <p:cNvCxnSpPr>
+            <a:cxnSpLocks/>
+          </p:cNvCxnSpPr>
+          <p:nvPr/>
+        </p:nvCxnSpPr>
+        <p:spPr>
+          <a:xfrm>
+            <a:off x="4552987" y="3447432"/>
+            <a:ext cx="535625" cy="1064192"/>
+          </a:xfrm>
+          <a:prstGeom prst="line">
+            <a:avLst/>
+          </a:prstGeom>
+          <a:ln w="19050">
+            <a:solidFill>
+              <a:schemeClr val="bg2">
+                <a:lumMod val="75000"/>
+              </a:schemeClr>
+            </a:solidFill>
+            <a:prstDash val="sysDash"/>
+          </a:ln>
+        </p:spPr>
+        <p:style>
+          <a:lnRef idx="2">
+            <a:schemeClr val="accent1"/>
+          </a:lnRef>
+          <a:fillRef idx="0">
+            <a:schemeClr val="accent1"/>
+          </a:fillRef>
+          <a:effectRef idx="1">
+            <a:schemeClr val="accent1"/>
+          </a:effectRef>
+          <a:fontRef idx="minor">
+            <a:schemeClr val="tx1"/>
+          </a:fontRef>
+        </p:style>
+      </p:cxnSp>
+      <mc:AlternateContent xmlns:mc="http://schemas.openxmlformats.org/markup-compatibility/2006">
+        <mc:Choice xmlns:a14="http://schemas.microsoft.com/office/drawing/2010/main" Requires="a14">
+          <p:sp>
+            <p:nvSpPr>
+              <p:cNvPr id="45" name="文本框 44">
+                <a:extLst>
+                  <a:ext uri="{FF2B5EF4-FFF2-40B4-BE49-F238E27FC236}">
+                    <a16:creationId xmlns:a16="http://schemas.microsoft.com/office/drawing/2014/main" id="{1ECDF7EC-16AF-125E-E9C2-8F0D897106CE}"/>
+                  </a:ext>
+                </a:extLst>
+              </p:cNvPr>
+              <p:cNvSpPr txBox="1"/>
+              <p:nvPr/>
+            </p:nvSpPr>
+            <p:spPr>
+              <a:xfrm>
+                <a:off x="7382570" y="3065321"/>
+                <a:ext cx="942822" cy="276999"/>
+              </a:xfrm>
+              <a:prstGeom prst="rect">
+                <a:avLst/>
+              </a:prstGeom>
+              <a:noFill/>
+            </p:spPr>
+            <p:txBody>
+              <a:bodyPr wrap="none" lIns="0" tIns="0" rIns="0" bIns="0" rtlCol="0">
+                <a:spAutoFit/>
+              </a:bodyPr>
+              <a:lstStyle/>
+              <a:p>
+                <a14:m>
+                  <m:oMathPara xmlns:m="http://schemas.openxmlformats.org/officeDocument/2006/math">
+                    <m:oMathParaPr>
+                      <m:jc m:val="centerGroup"/>
+                    </m:oMathParaPr>
+                    <m:oMath xmlns:m="http://schemas.openxmlformats.org/officeDocument/2006/math">
+                      <m:sSub>
+                        <m:sSubPr>
+                          <m:ctrlPr>
+                            <a:rPr lang="en-US" altLang="zh-CN" b="0" i="1" smtClean="0">
+                              <a:latin typeface="Cambria Math" panose="02040503050406030204" pitchFamily="18" charset="0"/>
+                            </a:rPr>
+                          </m:ctrlPr>
+                        </m:sSubPr>
+                        <m:e>
+                          <m:r>
+                            <a:rPr lang="en-US" altLang="zh-CN" b="0" i="1" smtClean="0">
+                              <a:latin typeface="Cambria Math" panose="02040503050406030204" pitchFamily="18" charset="0"/>
+                            </a:rPr>
+                            <m:t>𝑈</m:t>
+                          </m:r>
+                        </m:e>
+                        <m:sub>
+                          <m:r>
+                            <a:rPr lang="en-US" altLang="zh-CN" b="0" i="1" smtClean="0">
+                              <a:latin typeface="Cambria Math" panose="02040503050406030204" pitchFamily="18" charset="0"/>
+                            </a:rPr>
+                            <m:t>4</m:t>
+                          </m:r>
+                        </m:sub>
+                      </m:sSub>
+                      <m:r>
+                        <a:rPr lang="en-US" altLang="zh-CN" b="0" i="1" smtClean="0">
+                          <a:latin typeface="Cambria Math" panose="02040503050406030204" pitchFamily="18" charset="0"/>
+                        </a:rPr>
+                        <m:t> (100)</m:t>
+                      </m:r>
+                    </m:oMath>
+                  </m:oMathPara>
+                </a14:m>
+                <a:endParaRPr lang="zh-CN" altLang="en-US" dirty="0"/>
+              </a:p>
+            </p:txBody>
+          </p:sp>
+        </mc:Choice>
+        <mc:Fallback>
+          <p:sp>
+            <p:nvSpPr>
+              <p:cNvPr id="45" name="文本框 44">
+                <a:extLst>
+                  <a:ext uri="{FF2B5EF4-FFF2-40B4-BE49-F238E27FC236}">
+                    <a16:creationId xmlns:a16="http://schemas.microsoft.com/office/drawing/2014/main" id="{1ECDF7EC-16AF-125E-E9C2-8F0D897106CE}"/>
+                  </a:ext>
+                </a:extLst>
+              </p:cNvPr>
+              <p:cNvSpPr txBox="1">
+                <a:spLocks noRot="1" noChangeAspect="1" noMove="1" noResize="1" noEditPoints="1" noAdjustHandles="1" noChangeArrowheads="1" noChangeShapeType="1" noTextEdit="1"/>
+              </p:cNvSpPr>
+              <p:nvPr/>
+            </p:nvSpPr>
+            <p:spPr>
+              <a:xfrm>
+                <a:off x="7382570" y="3065321"/>
+                <a:ext cx="942822" cy="276999"/>
+              </a:xfrm>
+              <a:prstGeom prst="rect">
+                <a:avLst/>
+              </a:prstGeom>
+              <a:blipFill>
+                <a:blip r:embed="rId7"/>
+                <a:stretch>
+                  <a:fillRect l="-4516" t="-2222" r="-8387" b="-35556"/>
+                </a:stretch>
+              </a:blipFill>
+            </p:spPr>
+            <p:txBody>
+              <a:bodyPr/>
+              <a:lstStyle/>
+              <a:p>
+                <a:r>
+                  <a:rPr lang="zh-CN" altLang="en-US">
+                    <a:noFill/>
+                  </a:rPr>
+                  <a:t> </a:t>
+                </a:r>
+              </a:p>
+            </p:txBody>
+          </p:sp>
+        </mc:Fallback>
+      </mc:AlternateContent>
+      <mc:AlternateContent xmlns:mc="http://schemas.openxmlformats.org/markup-compatibility/2006">
+        <mc:Choice xmlns:a14="http://schemas.microsoft.com/office/drawing/2010/main" Requires="a14">
+          <p:sp>
+            <p:nvSpPr>
+              <p:cNvPr id="46" name="文本框 45">
+                <a:extLst>
+                  <a:ext uri="{FF2B5EF4-FFF2-40B4-BE49-F238E27FC236}">
+                    <a16:creationId xmlns:a16="http://schemas.microsoft.com/office/drawing/2014/main" id="{724FC893-A792-456C-6D6F-2F4936D4A8FF}"/>
+                  </a:ext>
+                </a:extLst>
+              </p:cNvPr>
+              <p:cNvSpPr txBox="1"/>
+              <p:nvPr/>
+            </p:nvSpPr>
+            <p:spPr>
+              <a:xfrm>
+                <a:off x="6243621" y="1860113"/>
+                <a:ext cx="942822" cy="276999"/>
+              </a:xfrm>
+              <a:prstGeom prst="rect">
+                <a:avLst/>
+              </a:prstGeom>
+              <a:noFill/>
+            </p:spPr>
+            <p:txBody>
+              <a:bodyPr wrap="none" lIns="0" tIns="0" rIns="0" bIns="0" rtlCol="0">
+                <a:spAutoFit/>
+              </a:bodyPr>
+              <a:lstStyle/>
+              <a:p>
+                <a14:m>
+                  <m:oMathPara xmlns:m="http://schemas.openxmlformats.org/officeDocument/2006/math">
+                    <m:oMathParaPr>
+                      <m:jc m:val="centerGroup"/>
+                    </m:oMathParaPr>
+                    <m:oMath xmlns:m="http://schemas.openxmlformats.org/officeDocument/2006/math">
+                      <m:sSub>
+                        <m:sSubPr>
+                          <m:ctrlPr>
+                            <a:rPr lang="en-US" altLang="zh-CN" b="0" i="1" smtClean="0">
+                              <a:latin typeface="Cambria Math" panose="02040503050406030204" pitchFamily="18" charset="0"/>
+                            </a:rPr>
+                          </m:ctrlPr>
+                        </m:sSubPr>
+                        <m:e>
+                          <m:r>
+                            <a:rPr lang="en-US" altLang="zh-CN" b="0" i="1" smtClean="0">
+                              <a:latin typeface="Cambria Math" panose="02040503050406030204" pitchFamily="18" charset="0"/>
+                            </a:rPr>
+                            <m:t>𝑈</m:t>
+                          </m:r>
+                        </m:e>
+                        <m:sub>
+                          <m:r>
+                            <a:rPr lang="en-US" altLang="zh-CN" b="0" i="1" smtClean="0">
+                              <a:latin typeface="Cambria Math" panose="02040503050406030204" pitchFamily="18" charset="0"/>
+                            </a:rPr>
+                            <m:t>6</m:t>
+                          </m:r>
+                        </m:sub>
+                      </m:sSub>
+                      <m:r>
+                        <a:rPr lang="en-US" altLang="zh-CN" b="0" i="1" smtClean="0">
+                          <a:latin typeface="Cambria Math" panose="02040503050406030204" pitchFamily="18" charset="0"/>
+                        </a:rPr>
+                        <m:t> (110)</m:t>
+                      </m:r>
+                    </m:oMath>
+                  </m:oMathPara>
+                </a14:m>
+                <a:endParaRPr lang="zh-CN" altLang="en-US" dirty="0"/>
+              </a:p>
+            </p:txBody>
+          </p:sp>
+        </mc:Choice>
+        <mc:Fallback>
+          <p:sp>
+            <p:nvSpPr>
+              <p:cNvPr id="46" name="文本框 45">
+                <a:extLst>
+                  <a:ext uri="{FF2B5EF4-FFF2-40B4-BE49-F238E27FC236}">
+                    <a16:creationId xmlns:a16="http://schemas.microsoft.com/office/drawing/2014/main" id="{724FC893-A792-456C-6D6F-2F4936D4A8FF}"/>
+                  </a:ext>
+                </a:extLst>
+              </p:cNvPr>
+              <p:cNvSpPr txBox="1">
+                <a:spLocks noRot="1" noChangeAspect="1" noMove="1" noResize="1" noEditPoints="1" noAdjustHandles="1" noChangeArrowheads="1" noChangeShapeType="1" noTextEdit="1"/>
+              </p:cNvSpPr>
+              <p:nvPr/>
+            </p:nvSpPr>
+            <p:spPr>
+              <a:xfrm>
+                <a:off x="6243621" y="1860113"/>
+                <a:ext cx="942822" cy="276999"/>
+              </a:xfrm>
+              <a:prstGeom prst="rect">
+                <a:avLst/>
+              </a:prstGeom>
+              <a:blipFill>
+                <a:blip r:embed="rId8"/>
+                <a:stretch>
+                  <a:fillRect l="-4516" t="-2174" r="-8387" b="-32609"/>
+                </a:stretch>
+              </a:blipFill>
+            </p:spPr>
+            <p:txBody>
+              <a:bodyPr/>
+              <a:lstStyle/>
+              <a:p>
+                <a:r>
+                  <a:rPr lang="zh-CN" altLang="en-US">
+                    <a:noFill/>
+                  </a:rPr>
+                  <a:t> </a:t>
+                </a:r>
+              </a:p>
+            </p:txBody>
+          </p:sp>
+        </mc:Fallback>
+      </mc:AlternateContent>
+      <mc:AlternateContent xmlns:mc="http://schemas.openxmlformats.org/markup-compatibility/2006">
+        <mc:Choice xmlns:a14="http://schemas.microsoft.com/office/drawing/2010/main" Requires="a14">
+          <p:sp>
+            <p:nvSpPr>
+              <p:cNvPr id="47" name="文本框 46">
+                <a:extLst>
+                  <a:ext uri="{FF2B5EF4-FFF2-40B4-BE49-F238E27FC236}">
+                    <a16:creationId xmlns:a16="http://schemas.microsoft.com/office/drawing/2014/main" id="{226D8FE0-B803-E769-A82C-5F06B4A94DD2}"/>
+                  </a:ext>
+                </a:extLst>
+              </p:cNvPr>
+              <p:cNvSpPr txBox="1"/>
+              <p:nvPr/>
+            </p:nvSpPr>
+            <p:spPr>
+              <a:xfrm>
+                <a:off x="4126484" y="1959226"/>
+                <a:ext cx="942822" cy="276999"/>
+              </a:xfrm>
+              <a:prstGeom prst="rect">
+                <a:avLst/>
+              </a:prstGeom>
+              <a:noFill/>
+            </p:spPr>
+            <p:txBody>
+              <a:bodyPr wrap="none" lIns="0" tIns="0" rIns="0" bIns="0" rtlCol="0">
+                <a:spAutoFit/>
+              </a:bodyPr>
+              <a:lstStyle/>
+              <a:p>
+                <a14:m>
+                  <m:oMathPara xmlns:m="http://schemas.openxmlformats.org/officeDocument/2006/math">
+                    <m:oMathParaPr>
+                      <m:jc m:val="centerGroup"/>
+                    </m:oMathParaPr>
+                    <m:oMath xmlns:m="http://schemas.openxmlformats.org/officeDocument/2006/math">
+                      <m:sSub>
+                        <m:sSubPr>
+                          <m:ctrlPr>
+                            <a:rPr lang="en-US" altLang="zh-CN" b="0" i="1" smtClean="0">
+                              <a:latin typeface="Cambria Math" panose="02040503050406030204" pitchFamily="18" charset="0"/>
+                            </a:rPr>
+                          </m:ctrlPr>
+                        </m:sSubPr>
+                        <m:e>
+                          <m:r>
+                            <a:rPr lang="en-US" altLang="zh-CN" b="0" i="1" smtClean="0">
+                              <a:latin typeface="Cambria Math" panose="02040503050406030204" pitchFamily="18" charset="0"/>
+                            </a:rPr>
+                            <m:t>𝑈</m:t>
+                          </m:r>
+                        </m:e>
+                        <m:sub>
+                          <m:r>
+                            <a:rPr lang="en-US" altLang="zh-CN" b="0" i="1" smtClean="0">
+                              <a:latin typeface="Cambria Math" panose="02040503050406030204" pitchFamily="18" charset="0"/>
+                            </a:rPr>
+                            <m:t>2</m:t>
+                          </m:r>
+                        </m:sub>
+                      </m:sSub>
+                      <m:r>
+                        <a:rPr lang="en-US" altLang="zh-CN" b="0" i="1" smtClean="0">
+                          <a:latin typeface="Cambria Math" panose="02040503050406030204" pitchFamily="18" charset="0"/>
+                        </a:rPr>
+                        <m:t> (010)</m:t>
+                      </m:r>
+                    </m:oMath>
+                  </m:oMathPara>
+                </a14:m>
+                <a:endParaRPr lang="zh-CN" altLang="en-US" dirty="0"/>
+              </a:p>
+            </p:txBody>
+          </p:sp>
+        </mc:Choice>
+        <mc:Fallback>
+          <p:sp>
+            <p:nvSpPr>
+              <p:cNvPr id="47" name="文本框 46">
+                <a:extLst>
+                  <a:ext uri="{FF2B5EF4-FFF2-40B4-BE49-F238E27FC236}">
+                    <a16:creationId xmlns:a16="http://schemas.microsoft.com/office/drawing/2014/main" id="{226D8FE0-B803-E769-A82C-5F06B4A94DD2}"/>
+                  </a:ext>
+                </a:extLst>
+              </p:cNvPr>
+              <p:cNvSpPr txBox="1">
+                <a:spLocks noRot="1" noChangeAspect="1" noMove="1" noResize="1" noEditPoints="1" noAdjustHandles="1" noChangeArrowheads="1" noChangeShapeType="1" noTextEdit="1"/>
+              </p:cNvSpPr>
+              <p:nvPr/>
+            </p:nvSpPr>
+            <p:spPr>
+              <a:xfrm>
+                <a:off x="4126484" y="1959226"/>
+                <a:ext cx="942822" cy="276999"/>
+              </a:xfrm>
+              <a:prstGeom prst="rect">
+                <a:avLst/>
+              </a:prstGeom>
+              <a:blipFill>
+                <a:blip r:embed="rId9"/>
+                <a:stretch>
+                  <a:fillRect l="-5161" t="-2174" r="-8387" b="-32609"/>
+                </a:stretch>
+              </a:blipFill>
+            </p:spPr>
+            <p:txBody>
+              <a:bodyPr/>
+              <a:lstStyle/>
+              <a:p>
+                <a:r>
+                  <a:rPr lang="zh-CN" altLang="en-US">
+                    <a:noFill/>
+                  </a:rPr>
+                  <a:t> </a:t>
+                </a:r>
+              </a:p>
+            </p:txBody>
+          </p:sp>
+        </mc:Fallback>
+      </mc:AlternateContent>
+      <mc:AlternateContent xmlns:mc="http://schemas.openxmlformats.org/markup-compatibility/2006">
+        <mc:Choice xmlns:a14="http://schemas.microsoft.com/office/drawing/2010/main" Requires="a14">
+          <p:sp>
+            <p:nvSpPr>
+              <p:cNvPr id="48" name="文本框 47">
+                <a:extLst>
+                  <a:ext uri="{FF2B5EF4-FFF2-40B4-BE49-F238E27FC236}">
+                    <a16:creationId xmlns:a16="http://schemas.microsoft.com/office/drawing/2014/main" id="{7ED7C078-CDA9-5CF3-8CD0-4855E768BA45}"/>
+                  </a:ext>
+                </a:extLst>
+              </p:cNvPr>
+              <p:cNvSpPr txBox="1"/>
+              <p:nvPr/>
+            </p:nvSpPr>
+            <p:spPr>
+              <a:xfrm>
+                <a:off x="3577424" y="3107737"/>
+                <a:ext cx="942822" cy="276999"/>
+              </a:xfrm>
+              <a:prstGeom prst="rect">
+                <a:avLst/>
+              </a:prstGeom>
+              <a:noFill/>
+            </p:spPr>
+            <p:txBody>
+              <a:bodyPr wrap="none" lIns="0" tIns="0" rIns="0" bIns="0" rtlCol="0">
+                <a:spAutoFit/>
+              </a:bodyPr>
+              <a:lstStyle/>
+              <a:p>
+                <a14:m>
+                  <m:oMathPara xmlns:m="http://schemas.openxmlformats.org/officeDocument/2006/math">
+                    <m:oMathParaPr>
+                      <m:jc m:val="centerGroup"/>
+                    </m:oMathParaPr>
+                    <m:oMath xmlns:m="http://schemas.openxmlformats.org/officeDocument/2006/math">
+                      <m:sSub>
+                        <m:sSubPr>
+                          <m:ctrlPr>
+                            <a:rPr lang="en-US" altLang="zh-CN" b="0" i="1" smtClean="0">
+                              <a:latin typeface="Cambria Math" panose="02040503050406030204" pitchFamily="18" charset="0"/>
+                            </a:rPr>
+                          </m:ctrlPr>
+                        </m:sSubPr>
+                        <m:e>
+                          <m:r>
+                            <a:rPr lang="en-US" altLang="zh-CN" b="0" i="1" smtClean="0">
+                              <a:latin typeface="Cambria Math" panose="02040503050406030204" pitchFamily="18" charset="0"/>
+                            </a:rPr>
+                            <m:t>𝑈</m:t>
+                          </m:r>
+                        </m:e>
+                        <m:sub>
+                          <m:r>
+                            <a:rPr lang="en-US" altLang="zh-CN" b="0" i="1" smtClean="0">
+                              <a:latin typeface="Cambria Math" panose="02040503050406030204" pitchFamily="18" charset="0"/>
+                            </a:rPr>
+                            <m:t>3</m:t>
+                          </m:r>
+                        </m:sub>
+                      </m:sSub>
+                      <m:r>
+                        <a:rPr lang="en-US" altLang="zh-CN" b="0" i="1" smtClean="0">
+                          <a:latin typeface="Cambria Math" panose="02040503050406030204" pitchFamily="18" charset="0"/>
+                        </a:rPr>
+                        <m:t> (011)</m:t>
+                      </m:r>
+                    </m:oMath>
+                  </m:oMathPara>
+                </a14:m>
+                <a:endParaRPr lang="zh-CN" altLang="en-US" dirty="0"/>
+              </a:p>
+            </p:txBody>
+          </p:sp>
+        </mc:Choice>
+        <mc:Fallback>
+          <p:sp>
+            <p:nvSpPr>
+              <p:cNvPr id="48" name="文本框 47">
+                <a:extLst>
+                  <a:ext uri="{FF2B5EF4-FFF2-40B4-BE49-F238E27FC236}">
+                    <a16:creationId xmlns:a16="http://schemas.microsoft.com/office/drawing/2014/main" id="{7ED7C078-CDA9-5CF3-8CD0-4855E768BA45}"/>
+                  </a:ext>
+                </a:extLst>
+              </p:cNvPr>
+              <p:cNvSpPr txBox="1">
+                <a:spLocks noRot="1" noChangeAspect="1" noMove="1" noResize="1" noEditPoints="1" noAdjustHandles="1" noChangeArrowheads="1" noChangeShapeType="1" noTextEdit="1"/>
+              </p:cNvSpPr>
+              <p:nvPr/>
+            </p:nvSpPr>
+            <p:spPr>
+              <a:xfrm>
+                <a:off x="3577424" y="3107737"/>
+                <a:ext cx="942822" cy="276999"/>
+              </a:xfrm>
+              <a:prstGeom prst="rect">
+                <a:avLst/>
+              </a:prstGeom>
+              <a:blipFill>
+                <a:blip r:embed="rId10"/>
+                <a:stretch>
+                  <a:fillRect l="-5161" t="-2222" r="-8387" b="-35556"/>
+                </a:stretch>
+              </a:blipFill>
+            </p:spPr>
+            <p:txBody>
+              <a:bodyPr/>
+              <a:lstStyle/>
+              <a:p>
+                <a:r>
+                  <a:rPr lang="zh-CN" altLang="en-US">
+                    <a:noFill/>
+                  </a:rPr>
+                  <a:t> </a:t>
+                </a:r>
+              </a:p>
+            </p:txBody>
+          </p:sp>
+        </mc:Fallback>
+      </mc:AlternateContent>
+      <mc:AlternateContent xmlns:mc="http://schemas.openxmlformats.org/markup-compatibility/2006">
+        <mc:Choice xmlns:a14="http://schemas.microsoft.com/office/drawing/2010/main" Requires="a14">
+          <p:sp>
+            <p:nvSpPr>
+              <p:cNvPr id="49" name="文本框 48">
+                <a:extLst>
+                  <a:ext uri="{FF2B5EF4-FFF2-40B4-BE49-F238E27FC236}">
+                    <a16:creationId xmlns:a16="http://schemas.microsoft.com/office/drawing/2014/main" id="{0657B0AC-159C-0C15-8C33-A3F306D9796E}"/>
+                  </a:ext>
+                </a:extLst>
+              </p:cNvPr>
+              <p:cNvSpPr txBox="1"/>
+              <p:nvPr/>
+            </p:nvSpPr>
+            <p:spPr>
+              <a:xfrm>
+                <a:off x="4450578" y="4612554"/>
+                <a:ext cx="937501" cy="276999"/>
+              </a:xfrm>
+              <a:prstGeom prst="rect">
+                <a:avLst/>
+              </a:prstGeom>
+              <a:noFill/>
+            </p:spPr>
+            <p:txBody>
+              <a:bodyPr wrap="none" lIns="0" tIns="0" rIns="0" bIns="0" rtlCol="0">
+                <a:spAutoFit/>
+              </a:bodyPr>
+              <a:lstStyle/>
+              <a:p>
+                <a14:m>
+                  <m:oMathPara xmlns:m="http://schemas.openxmlformats.org/officeDocument/2006/math">
+                    <m:oMathParaPr>
+                      <m:jc m:val="centerGroup"/>
+                    </m:oMathParaPr>
+                    <m:oMath xmlns:m="http://schemas.openxmlformats.org/officeDocument/2006/math">
+                      <m:sSub>
+                        <m:sSubPr>
+                          <m:ctrlPr>
+                            <a:rPr lang="en-US" altLang="zh-CN" b="0" i="1" smtClean="0">
+                              <a:latin typeface="Cambria Math" panose="02040503050406030204" pitchFamily="18" charset="0"/>
+                            </a:rPr>
+                          </m:ctrlPr>
+                        </m:sSubPr>
+                        <m:e>
+                          <m:r>
+                            <a:rPr lang="en-US" altLang="zh-CN" b="0" i="1" smtClean="0">
+                              <a:latin typeface="Cambria Math" panose="02040503050406030204" pitchFamily="18" charset="0"/>
+                            </a:rPr>
+                            <m:t>𝑈</m:t>
+                          </m:r>
+                        </m:e>
+                        <m:sub>
+                          <m:r>
+                            <a:rPr lang="en-US" altLang="zh-CN" b="0" i="1" smtClean="0">
+                              <a:latin typeface="Cambria Math" panose="02040503050406030204" pitchFamily="18" charset="0"/>
+                            </a:rPr>
+                            <m:t>1</m:t>
+                          </m:r>
+                        </m:sub>
+                      </m:sSub>
+                      <m:r>
+                        <a:rPr lang="en-US" altLang="zh-CN" b="0" i="1" smtClean="0">
+                          <a:latin typeface="Cambria Math" panose="02040503050406030204" pitchFamily="18" charset="0"/>
+                        </a:rPr>
+                        <m:t> (001)</m:t>
+                      </m:r>
+                    </m:oMath>
+                  </m:oMathPara>
+                </a14:m>
+                <a:endParaRPr lang="zh-CN" altLang="en-US" dirty="0"/>
+              </a:p>
+            </p:txBody>
+          </p:sp>
+        </mc:Choice>
+        <mc:Fallback>
+          <p:sp>
+            <p:nvSpPr>
+              <p:cNvPr id="49" name="文本框 48">
+                <a:extLst>
+                  <a:ext uri="{FF2B5EF4-FFF2-40B4-BE49-F238E27FC236}">
+                    <a16:creationId xmlns:a16="http://schemas.microsoft.com/office/drawing/2014/main" id="{0657B0AC-159C-0C15-8C33-A3F306D9796E}"/>
+                  </a:ext>
+                </a:extLst>
+              </p:cNvPr>
+              <p:cNvSpPr txBox="1">
+                <a:spLocks noRot="1" noChangeAspect="1" noMove="1" noResize="1" noEditPoints="1" noAdjustHandles="1" noChangeArrowheads="1" noChangeShapeType="1" noTextEdit="1"/>
+              </p:cNvSpPr>
+              <p:nvPr/>
+            </p:nvSpPr>
+            <p:spPr>
+              <a:xfrm>
+                <a:off x="4450578" y="4612554"/>
+                <a:ext cx="937501" cy="276999"/>
+              </a:xfrm>
+              <a:prstGeom prst="rect">
+                <a:avLst/>
+              </a:prstGeom>
+              <a:blipFill>
+                <a:blip r:embed="rId11"/>
+                <a:stretch>
+                  <a:fillRect l="-4545" t="-4444" r="-8442" b="-35556"/>
+                </a:stretch>
+              </a:blipFill>
+            </p:spPr>
+            <p:txBody>
+              <a:bodyPr/>
+              <a:lstStyle/>
+              <a:p>
+                <a:r>
+                  <a:rPr lang="zh-CN" altLang="en-US">
+                    <a:noFill/>
+                  </a:rPr>
+                  <a:t> </a:t>
+                </a:r>
+              </a:p>
+            </p:txBody>
+          </p:sp>
+        </mc:Fallback>
+      </mc:AlternateContent>
+      <mc:AlternateContent xmlns:mc="http://schemas.openxmlformats.org/markup-compatibility/2006">
+        <mc:Choice xmlns:a14="http://schemas.microsoft.com/office/drawing/2010/main" Requires="a14">
+          <p:sp>
+            <p:nvSpPr>
+              <p:cNvPr id="50" name="文本框 49">
+                <a:extLst>
+                  <a:ext uri="{FF2B5EF4-FFF2-40B4-BE49-F238E27FC236}">
+                    <a16:creationId xmlns:a16="http://schemas.microsoft.com/office/drawing/2014/main" id="{25310B7C-DB73-A9B9-A148-9DE810344247}"/>
+                  </a:ext>
+                </a:extLst>
+              </p:cNvPr>
+              <p:cNvSpPr txBox="1"/>
+              <p:nvPr/>
+            </p:nvSpPr>
+            <p:spPr>
+              <a:xfrm>
+                <a:off x="6224846" y="4613694"/>
+                <a:ext cx="942822" cy="276999"/>
+              </a:xfrm>
+              <a:prstGeom prst="rect">
+                <a:avLst/>
+              </a:prstGeom>
+              <a:noFill/>
+            </p:spPr>
+            <p:txBody>
+              <a:bodyPr wrap="none" lIns="0" tIns="0" rIns="0" bIns="0" rtlCol="0">
+                <a:spAutoFit/>
+              </a:bodyPr>
+              <a:lstStyle/>
+              <a:p>
+                <a14:m>
+                  <m:oMathPara xmlns:m="http://schemas.openxmlformats.org/officeDocument/2006/math">
+                    <m:oMathParaPr>
+                      <m:jc m:val="centerGroup"/>
+                    </m:oMathParaPr>
+                    <m:oMath xmlns:m="http://schemas.openxmlformats.org/officeDocument/2006/math">
+                      <m:sSub>
+                        <m:sSubPr>
+                          <m:ctrlPr>
+                            <a:rPr lang="en-US" altLang="zh-CN" b="0" i="1" smtClean="0">
+                              <a:latin typeface="Cambria Math" panose="02040503050406030204" pitchFamily="18" charset="0"/>
+                            </a:rPr>
+                          </m:ctrlPr>
+                        </m:sSubPr>
+                        <m:e>
+                          <m:r>
+                            <a:rPr lang="en-US" altLang="zh-CN" b="0" i="1" smtClean="0">
+                              <a:latin typeface="Cambria Math" panose="02040503050406030204" pitchFamily="18" charset="0"/>
+                            </a:rPr>
+                            <m:t>𝑈</m:t>
+                          </m:r>
+                        </m:e>
+                        <m:sub>
+                          <m:r>
+                            <a:rPr lang="en-US" altLang="zh-CN" b="0" i="1" smtClean="0">
+                              <a:latin typeface="Cambria Math" panose="02040503050406030204" pitchFamily="18" charset="0"/>
+                            </a:rPr>
+                            <m:t>5</m:t>
+                          </m:r>
+                        </m:sub>
+                      </m:sSub>
+                      <m:r>
+                        <a:rPr lang="en-US" altLang="zh-CN" b="0" i="1" smtClean="0">
+                          <a:latin typeface="Cambria Math" panose="02040503050406030204" pitchFamily="18" charset="0"/>
+                        </a:rPr>
+                        <m:t> (101)</m:t>
+                      </m:r>
+                    </m:oMath>
+                  </m:oMathPara>
+                </a14:m>
+                <a:endParaRPr lang="zh-CN" altLang="en-US" dirty="0"/>
+              </a:p>
+            </p:txBody>
+          </p:sp>
+        </mc:Choice>
+        <mc:Fallback>
+          <p:sp>
+            <p:nvSpPr>
+              <p:cNvPr id="50" name="文本框 49">
+                <a:extLst>
+                  <a:ext uri="{FF2B5EF4-FFF2-40B4-BE49-F238E27FC236}">
+                    <a16:creationId xmlns:a16="http://schemas.microsoft.com/office/drawing/2014/main" id="{25310B7C-DB73-A9B9-A148-9DE810344247}"/>
+                  </a:ext>
+                </a:extLst>
+              </p:cNvPr>
+              <p:cNvSpPr txBox="1">
+                <a:spLocks noRot="1" noChangeAspect="1" noMove="1" noResize="1" noEditPoints="1" noAdjustHandles="1" noChangeArrowheads="1" noChangeShapeType="1" noTextEdit="1"/>
+              </p:cNvSpPr>
+              <p:nvPr/>
+            </p:nvSpPr>
+            <p:spPr>
+              <a:xfrm>
+                <a:off x="6224846" y="4613694"/>
+                <a:ext cx="942822" cy="276999"/>
+              </a:xfrm>
+              <a:prstGeom prst="rect">
+                <a:avLst/>
+              </a:prstGeom>
+              <a:blipFill>
+                <a:blip r:embed="rId12"/>
+                <a:stretch>
+                  <a:fillRect l="-4516" t="-2222" r="-8387" b="-35556"/>
+                </a:stretch>
+              </a:blipFill>
+            </p:spPr>
+            <p:txBody>
+              <a:bodyPr/>
+              <a:lstStyle/>
+              <a:p>
+                <a:r>
+                  <a:rPr lang="zh-CN" altLang="en-US">
+                    <a:noFill/>
+                  </a:rPr>
+                  <a:t> </a:t>
+                </a:r>
+              </a:p>
+            </p:txBody>
+          </p:sp>
+        </mc:Fallback>
+      </mc:AlternateContent>
+      <mc:AlternateContent xmlns:mc="http://schemas.openxmlformats.org/markup-compatibility/2006">
+        <mc:Choice xmlns:a14="http://schemas.microsoft.com/office/drawing/2010/main" Requires="a14">
+          <p:sp>
+            <p:nvSpPr>
+              <p:cNvPr id="51" name="文本框 50">
+                <a:extLst>
+                  <a:ext uri="{FF2B5EF4-FFF2-40B4-BE49-F238E27FC236}">
+                    <a16:creationId xmlns:a16="http://schemas.microsoft.com/office/drawing/2014/main" id="{497542F6-DA1A-E16E-E46C-56C3BE115741}"/>
+                  </a:ext>
+                </a:extLst>
+              </p:cNvPr>
+              <p:cNvSpPr txBox="1"/>
+              <p:nvPr/>
+            </p:nvSpPr>
+            <p:spPr>
+              <a:xfrm>
+                <a:off x="4986279" y="3203821"/>
+                <a:ext cx="627031" cy="184666"/>
+              </a:xfrm>
+              <a:prstGeom prst="rect">
+                <a:avLst/>
+              </a:prstGeom>
+              <a:noFill/>
+            </p:spPr>
+            <p:txBody>
+              <a:bodyPr wrap="none" lIns="0" tIns="0" rIns="0" bIns="0" rtlCol="0">
+                <a:spAutoFit/>
+              </a:bodyPr>
+              <a:lstStyle/>
+              <a:p>
+                <a14:m>
+                  <m:oMathPara xmlns:m="http://schemas.openxmlformats.org/officeDocument/2006/math">
+                    <m:oMathParaPr>
+                      <m:jc m:val="centerGroup"/>
+                    </m:oMathParaPr>
+                    <m:oMath xmlns:m="http://schemas.openxmlformats.org/officeDocument/2006/math">
+                      <m:sSub>
+                        <m:sSubPr>
+                          <m:ctrlPr>
+                            <a:rPr lang="en-US" altLang="zh-CN" sz="1200" b="0" i="1" smtClean="0">
+                              <a:latin typeface="Cambria Math" panose="02040503050406030204" pitchFamily="18" charset="0"/>
+                            </a:rPr>
+                          </m:ctrlPr>
+                        </m:sSubPr>
+                        <m:e>
+                          <m:r>
+                            <a:rPr lang="en-US" altLang="zh-CN" sz="1200" b="0" i="1" smtClean="0">
+                              <a:latin typeface="Cambria Math" panose="02040503050406030204" pitchFamily="18" charset="0"/>
+                            </a:rPr>
+                            <m:t>𝑈</m:t>
+                          </m:r>
+                        </m:e>
+                        <m:sub>
+                          <m:r>
+                            <a:rPr lang="en-US" altLang="zh-CN" sz="1200" b="0" i="1" smtClean="0">
+                              <a:latin typeface="Cambria Math" panose="02040503050406030204" pitchFamily="18" charset="0"/>
+                            </a:rPr>
+                            <m:t>0</m:t>
+                          </m:r>
+                        </m:sub>
+                      </m:sSub>
+                      <m:r>
+                        <a:rPr lang="en-US" altLang="zh-CN" sz="1200" b="0" i="1" smtClean="0">
+                          <a:latin typeface="Cambria Math" panose="02040503050406030204" pitchFamily="18" charset="0"/>
+                        </a:rPr>
+                        <m:t> (000)</m:t>
+                      </m:r>
+                    </m:oMath>
+                  </m:oMathPara>
+                </a14:m>
+                <a:endParaRPr lang="zh-CN" altLang="en-US" dirty="0"/>
+              </a:p>
+            </p:txBody>
+          </p:sp>
+        </mc:Choice>
+        <mc:Fallback>
+          <p:sp>
+            <p:nvSpPr>
+              <p:cNvPr id="51" name="文本框 50">
+                <a:extLst>
+                  <a:ext uri="{FF2B5EF4-FFF2-40B4-BE49-F238E27FC236}">
+                    <a16:creationId xmlns:a16="http://schemas.microsoft.com/office/drawing/2014/main" id="{497542F6-DA1A-E16E-E46C-56C3BE115741}"/>
+                  </a:ext>
+                </a:extLst>
+              </p:cNvPr>
+              <p:cNvSpPr txBox="1">
+                <a:spLocks noRot="1" noChangeAspect="1" noMove="1" noResize="1" noEditPoints="1" noAdjustHandles="1" noChangeArrowheads="1" noChangeShapeType="1" noTextEdit="1"/>
+              </p:cNvSpPr>
+              <p:nvPr/>
+            </p:nvSpPr>
+            <p:spPr>
+              <a:xfrm>
+                <a:off x="4986279" y="3203821"/>
+                <a:ext cx="627031" cy="184666"/>
+              </a:xfrm>
+              <a:prstGeom prst="rect">
+                <a:avLst/>
+              </a:prstGeom>
+              <a:blipFill>
+                <a:blip r:embed="rId13"/>
+                <a:stretch>
+                  <a:fillRect l="-4854" t="-6667" r="-7767" b="-36667"/>
+                </a:stretch>
+              </a:blipFill>
+            </p:spPr>
+            <p:txBody>
+              <a:bodyPr/>
+              <a:lstStyle/>
+              <a:p>
+                <a:r>
+                  <a:rPr lang="zh-CN" altLang="en-US">
+                    <a:noFill/>
+                  </a:rPr>
+                  <a:t> </a:t>
+                </a:r>
+              </a:p>
+            </p:txBody>
+          </p:sp>
+        </mc:Fallback>
+      </mc:AlternateContent>
+      <mc:AlternateContent xmlns:mc="http://schemas.openxmlformats.org/markup-compatibility/2006">
+        <mc:Choice xmlns:a14="http://schemas.microsoft.com/office/drawing/2010/main" Requires="a14">
+          <p:sp>
+            <p:nvSpPr>
+              <p:cNvPr id="52" name="文本框 51">
+                <a:extLst>
+                  <a:ext uri="{FF2B5EF4-FFF2-40B4-BE49-F238E27FC236}">
+                    <a16:creationId xmlns:a16="http://schemas.microsoft.com/office/drawing/2014/main" id="{9A01F317-BCDE-483C-73CF-385EBA88BB41}"/>
+                  </a:ext>
+                </a:extLst>
+              </p:cNvPr>
+              <p:cNvSpPr txBox="1"/>
+              <p:nvPr/>
+            </p:nvSpPr>
+            <p:spPr>
+              <a:xfrm>
+                <a:off x="4985823" y="3488346"/>
+                <a:ext cx="627031" cy="184666"/>
+              </a:xfrm>
+              <a:prstGeom prst="rect">
+                <a:avLst/>
+              </a:prstGeom>
+              <a:noFill/>
+            </p:spPr>
+            <p:txBody>
+              <a:bodyPr wrap="none" lIns="0" tIns="0" rIns="0" bIns="0" rtlCol="0">
+                <a:spAutoFit/>
+              </a:bodyPr>
+              <a:lstStyle/>
+              <a:p>
+                <a14:m>
+                  <m:oMathPara xmlns:m="http://schemas.openxmlformats.org/officeDocument/2006/math">
+                    <m:oMathParaPr>
+                      <m:jc m:val="centerGroup"/>
+                    </m:oMathParaPr>
+                    <m:oMath xmlns:m="http://schemas.openxmlformats.org/officeDocument/2006/math">
+                      <m:sSub>
+                        <m:sSubPr>
+                          <m:ctrlPr>
+                            <a:rPr lang="en-US" altLang="zh-CN" sz="1200" b="0" i="1" smtClean="0">
+                              <a:latin typeface="Cambria Math" panose="02040503050406030204" pitchFamily="18" charset="0"/>
+                            </a:rPr>
+                          </m:ctrlPr>
+                        </m:sSubPr>
+                        <m:e>
+                          <m:r>
+                            <a:rPr lang="en-US" altLang="zh-CN" sz="1200" b="0" i="1" smtClean="0">
+                              <a:latin typeface="Cambria Math" panose="02040503050406030204" pitchFamily="18" charset="0"/>
+                            </a:rPr>
+                            <m:t>𝑈</m:t>
+                          </m:r>
+                        </m:e>
+                        <m:sub>
+                          <m:r>
+                            <a:rPr lang="en-US" altLang="zh-CN" sz="1200" b="0" i="1" smtClean="0">
+                              <a:latin typeface="Cambria Math" panose="02040503050406030204" pitchFamily="18" charset="0"/>
+                            </a:rPr>
+                            <m:t>7</m:t>
+                          </m:r>
+                        </m:sub>
+                      </m:sSub>
+                      <m:r>
+                        <a:rPr lang="en-US" altLang="zh-CN" sz="1200" b="0" i="1" smtClean="0">
+                          <a:latin typeface="Cambria Math" panose="02040503050406030204" pitchFamily="18" charset="0"/>
+                        </a:rPr>
+                        <m:t> (111)</m:t>
+                      </m:r>
+                    </m:oMath>
+                  </m:oMathPara>
+                </a14:m>
+                <a:endParaRPr lang="zh-CN" altLang="en-US" dirty="0"/>
+              </a:p>
+            </p:txBody>
+          </p:sp>
+        </mc:Choice>
+        <mc:Fallback>
+          <p:sp>
+            <p:nvSpPr>
+              <p:cNvPr id="52" name="文本框 51">
+                <a:extLst>
+                  <a:ext uri="{FF2B5EF4-FFF2-40B4-BE49-F238E27FC236}">
+                    <a16:creationId xmlns:a16="http://schemas.microsoft.com/office/drawing/2014/main" id="{9A01F317-BCDE-483C-73CF-385EBA88BB41}"/>
+                  </a:ext>
+                </a:extLst>
+              </p:cNvPr>
+              <p:cNvSpPr txBox="1">
+                <a:spLocks noRot="1" noChangeAspect="1" noMove="1" noResize="1" noEditPoints="1" noAdjustHandles="1" noChangeArrowheads="1" noChangeShapeType="1" noTextEdit="1"/>
+              </p:cNvSpPr>
+              <p:nvPr/>
+            </p:nvSpPr>
+            <p:spPr>
+              <a:xfrm>
+                <a:off x="4985823" y="3488346"/>
+                <a:ext cx="627031" cy="184666"/>
+              </a:xfrm>
+              <a:prstGeom prst="rect">
+                <a:avLst/>
+              </a:prstGeom>
+              <a:blipFill>
+                <a:blip r:embed="rId14"/>
+                <a:stretch>
+                  <a:fillRect l="-4854" t="-3226" r="-7767" b="-35484"/>
+                </a:stretch>
+              </a:blipFill>
+            </p:spPr>
+            <p:txBody>
+              <a:bodyPr/>
+              <a:lstStyle/>
+              <a:p>
+                <a:r>
+                  <a:rPr lang="zh-CN" altLang="en-US">
+                    <a:noFill/>
+                  </a:rPr>
+                  <a:t> </a:t>
+                </a:r>
+              </a:p>
+            </p:txBody>
+          </p:sp>
+        </mc:Fallback>
+      </mc:AlternateContent>
+      <p:sp>
+        <p:nvSpPr>
+          <p:cNvPr id="53" name="文本框 52">
+            <a:extLst>
+              <a:ext uri="{FF2B5EF4-FFF2-40B4-BE49-F238E27FC236}">
+                <a16:creationId xmlns:a16="http://schemas.microsoft.com/office/drawing/2014/main" id="{3872A83C-B19A-8A8D-26AE-59E01D0D9EE0}"/>
+              </a:ext>
+            </a:extLst>
+          </p:cNvPr>
+          <p:cNvSpPr txBox="1"/>
+          <p:nvPr/>
+        </p:nvSpPr>
+        <p:spPr>
+          <a:xfrm>
+            <a:off x="6703251" y="2604182"/>
+            <a:ext cx="264816" cy="338554"/>
+          </a:xfrm>
+          <a:prstGeom prst="rect">
+            <a:avLst/>
+          </a:prstGeom>
+          <a:noFill/>
+        </p:spPr>
+        <p:txBody>
+          <a:bodyPr wrap="none" rtlCol="0">
+            <a:spAutoFit/>
+          </a:bodyPr>
+          <a:lstStyle/>
+          <a:p>
+            <a:r>
+              <a:rPr lang="en-US" altLang="zh-CN" sz="1600" b="1" dirty="0">
+                <a:solidFill>
+                  <a:schemeClr val="accent1"/>
+                </a:solidFill>
+                <a:latin typeface="Times New Roman" panose="02020603050405020304" pitchFamily="18" charset="0"/>
+                <a:cs typeface="Times New Roman" panose="02020603050405020304" pitchFamily="18" charset="0"/>
+              </a:rPr>
+              <a:t>I</a:t>
+            </a:r>
+            <a:endParaRPr lang="zh-CN" altLang="en-US" sz="1600" b="1" dirty="0">
+              <a:solidFill>
+                <a:schemeClr val="accent1"/>
+              </a:solidFill>
+              <a:latin typeface="Times New Roman" panose="02020603050405020304" pitchFamily="18" charset="0"/>
+              <a:cs typeface="Times New Roman" panose="02020603050405020304" pitchFamily="18" charset="0"/>
+            </a:endParaRPr>
+          </a:p>
+        </p:txBody>
+      </p:sp>
+      <p:sp>
+        <p:nvSpPr>
+          <p:cNvPr id="54" name="文本框 53">
+            <a:extLst>
+              <a:ext uri="{FF2B5EF4-FFF2-40B4-BE49-F238E27FC236}">
+                <a16:creationId xmlns:a16="http://schemas.microsoft.com/office/drawing/2014/main" id="{202A09E6-8AA9-B34F-9F21-35868A077A5F}"/>
+              </a:ext>
+            </a:extLst>
+          </p:cNvPr>
+          <p:cNvSpPr txBox="1"/>
+          <p:nvPr/>
+        </p:nvSpPr>
+        <p:spPr>
+          <a:xfrm>
+            <a:off x="5807741" y="1906509"/>
+            <a:ext cx="344966" cy="338554"/>
+          </a:xfrm>
+          <a:prstGeom prst="rect">
+            <a:avLst/>
+          </a:prstGeom>
+          <a:noFill/>
+        </p:spPr>
+        <p:txBody>
+          <a:bodyPr wrap="none" rtlCol="0">
+            <a:spAutoFit/>
+          </a:bodyPr>
+          <a:lstStyle/>
+          <a:p>
+            <a:r>
+              <a:rPr lang="en-US" altLang="zh-CN" sz="1600" b="1" dirty="0">
+                <a:solidFill>
+                  <a:schemeClr val="accent1"/>
+                </a:solidFill>
+                <a:latin typeface="Times New Roman" panose="02020603050405020304" pitchFamily="18" charset="0"/>
+                <a:cs typeface="Times New Roman" panose="02020603050405020304" pitchFamily="18" charset="0"/>
+              </a:rPr>
+              <a:t>II</a:t>
+            </a:r>
+            <a:endParaRPr lang="zh-CN" altLang="en-US" sz="1600" b="1" dirty="0">
+              <a:solidFill>
+                <a:schemeClr val="accent1"/>
+              </a:solidFill>
+              <a:latin typeface="Times New Roman" panose="02020603050405020304" pitchFamily="18" charset="0"/>
+              <a:cs typeface="Times New Roman" panose="02020603050405020304" pitchFamily="18" charset="0"/>
+            </a:endParaRPr>
+          </a:p>
+        </p:txBody>
+      </p:sp>
+      <p:sp>
+        <p:nvSpPr>
+          <p:cNvPr id="55" name="文本框 54">
+            <a:extLst>
+              <a:ext uri="{FF2B5EF4-FFF2-40B4-BE49-F238E27FC236}">
+                <a16:creationId xmlns:a16="http://schemas.microsoft.com/office/drawing/2014/main" id="{2B84FF0A-1D45-A3DA-5938-0B2494B8F13F}"/>
+              </a:ext>
+            </a:extLst>
+          </p:cNvPr>
+          <p:cNvSpPr txBox="1"/>
+          <p:nvPr/>
+        </p:nvSpPr>
+        <p:spPr>
+          <a:xfrm>
+            <a:off x="4404210" y="2577774"/>
+            <a:ext cx="425116" cy="338554"/>
+          </a:xfrm>
+          <a:prstGeom prst="rect">
+            <a:avLst/>
+          </a:prstGeom>
+          <a:noFill/>
+        </p:spPr>
+        <p:txBody>
+          <a:bodyPr wrap="none" rtlCol="0">
+            <a:spAutoFit/>
+          </a:bodyPr>
+          <a:lstStyle/>
+          <a:p>
+            <a:r>
+              <a:rPr lang="en-US" altLang="zh-CN" sz="1600" b="1" dirty="0">
+                <a:solidFill>
+                  <a:schemeClr val="accent1"/>
+                </a:solidFill>
+                <a:latin typeface="Times New Roman" panose="02020603050405020304" pitchFamily="18" charset="0"/>
+                <a:cs typeface="Times New Roman" panose="02020603050405020304" pitchFamily="18" charset="0"/>
+              </a:rPr>
+              <a:t>III</a:t>
+            </a:r>
+            <a:endParaRPr lang="zh-CN" altLang="en-US" sz="1600" b="1" dirty="0">
+              <a:solidFill>
+                <a:schemeClr val="accent1"/>
+              </a:solidFill>
+              <a:latin typeface="Times New Roman" panose="02020603050405020304" pitchFamily="18" charset="0"/>
+              <a:cs typeface="Times New Roman" panose="02020603050405020304" pitchFamily="18" charset="0"/>
+            </a:endParaRPr>
+          </a:p>
+        </p:txBody>
+      </p:sp>
+      <p:sp>
+        <p:nvSpPr>
+          <p:cNvPr id="56" name="文本框 55">
+            <a:extLst>
+              <a:ext uri="{FF2B5EF4-FFF2-40B4-BE49-F238E27FC236}">
+                <a16:creationId xmlns:a16="http://schemas.microsoft.com/office/drawing/2014/main" id="{FA2C1F75-2F9A-08D7-BC06-86D86E8A13B4}"/>
+              </a:ext>
+            </a:extLst>
+          </p:cNvPr>
+          <p:cNvSpPr txBox="1"/>
+          <p:nvPr/>
+        </p:nvSpPr>
+        <p:spPr>
+          <a:xfrm>
+            <a:off x="4430761" y="3863421"/>
+            <a:ext cx="412292" cy="338554"/>
+          </a:xfrm>
+          <a:prstGeom prst="rect">
+            <a:avLst/>
+          </a:prstGeom>
+          <a:noFill/>
+        </p:spPr>
+        <p:txBody>
+          <a:bodyPr wrap="none" rtlCol="0">
+            <a:spAutoFit/>
+          </a:bodyPr>
+          <a:lstStyle/>
+          <a:p>
+            <a:r>
+              <a:rPr lang="en-US" altLang="zh-CN" sz="1600" b="1" dirty="0">
+                <a:solidFill>
+                  <a:schemeClr val="accent1"/>
+                </a:solidFill>
+                <a:latin typeface="Times New Roman" panose="02020603050405020304" pitchFamily="18" charset="0"/>
+                <a:cs typeface="Times New Roman" panose="02020603050405020304" pitchFamily="18" charset="0"/>
+              </a:rPr>
+              <a:t>IV</a:t>
+            </a:r>
+            <a:endParaRPr lang="zh-CN" altLang="en-US" sz="1600" b="1" dirty="0">
+              <a:solidFill>
+                <a:schemeClr val="accent1"/>
+              </a:solidFill>
+              <a:latin typeface="Times New Roman" panose="02020603050405020304" pitchFamily="18" charset="0"/>
+              <a:cs typeface="Times New Roman" panose="02020603050405020304" pitchFamily="18" charset="0"/>
+            </a:endParaRPr>
+          </a:p>
+        </p:txBody>
+      </p:sp>
+      <p:sp>
+        <p:nvSpPr>
+          <p:cNvPr id="57" name="文本框 56">
+            <a:extLst>
+              <a:ext uri="{FF2B5EF4-FFF2-40B4-BE49-F238E27FC236}">
+                <a16:creationId xmlns:a16="http://schemas.microsoft.com/office/drawing/2014/main" id="{0F5D1289-3F12-8BE6-93ED-5D29606A8815}"/>
+              </a:ext>
+            </a:extLst>
+          </p:cNvPr>
+          <p:cNvSpPr txBox="1"/>
+          <p:nvPr/>
+        </p:nvSpPr>
+        <p:spPr>
+          <a:xfrm>
+            <a:off x="5748577" y="4596139"/>
+            <a:ext cx="332142" cy="338554"/>
+          </a:xfrm>
+          <a:prstGeom prst="rect">
+            <a:avLst/>
+          </a:prstGeom>
+          <a:noFill/>
+        </p:spPr>
+        <p:txBody>
+          <a:bodyPr wrap="none" rtlCol="0">
+            <a:spAutoFit/>
+          </a:bodyPr>
+          <a:lstStyle/>
+          <a:p>
+            <a:r>
+              <a:rPr lang="en-US" altLang="zh-CN" sz="1600" b="1" dirty="0">
+                <a:solidFill>
+                  <a:schemeClr val="accent1"/>
+                </a:solidFill>
+                <a:latin typeface="Times New Roman" panose="02020603050405020304" pitchFamily="18" charset="0"/>
+                <a:cs typeface="Times New Roman" panose="02020603050405020304" pitchFamily="18" charset="0"/>
+              </a:rPr>
+              <a:t>V</a:t>
+            </a:r>
+            <a:endParaRPr lang="zh-CN" altLang="en-US" sz="1600" b="1" dirty="0">
+              <a:solidFill>
+                <a:schemeClr val="accent1"/>
+              </a:solidFill>
+              <a:latin typeface="Times New Roman" panose="02020603050405020304" pitchFamily="18" charset="0"/>
+              <a:cs typeface="Times New Roman" panose="02020603050405020304" pitchFamily="18" charset="0"/>
+            </a:endParaRPr>
+          </a:p>
+        </p:txBody>
+      </p:sp>
+      <p:sp>
+        <p:nvSpPr>
+          <p:cNvPr id="58" name="文本框 57">
+            <a:extLst>
+              <a:ext uri="{FF2B5EF4-FFF2-40B4-BE49-F238E27FC236}">
+                <a16:creationId xmlns:a16="http://schemas.microsoft.com/office/drawing/2014/main" id="{05BA6155-621B-108B-7BB2-61F416859139}"/>
+              </a:ext>
+            </a:extLst>
+          </p:cNvPr>
+          <p:cNvSpPr txBox="1"/>
+          <p:nvPr/>
+        </p:nvSpPr>
+        <p:spPr>
+          <a:xfrm>
+            <a:off x="6671302" y="3948415"/>
+            <a:ext cx="412292" cy="338554"/>
+          </a:xfrm>
+          <a:prstGeom prst="rect">
+            <a:avLst/>
+          </a:prstGeom>
+          <a:noFill/>
+        </p:spPr>
+        <p:txBody>
+          <a:bodyPr wrap="none" rtlCol="0">
+            <a:spAutoFit/>
+          </a:bodyPr>
+          <a:lstStyle/>
+          <a:p>
+            <a:r>
+              <a:rPr lang="en-US" altLang="zh-CN" sz="1600" b="1" dirty="0">
+                <a:solidFill>
+                  <a:schemeClr val="accent1"/>
+                </a:solidFill>
+                <a:latin typeface="Times New Roman" panose="02020603050405020304" pitchFamily="18" charset="0"/>
+                <a:cs typeface="Times New Roman" panose="02020603050405020304" pitchFamily="18" charset="0"/>
+              </a:rPr>
+              <a:t>VI</a:t>
+            </a:r>
+            <a:endParaRPr lang="zh-CN" altLang="en-US" sz="1600" b="1" dirty="0">
+              <a:solidFill>
+                <a:schemeClr val="accent1"/>
+              </a:solidFill>
+              <a:latin typeface="Times New Roman" panose="02020603050405020304" pitchFamily="18" charset="0"/>
+              <a:cs typeface="Times New Roman" panose="02020603050405020304" pitchFamily="18" charset="0"/>
+            </a:endParaRPr>
+          </a:p>
+        </p:txBody>
+      </p:sp>
+      <p:cxnSp>
+        <p:nvCxnSpPr>
+          <p:cNvPr id="2" name="直接箭头连接符 1">
+            <a:extLst>
+              <a:ext uri="{FF2B5EF4-FFF2-40B4-BE49-F238E27FC236}">
+                <a16:creationId xmlns:a16="http://schemas.microsoft.com/office/drawing/2014/main" id="{5A50CE82-A338-5AFF-56E4-83ECAA9590C0}"/>
+              </a:ext>
+            </a:extLst>
+          </p:cNvPr>
+          <p:cNvCxnSpPr>
+            <a:cxnSpLocks/>
+          </p:cNvCxnSpPr>
+          <p:nvPr/>
+        </p:nvCxnSpPr>
+        <p:spPr>
+          <a:xfrm>
+            <a:off x="5743927" y="3429000"/>
+            <a:ext cx="1289622" cy="0"/>
+          </a:xfrm>
+          <a:prstGeom prst="straightConnector1">
+            <a:avLst/>
+          </a:prstGeom>
+          <a:ln w="57150">
+            <a:solidFill>
+              <a:schemeClr val="tx1"/>
+            </a:solidFill>
+            <a:tailEnd type="triangle"/>
+          </a:ln>
+        </p:spPr>
+        <p:style>
+          <a:lnRef idx="2">
+            <a:schemeClr val="accent1"/>
+          </a:lnRef>
+          <a:fillRef idx="0">
+            <a:schemeClr val="accent1"/>
+          </a:fillRef>
+          <a:effectRef idx="1">
+            <a:schemeClr val="accent1"/>
+          </a:effectRef>
+          <a:fontRef idx="minor">
+            <a:schemeClr val="tx1"/>
+          </a:fontRef>
+        </p:style>
+      </p:cxnSp>
+      <p:cxnSp>
+        <p:nvCxnSpPr>
+          <p:cNvPr id="3" name="直接箭头连接符 2">
+            <a:extLst>
+              <a:ext uri="{FF2B5EF4-FFF2-40B4-BE49-F238E27FC236}">
+                <a16:creationId xmlns:a16="http://schemas.microsoft.com/office/drawing/2014/main" id="{731B44D5-512E-8B99-E334-023236B76DB0}"/>
+              </a:ext>
+            </a:extLst>
+          </p:cNvPr>
+          <p:cNvCxnSpPr>
+            <a:cxnSpLocks/>
+          </p:cNvCxnSpPr>
+          <p:nvPr/>
+        </p:nvCxnSpPr>
+        <p:spPr>
+          <a:xfrm flipH="1" flipV="1">
+            <a:off x="5133483" y="2245441"/>
+            <a:ext cx="610444" cy="1183559"/>
+          </a:xfrm>
+          <a:prstGeom prst="straightConnector1">
+            <a:avLst/>
+          </a:prstGeom>
+          <a:ln w="57150">
+            <a:solidFill>
+              <a:schemeClr val="tx1"/>
+            </a:solidFill>
+            <a:tailEnd type="triangle"/>
+          </a:ln>
+        </p:spPr>
+        <p:style>
+          <a:lnRef idx="2">
+            <a:schemeClr val="accent1"/>
+          </a:lnRef>
+          <a:fillRef idx="0">
+            <a:schemeClr val="accent1"/>
+          </a:fillRef>
+          <a:effectRef idx="1">
+            <a:schemeClr val="accent1"/>
+          </a:effectRef>
+          <a:fontRef idx="minor">
+            <a:schemeClr val="tx1"/>
+          </a:fontRef>
+        </p:style>
+      </p:cxnSp>
+      <p:cxnSp>
+        <p:nvCxnSpPr>
+          <p:cNvPr id="4" name="直接箭头连接符 3">
+            <a:extLst>
+              <a:ext uri="{FF2B5EF4-FFF2-40B4-BE49-F238E27FC236}">
+                <a16:creationId xmlns:a16="http://schemas.microsoft.com/office/drawing/2014/main" id="{F8B98B26-BCDD-857A-2B62-0D0FFB27EB8C}"/>
+              </a:ext>
+            </a:extLst>
+          </p:cNvPr>
+          <p:cNvCxnSpPr>
+            <a:cxnSpLocks/>
+          </p:cNvCxnSpPr>
+          <p:nvPr/>
+        </p:nvCxnSpPr>
+        <p:spPr>
+          <a:xfrm flipH="1">
+            <a:off x="5093401" y="3429000"/>
+            <a:ext cx="650526" cy="1083695"/>
+          </a:xfrm>
+          <a:prstGeom prst="straightConnector1">
+            <a:avLst/>
+          </a:prstGeom>
+          <a:ln w="57150">
+            <a:solidFill>
+              <a:schemeClr val="tx1"/>
+            </a:solidFill>
+            <a:tailEnd type="triangle"/>
+          </a:ln>
+        </p:spPr>
+        <p:style>
+          <a:lnRef idx="2">
+            <a:schemeClr val="accent1"/>
+          </a:lnRef>
+          <a:fillRef idx="0">
+            <a:schemeClr val="accent1"/>
+          </a:fillRef>
+          <a:effectRef idx="1">
+            <a:schemeClr val="accent1"/>
+          </a:effectRef>
+          <a:fontRef idx="minor">
+            <a:schemeClr val="tx1"/>
+          </a:fontRef>
+        </p:style>
+      </p:cxnSp>
+    </p:spTree>
+    <p:extLst>
+      <p:ext uri="{BB962C8B-B14F-4D97-AF65-F5344CB8AC3E}">
+        <p14:creationId xmlns:p14="http://schemas.microsoft.com/office/powerpoint/2010/main" val="772617551"/>
+      </p:ext>
+    </p:extLst>
+  </p:cSld>
+  <p:clrMapOvr>
+    <a:masterClrMapping/>
+  </p:clrMapOvr>
+</p:sld>
+</file>
+
+<file path=ppt/slides/slide7.xml><?xml version="1.0" encoding="utf-8"?>
+<p:sld xmlns:a="http://schemas.openxmlformats.org/drawingml/2006/main" xmlns:r="http://schemas.openxmlformats.org/officeDocument/2006/relationships" xmlns:p="http://schemas.openxmlformats.org/presentationml/2006/main">
+  <p:cSld>
+    <p:spTree>
+      <p:nvGrpSpPr>
+        <p:cNvPr id="1" name=""/>
+        <p:cNvGrpSpPr/>
+        <p:nvPr/>
+      </p:nvGrpSpPr>
+      <p:grpSpPr>
+        <a:xfrm>
+          <a:off x="0" y="0"/>
+          <a:ext cx="0" cy="0"/>
+          <a:chOff x="0" y="0"/>
+          <a:chExt cx="0" cy="0"/>
+        </a:xfrm>
+      </p:grpSpPr>
+      <mc:AlternateContent xmlns:mc="http://schemas.openxmlformats.org/markup-compatibility/2006" xmlns:a14="http://schemas.microsoft.com/office/drawing/2010/main">
+        <mc:Choice Requires="a14">
           <p:sp>
             <p:nvSpPr>
               <p:cNvPr id="2" name="文本框 1">
@@ -20974,7 +25688,7 @@
             </p:txBody>
           </p:sp>
         </mc:Choice>
-        <mc:Fallback>
+        <mc:Fallback xmlns="">
           <p:sp>
             <p:nvSpPr>
               <p:cNvPr id="2" name="文本框 1">
@@ -21248,8 +25962,8 @@
           </a:fontRef>
         </p:style>
       </p:cxnSp>
-      <mc:AlternateContent xmlns:mc="http://schemas.openxmlformats.org/markup-compatibility/2006">
-        <mc:Choice xmlns:a14="http://schemas.microsoft.com/office/drawing/2010/main" Requires="a14">
+      <mc:AlternateContent xmlns:mc="http://schemas.openxmlformats.org/markup-compatibility/2006" xmlns:a14="http://schemas.microsoft.com/office/drawing/2010/main">
+        <mc:Choice Requires="a14">
           <p:sp>
             <p:nvSpPr>
               <p:cNvPr id="9" name="矩形 8">
@@ -21484,7 +26198,7 @@
             </p:txBody>
           </p:sp>
         </mc:Choice>
-        <mc:Fallback>
+        <mc:Fallback xmlns="">
           <p:sp>
             <p:nvSpPr>
               <p:cNvPr id="9" name="矩形 8">
@@ -21534,8 +26248,8 @@
           </p:sp>
         </mc:Fallback>
       </mc:AlternateContent>
-      <mc:AlternateContent xmlns:mc="http://schemas.openxmlformats.org/markup-compatibility/2006">
-        <mc:Choice xmlns:a14="http://schemas.microsoft.com/office/drawing/2010/main" Requires="a14">
+      <mc:AlternateContent xmlns:mc="http://schemas.openxmlformats.org/markup-compatibility/2006" xmlns:a14="http://schemas.microsoft.com/office/drawing/2010/main">
+        <mc:Choice Requires="a14">
           <p:sp>
             <p:nvSpPr>
               <p:cNvPr id="10" name="文本框 9">
@@ -21622,7 +26336,7 @@
             </p:txBody>
           </p:sp>
         </mc:Choice>
-        <mc:Fallback>
+        <mc:Fallback xmlns="">
           <p:sp>
             <p:nvSpPr>
               <p:cNvPr id="10" name="文本框 9">
@@ -21708,8 +26422,8 @@
           </a:fontRef>
         </p:style>
       </p:cxnSp>
-      <mc:AlternateContent xmlns:mc="http://schemas.openxmlformats.org/markup-compatibility/2006">
-        <mc:Choice xmlns:a14="http://schemas.microsoft.com/office/drawing/2010/main" Requires="a14">
+      <mc:AlternateContent xmlns:mc="http://schemas.openxmlformats.org/markup-compatibility/2006" xmlns:a14="http://schemas.microsoft.com/office/drawing/2010/main">
+        <mc:Choice Requires="a14">
           <p:sp>
             <p:nvSpPr>
               <p:cNvPr id="12" name="文本框 11">
@@ -21796,7 +26510,7 @@
             </p:txBody>
           </p:sp>
         </mc:Choice>
-        <mc:Fallback>
+        <mc:Fallback xmlns="">
           <p:sp>
             <p:nvSpPr>
               <p:cNvPr id="12" name="文本框 11">
@@ -21884,8 +26598,8 @@
           </a:fontRef>
         </p:style>
       </p:cxnSp>
-      <mc:AlternateContent xmlns:mc="http://schemas.openxmlformats.org/markup-compatibility/2006">
-        <mc:Choice xmlns:a14="http://schemas.microsoft.com/office/drawing/2010/main" Requires="a14">
+      <mc:AlternateContent xmlns:mc="http://schemas.openxmlformats.org/markup-compatibility/2006" xmlns:a14="http://schemas.microsoft.com/office/drawing/2010/main">
+        <mc:Choice Requires="a14">
           <p:sp>
             <p:nvSpPr>
               <p:cNvPr id="14" name="矩形 13">
@@ -22072,7 +26786,7 @@
             </p:txBody>
           </p:sp>
         </mc:Choice>
-        <mc:Fallback>
+        <mc:Fallback xmlns="">
           <p:sp>
             <p:nvSpPr>
               <p:cNvPr id="14" name="矩形 13">
@@ -22250,8 +26964,8 @@
           </a:fontRef>
         </p:style>
       </p:cxnSp>
-      <mc:AlternateContent xmlns:mc="http://schemas.openxmlformats.org/markup-compatibility/2006">
-        <mc:Choice xmlns:a14="http://schemas.microsoft.com/office/drawing/2010/main" Requires="a14">
+      <mc:AlternateContent xmlns:mc="http://schemas.openxmlformats.org/markup-compatibility/2006" xmlns:a14="http://schemas.microsoft.com/office/drawing/2010/main">
+        <mc:Choice Requires="a14">
           <p:sp>
             <p:nvSpPr>
               <p:cNvPr id="18" name="文本框 17">
@@ -22338,7 +27052,7 @@
             </p:txBody>
           </p:sp>
         </mc:Choice>
-        <mc:Fallback>
+        <mc:Fallback xmlns="">
           <p:sp>
             <p:nvSpPr>
               <p:cNvPr id="18" name="文本框 17">

--- a/Dissertation/Figures/Figures.pptx
+++ b/Dissertation/Figures/Figures.pptx
@@ -292,7 +292,7 @@
           <a:p>
             <a:fld id="{27A58F4A-DB3A-4AF3-A615-0E0692002C84}" type="datetimeFigureOut">
               <a:rPr lang="zh-CN" altLang="en-US" smtClean="0"/>
-              <a:t>2024/5/3</a:t>
+              <a:t>2024/5/6</a:t>
             </a:fld>
             <a:endParaRPr lang="zh-CN" altLang="en-US"/>
           </a:p>
@@ -490,7 +490,7 @@
           <a:p>
             <a:fld id="{27A58F4A-DB3A-4AF3-A615-0E0692002C84}" type="datetimeFigureOut">
               <a:rPr lang="zh-CN" altLang="en-US" smtClean="0"/>
-              <a:t>2024/5/3</a:t>
+              <a:t>2024/5/6</a:t>
             </a:fld>
             <a:endParaRPr lang="zh-CN" altLang="en-US"/>
           </a:p>
@@ -698,7 +698,7 @@
           <a:p>
             <a:fld id="{27A58F4A-DB3A-4AF3-A615-0E0692002C84}" type="datetimeFigureOut">
               <a:rPr lang="zh-CN" altLang="en-US" smtClean="0"/>
-              <a:t>2024/5/3</a:t>
+              <a:t>2024/5/6</a:t>
             </a:fld>
             <a:endParaRPr lang="zh-CN" altLang="en-US"/>
           </a:p>
@@ -896,7 +896,7 @@
           <a:p>
             <a:fld id="{27A58F4A-DB3A-4AF3-A615-0E0692002C84}" type="datetimeFigureOut">
               <a:rPr lang="zh-CN" altLang="en-US" smtClean="0"/>
-              <a:t>2024/5/3</a:t>
+              <a:t>2024/5/6</a:t>
             </a:fld>
             <a:endParaRPr lang="zh-CN" altLang="en-US"/>
           </a:p>
@@ -1171,7 +1171,7 @@
           <a:p>
             <a:fld id="{27A58F4A-DB3A-4AF3-A615-0E0692002C84}" type="datetimeFigureOut">
               <a:rPr lang="zh-CN" altLang="en-US" smtClean="0"/>
-              <a:t>2024/5/3</a:t>
+              <a:t>2024/5/6</a:t>
             </a:fld>
             <a:endParaRPr lang="zh-CN" altLang="en-US"/>
           </a:p>
@@ -1436,7 +1436,7 @@
           <a:p>
             <a:fld id="{27A58F4A-DB3A-4AF3-A615-0E0692002C84}" type="datetimeFigureOut">
               <a:rPr lang="zh-CN" altLang="en-US" smtClean="0"/>
-              <a:t>2024/5/3</a:t>
+              <a:t>2024/5/6</a:t>
             </a:fld>
             <a:endParaRPr lang="zh-CN" altLang="en-US"/>
           </a:p>
@@ -1848,7 +1848,7 @@
           <a:p>
             <a:fld id="{27A58F4A-DB3A-4AF3-A615-0E0692002C84}" type="datetimeFigureOut">
               <a:rPr lang="zh-CN" altLang="en-US" smtClean="0"/>
-              <a:t>2024/5/3</a:t>
+              <a:t>2024/5/6</a:t>
             </a:fld>
             <a:endParaRPr lang="zh-CN" altLang="en-US"/>
           </a:p>
@@ -1989,7 +1989,7 @@
           <a:p>
             <a:fld id="{27A58F4A-DB3A-4AF3-A615-0E0692002C84}" type="datetimeFigureOut">
               <a:rPr lang="zh-CN" altLang="en-US" smtClean="0"/>
-              <a:t>2024/5/3</a:t>
+              <a:t>2024/5/6</a:t>
             </a:fld>
             <a:endParaRPr lang="zh-CN" altLang="en-US"/>
           </a:p>
@@ -2102,7 +2102,7 @@
           <a:p>
             <a:fld id="{27A58F4A-DB3A-4AF3-A615-0E0692002C84}" type="datetimeFigureOut">
               <a:rPr lang="zh-CN" altLang="en-US" smtClean="0"/>
-              <a:t>2024/5/3</a:t>
+              <a:t>2024/5/6</a:t>
             </a:fld>
             <a:endParaRPr lang="zh-CN" altLang="en-US"/>
           </a:p>
@@ -2413,7 +2413,7 @@
           <a:p>
             <a:fld id="{27A58F4A-DB3A-4AF3-A615-0E0692002C84}" type="datetimeFigureOut">
               <a:rPr lang="zh-CN" altLang="en-US" smtClean="0"/>
-              <a:t>2024/5/3</a:t>
+              <a:t>2024/5/6</a:t>
             </a:fld>
             <a:endParaRPr lang="zh-CN" altLang="en-US"/>
           </a:p>
@@ -2701,7 +2701,7 @@
           <a:p>
             <a:fld id="{27A58F4A-DB3A-4AF3-A615-0E0692002C84}" type="datetimeFigureOut">
               <a:rPr lang="zh-CN" altLang="en-US" smtClean="0"/>
-              <a:t>2024/5/3</a:t>
+              <a:t>2024/5/6</a:t>
             </a:fld>
             <a:endParaRPr lang="zh-CN" altLang="en-US"/>
           </a:p>
@@ -2942,7 +2942,7 @@
           <a:p>
             <a:fld id="{27A58F4A-DB3A-4AF3-A615-0E0692002C84}" type="datetimeFigureOut">
               <a:rPr lang="zh-CN" altLang="en-US" smtClean="0"/>
-              <a:t>2024/5/3</a:t>
+              <a:t>2024/5/6</a:t>
             </a:fld>
             <a:endParaRPr lang="zh-CN" altLang="en-US"/>
           </a:p>
@@ -23173,8 +23173,8 @@
           </a:fontRef>
         </p:style>
       </p:cxnSp>
-      <mc:AlternateContent xmlns:mc="http://schemas.openxmlformats.org/markup-compatibility/2006">
-        <mc:Choice xmlns:a14="http://schemas.microsoft.com/office/drawing/2010/main" Requires="a14">
+      <mc:AlternateContent xmlns:mc="http://schemas.openxmlformats.org/markup-compatibility/2006" xmlns:a14="http://schemas.microsoft.com/office/drawing/2010/main">
+        <mc:Choice Requires="a14">
           <p:sp>
             <p:nvSpPr>
               <p:cNvPr id="7" name="文本框 6">
@@ -23231,7 +23231,7 @@
             </p:txBody>
           </p:sp>
         </mc:Choice>
-        <mc:Fallback>
+        <mc:Fallback xmlns="">
           <p:sp>
             <p:nvSpPr>
               <p:cNvPr id="7" name="文本框 6">
@@ -23276,8 +23276,8 @@
           </p:sp>
         </mc:Fallback>
       </mc:AlternateContent>
-      <mc:AlternateContent xmlns:mc="http://schemas.openxmlformats.org/markup-compatibility/2006">
-        <mc:Choice xmlns:a14="http://schemas.microsoft.com/office/drawing/2010/main" Requires="a14">
+      <mc:AlternateContent xmlns:mc="http://schemas.openxmlformats.org/markup-compatibility/2006" xmlns:a14="http://schemas.microsoft.com/office/drawing/2010/main">
+        <mc:Choice Requires="a14">
           <p:sp>
             <p:nvSpPr>
               <p:cNvPr id="8" name="文本框 7">
@@ -23334,7 +23334,7 @@
             </p:txBody>
           </p:sp>
         </mc:Choice>
-        <mc:Fallback>
+        <mc:Fallback xmlns="">
           <p:sp>
             <p:nvSpPr>
               <p:cNvPr id="8" name="文本框 7">
@@ -23379,8 +23379,8 @@
           </p:sp>
         </mc:Fallback>
       </mc:AlternateContent>
-      <mc:AlternateContent xmlns:mc="http://schemas.openxmlformats.org/markup-compatibility/2006">
-        <mc:Choice xmlns:a14="http://schemas.microsoft.com/office/drawing/2010/main" Requires="a14">
+      <mc:AlternateContent xmlns:mc="http://schemas.openxmlformats.org/markup-compatibility/2006" xmlns:a14="http://schemas.microsoft.com/office/drawing/2010/main">
+        <mc:Choice Requires="a14">
           <p:sp>
             <p:nvSpPr>
               <p:cNvPr id="9" name="文本框 8">
@@ -23437,7 +23437,7 @@
             </p:txBody>
           </p:sp>
         </mc:Choice>
-        <mc:Fallback>
+        <mc:Fallback xmlns="">
           <p:sp>
             <p:nvSpPr>
               <p:cNvPr id="9" name="文本框 8">
@@ -23482,8 +23482,8 @@
           </p:sp>
         </mc:Fallback>
       </mc:AlternateContent>
-      <mc:AlternateContent xmlns:mc="http://schemas.openxmlformats.org/markup-compatibility/2006">
-        <mc:Choice xmlns:a14="http://schemas.microsoft.com/office/drawing/2010/main" Requires="a14">
+      <mc:AlternateContent xmlns:mc="http://schemas.openxmlformats.org/markup-compatibility/2006" xmlns:a14="http://schemas.microsoft.com/office/drawing/2010/main">
+        <mc:Choice Requires="a14">
           <p:sp>
             <p:nvSpPr>
               <p:cNvPr id="10" name="文本框 9">
@@ -23540,7 +23540,7 @@
             </p:txBody>
           </p:sp>
         </mc:Choice>
-        <mc:Fallback>
+        <mc:Fallback xmlns="">
           <p:sp>
             <p:nvSpPr>
               <p:cNvPr id="10" name="文本框 9">
@@ -23585,8 +23585,8 @@
           </p:sp>
         </mc:Fallback>
       </mc:AlternateContent>
-      <mc:AlternateContent xmlns:mc="http://schemas.openxmlformats.org/markup-compatibility/2006">
-        <mc:Choice xmlns:a14="http://schemas.microsoft.com/office/drawing/2010/main" Requires="a14">
+      <mc:AlternateContent xmlns:mc="http://schemas.openxmlformats.org/markup-compatibility/2006" xmlns:a14="http://schemas.microsoft.com/office/drawing/2010/main">
+        <mc:Choice Requires="a14">
           <p:sp>
             <p:nvSpPr>
               <p:cNvPr id="11" name="文本框 10">
@@ -23643,7 +23643,7 @@
             </p:txBody>
           </p:sp>
         </mc:Choice>
-        <mc:Fallback>
+        <mc:Fallback xmlns="">
           <p:sp>
             <p:nvSpPr>
               <p:cNvPr id="11" name="文本框 10">
@@ -24190,8 +24190,8 @@
           </a:fontRef>
         </p:style>
       </p:cxnSp>
-      <mc:AlternateContent xmlns:mc="http://schemas.openxmlformats.org/markup-compatibility/2006">
-        <mc:Choice xmlns:a14="http://schemas.microsoft.com/office/drawing/2010/main" Requires="a14">
+      <mc:AlternateContent xmlns:mc="http://schemas.openxmlformats.org/markup-compatibility/2006" xmlns:a14="http://schemas.microsoft.com/office/drawing/2010/main">
+        <mc:Choice Requires="a14">
           <p:sp>
             <p:nvSpPr>
               <p:cNvPr id="45" name="文本框 44">
@@ -24220,6 +24220,7 @@
               </a:bodyPr>
               <a:lstStyle/>
               <a:p>
+                <a:pPr/>
                 <a14:m>
                   <m:oMathPara xmlns:m="http://schemas.openxmlformats.org/officeDocument/2006/math">
                     <m:oMathParaPr>
@@ -24265,7 +24266,7 @@
             </p:txBody>
           </p:sp>
         </mc:Choice>
-        <mc:Fallback>
+        <mc:Fallback xmlns="">
           <p:sp>
             <p:nvSpPr>
               <p:cNvPr id="45" name="文本框 44">
@@ -24310,8 +24311,8 @@
           </p:sp>
         </mc:Fallback>
       </mc:AlternateContent>
-      <mc:AlternateContent xmlns:mc="http://schemas.openxmlformats.org/markup-compatibility/2006">
-        <mc:Choice xmlns:a14="http://schemas.microsoft.com/office/drawing/2010/main" Requires="a14">
+      <mc:AlternateContent xmlns:mc="http://schemas.openxmlformats.org/markup-compatibility/2006" xmlns:a14="http://schemas.microsoft.com/office/drawing/2010/main">
+        <mc:Choice Requires="a14">
           <p:sp>
             <p:nvSpPr>
               <p:cNvPr id="46" name="文本框 45">
@@ -24340,6 +24341,7 @@
               </a:bodyPr>
               <a:lstStyle/>
               <a:p>
+                <a:pPr/>
                 <a14:m>
                   <m:oMathPara xmlns:m="http://schemas.openxmlformats.org/officeDocument/2006/math">
                     <m:oMathParaPr>
@@ -24385,7 +24387,7 @@
             </p:txBody>
           </p:sp>
         </mc:Choice>
-        <mc:Fallback>
+        <mc:Fallback xmlns="">
           <p:sp>
             <p:nvSpPr>
               <p:cNvPr id="46" name="文本框 45">
@@ -24430,8 +24432,8 @@
           </p:sp>
         </mc:Fallback>
       </mc:AlternateContent>
-      <mc:AlternateContent xmlns:mc="http://schemas.openxmlformats.org/markup-compatibility/2006">
-        <mc:Choice xmlns:a14="http://schemas.microsoft.com/office/drawing/2010/main" Requires="a14">
+      <mc:AlternateContent xmlns:mc="http://schemas.openxmlformats.org/markup-compatibility/2006" xmlns:a14="http://schemas.microsoft.com/office/drawing/2010/main">
+        <mc:Choice Requires="a14">
           <p:sp>
             <p:nvSpPr>
               <p:cNvPr id="47" name="文本框 46">
@@ -24460,6 +24462,7 @@
               </a:bodyPr>
               <a:lstStyle/>
               <a:p>
+                <a:pPr/>
                 <a14:m>
                   <m:oMathPara xmlns:m="http://schemas.openxmlformats.org/officeDocument/2006/math">
                     <m:oMathParaPr>
@@ -24505,7 +24508,7 @@
             </p:txBody>
           </p:sp>
         </mc:Choice>
-        <mc:Fallback>
+        <mc:Fallback xmlns="">
           <p:sp>
             <p:nvSpPr>
               <p:cNvPr id="47" name="文本框 46">
@@ -24550,8 +24553,8 @@
           </p:sp>
         </mc:Fallback>
       </mc:AlternateContent>
-      <mc:AlternateContent xmlns:mc="http://schemas.openxmlformats.org/markup-compatibility/2006">
-        <mc:Choice xmlns:a14="http://schemas.microsoft.com/office/drawing/2010/main" Requires="a14">
+      <mc:AlternateContent xmlns:mc="http://schemas.openxmlformats.org/markup-compatibility/2006" xmlns:a14="http://schemas.microsoft.com/office/drawing/2010/main">
+        <mc:Choice Requires="a14">
           <p:sp>
             <p:nvSpPr>
               <p:cNvPr id="48" name="文本框 47">
@@ -24580,6 +24583,7 @@
               </a:bodyPr>
               <a:lstStyle/>
               <a:p>
+                <a:pPr/>
                 <a14:m>
                   <m:oMathPara xmlns:m="http://schemas.openxmlformats.org/officeDocument/2006/math">
                     <m:oMathParaPr>
@@ -24625,7 +24629,7 @@
             </p:txBody>
           </p:sp>
         </mc:Choice>
-        <mc:Fallback>
+        <mc:Fallback xmlns="">
           <p:sp>
             <p:nvSpPr>
               <p:cNvPr id="48" name="文本框 47">
@@ -24670,8 +24674,8 @@
           </p:sp>
         </mc:Fallback>
       </mc:AlternateContent>
-      <mc:AlternateContent xmlns:mc="http://schemas.openxmlformats.org/markup-compatibility/2006">
-        <mc:Choice xmlns:a14="http://schemas.microsoft.com/office/drawing/2010/main" Requires="a14">
+      <mc:AlternateContent xmlns:mc="http://schemas.openxmlformats.org/markup-compatibility/2006" xmlns:a14="http://schemas.microsoft.com/office/drawing/2010/main">
+        <mc:Choice Requires="a14">
           <p:sp>
             <p:nvSpPr>
               <p:cNvPr id="49" name="文本框 48">
@@ -24700,6 +24704,7 @@
               </a:bodyPr>
               <a:lstStyle/>
               <a:p>
+                <a:pPr/>
                 <a14:m>
                   <m:oMathPara xmlns:m="http://schemas.openxmlformats.org/officeDocument/2006/math">
                     <m:oMathParaPr>
@@ -24745,7 +24750,7 @@
             </p:txBody>
           </p:sp>
         </mc:Choice>
-        <mc:Fallback>
+        <mc:Fallback xmlns="">
           <p:sp>
             <p:nvSpPr>
               <p:cNvPr id="49" name="文本框 48">
@@ -24790,8 +24795,8 @@
           </p:sp>
         </mc:Fallback>
       </mc:AlternateContent>
-      <mc:AlternateContent xmlns:mc="http://schemas.openxmlformats.org/markup-compatibility/2006">
-        <mc:Choice xmlns:a14="http://schemas.microsoft.com/office/drawing/2010/main" Requires="a14">
+      <mc:AlternateContent xmlns:mc="http://schemas.openxmlformats.org/markup-compatibility/2006" xmlns:a14="http://schemas.microsoft.com/office/drawing/2010/main">
+        <mc:Choice Requires="a14">
           <p:sp>
             <p:nvSpPr>
               <p:cNvPr id="50" name="文本框 49">
@@ -24820,6 +24825,7 @@
               </a:bodyPr>
               <a:lstStyle/>
               <a:p>
+                <a:pPr/>
                 <a14:m>
                   <m:oMathPara xmlns:m="http://schemas.openxmlformats.org/officeDocument/2006/math">
                     <m:oMathParaPr>
@@ -24865,7 +24871,7 @@
             </p:txBody>
           </p:sp>
         </mc:Choice>
-        <mc:Fallback>
+        <mc:Fallback xmlns="">
           <p:sp>
             <p:nvSpPr>
               <p:cNvPr id="50" name="文本框 49">
@@ -24910,8 +24916,8 @@
           </p:sp>
         </mc:Fallback>
       </mc:AlternateContent>
-      <mc:AlternateContent xmlns:mc="http://schemas.openxmlformats.org/markup-compatibility/2006">
-        <mc:Choice xmlns:a14="http://schemas.microsoft.com/office/drawing/2010/main" Requires="a14">
+      <mc:AlternateContent xmlns:mc="http://schemas.openxmlformats.org/markup-compatibility/2006" xmlns:a14="http://schemas.microsoft.com/office/drawing/2010/main">
+        <mc:Choice Requires="a14">
           <p:sp>
             <p:nvSpPr>
               <p:cNvPr id="51" name="文本框 50">
@@ -24940,6 +24946,7 @@
               </a:bodyPr>
               <a:lstStyle/>
               <a:p>
+                <a:pPr/>
                 <a14:m>
                   <m:oMathPara xmlns:m="http://schemas.openxmlformats.org/officeDocument/2006/math">
                     <m:oMathParaPr>
@@ -24985,7 +24992,7 @@
             </p:txBody>
           </p:sp>
         </mc:Choice>
-        <mc:Fallback>
+        <mc:Fallback xmlns="">
           <p:sp>
             <p:nvSpPr>
               <p:cNvPr id="51" name="文本框 50">
@@ -25030,8 +25037,8 @@
           </p:sp>
         </mc:Fallback>
       </mc:AlternateContent>
-      <mc:AlternateContent xmlns:mc="http://schemas.openxmlformats.org/markup-compatibility/2006">
-        <mc:Choice xmlns:a14="http://schemas.microsoft.com/office/drawing/2010/main" Requires="a14">
+      <mc:AlternateContent xmlns:mc="http://schemas.openxmlformats.org/markup-compatibility/2006" xmlns:a14="http://schemas.microsoft.com/office/drawing/2010/main">
+        <mc:Choice Requires="a14">
           <p:sp>
             <p:nvSpPr>
               <p:cNvPr id="52" name="文本框 51">
@@ -25060,6 +25067,7 @@
               </a:bodyPr>
               <a:lstStyle/>
               <a:p>
+                <a:pPr/>
                 <a14:m>
                   <m:oMathPara xmlns:m="http://schemas.openxmlformats.org/officeDocument/2006/math">
                     <m:oMathParaPr>
@@ -25105,7 +25113,7 @@
             </p:txBody>
           </p:sp>
         </mc:Choice>
-        <mc:Fallback>
+        <mc:Fallback xmlns="">
           <p:sp>
             <p:nvSpPr>
               <p:cNvPr id="52" name="文本框 51">
@@ -26598,8 +26606,8 @@
           </a:fontRef>
         </p:style>
       </p:cxnSp>
-      <mc:AlternateContent xmlns:mc="http://schemas.openxmlformats.org/markup-compatibility/2006" xmlns:a14="http://schemas.microsoft.com/office/drawing/2010/main">
-        <mc:Choice Requires="a14">
+      <mc:AlternateContent xmlns:mc="http://schemas.openxmlformats.org/markup-compatibility/2006">
+        <mc:Choice xmlns:a14="http://schemas.microsoft.com/office/drawing/2010/main" Requires="a14">
           <p:sp>
             <p:nvSpPr>
               <p:cNvPr id="14" name="矩形 13">
@@ -26745,33 +26753,92 @@
                           </m:r>
                         </m:num>
                         <m:den>
-                          <m:r>
-                            <a:rPr lang="en-US" altLang="zh-CN" b="0" i="1" smtClean="0">
-                              <a:solidFill>
-                                <a:schemeClr val="tx1"/>
-                              </a:solidFill>
-                              <a:latin typeface="Cambria Math" panose="02040503050406030204" pitchFamily="18" charset="0"/>
-                            </a:rPr>
-                            <m:t>𝐿𝑠</m:t>
-                          </m:r>
-                          <m:r>
-                            <a:rPr lang="en-US" altLang="zh-CN" b="0" i="1" smtClean="0">
-                              <a:solidFill>
-                                <a:schemeClr val="tx1"/>
-                              </a:solidFill>
-                              <a:latin typeface="Cambria Math" panose="02040503050406030204" pitchFamily="18" charset="0"/>
-                            </a:rPr>
-                            <m:t>+</m:t>
-                          </m:r>
-                          <m:r>
-                            <a:rPr lang="en-US" altLang="zh-CN" b="0" i="1" smtClean="0">
-                              <a:solidFill>
-                                <a:schemeClr val="tx1"/>
-                              </a:solidFill>
-                              <a:latin typeface="Cambria Math" panose="02040503050406030204" pitchFamily="18" charset="0"/>
-                            </a:rPr>
-                            <m:t>𝑅</m:t>
-                          </m:r>
+                          <m:sSub>
+                            <m:sSubPr>
+                              <m:ctrlPr>
+                                <a:rPr lang="en-US" altLang="zh-CN" b="0" i="1" smtClean="0">
+                                  <a:solidFill>
+                                    <a:schemeClr val="tx1"/>
+                                  </a:solidFill>
+                                  <a:latin typeface="Cambria Math" panose="02040503050406030204" pitchFamily="18" charset="0"/>
+                                </a:rPr>
+                              </m:ctrlPr>
+                            </m:sSubPr>
+                            <m:e>
+                              <m:sSub>
+                                <m:sSubPr>
+                                  <m:ctrlPr>
+                                    <a:rPr lang="en-US" altLang="zh-CN" i="1">
+                                      <a:solidFill>
+                                        <a:schemeClr val="tx1"/>
+                                      </a:solidFill>
+                                      <a:latin typeface="Cambria Math" panose="02040503050406030204" pitchFamily="18" charset="0"/>
+                                    </a:rPr>
+                                  </m:ctrlPr>
+                                </m:sSubPr>
+                                <m:e>
+                                  <m:r>
+                                    <a:rPr lang="en-US" altLang="zh-CN" i="1">
+                                      <a:solidFill>
+                                        <a:schemeClr val="tx1"/>
+                                      </a:solidFill>
+                                      <a:latin typeface="Cambria Math" panose="02040503050406030204" pitchFamily="18" charset="0"/>
+                                    </a:rPr>
+                                    <m:t>𝑅</m:t>
+                                  </m:r>
+                                </m:e>
+                                <m:sub>
+                                  <m:r>
+                                    <a:rPr lang="en-US" altLang="zh-CN" i="1">
+                                      <a:solidFill>
+                                        <a:schemeClr val="tx1"/>
+                                      </a:solidFill>
+                                      <a:latin typeface="Cambria Math" panose="02040503050406030204" pitchFamily="18" charset="0"/>
+                                    </a:rPr>
+                                    <m:t>𝑠</m:t>
+                                  </m:r>
+                                </m:sub>
+                              </m:sSub>
+                              <m:r>
+                                <a:rPr lang="en-US" altLang="zh-CN" b="0" i="1" smtClean="0">
+                                  <a:solidFill>
+                                    <a:schemeClr val="tx1"/>
+                                  </a:solidFill>
+                                  <a:latin typeface="Cambria Math" panose="02040503050406030204" pitchFamily="18" charset="0"/>
+                                </a:rPr>
+                                <m:t>+</m:t>
+                              </m:r>
+                              <m:r>
+                                <a:rPr lang="en-US" altLang="zh-CN" b="0" i="1" smtClean="0">
+                                  <a:solidFill>
+                                    <a:schemeClr val="tx1"/>
+                                  </a:solidFill>
+                                  <a:latin typeface="Cambria Math" panose="02040503050406030204" pitchFamily="18" charset="0"/>
+                                </a:rPr>
+                                <m:t>𝑠</m:t>
+                              </m:r>
+                              <m:r>
+                                <a:rPr lang="en-US" altLang="zh-CN" b="0" i="1" smtClean="0">
+                                  <a:solidFill>
+                                    <a:schemeClr val="tx1"/>
+                                  </a:solidFill>
+                                  <a:latin typeface="Cambria Math" panose="02040503050406030204" pitchFamily="18" charset="0"/>
+                                </a:rPr>
+                                <m:t>𝐿</m:t>
+                              </m:r>
+                            </m:e>
+                            <m:sub>
+                              <m:r>
+                                <a:rPr lang="en-US" altLang="zh-CN" b="0" i="1" smtClean="0">
+                                  <a:solidFill>
+                                    <a:schemeClr val="tx1"/>
+                                  </a:solidFill>
+                                  <a:latin typeface="Cambria Math" panose="02040503050406030204" pitchFamily="18" charset="0"/>
+                                </a:rPr>
+                                <m:t>𝑠</m:t>
+                              </m:r>
+                            </m:sub>
+                          </m:sSub>
                         </m:den>
                       </m:f>
                     </m:oMath>
@@ -26786,7 +26853,7 @@
             </p:txBody>
           </p:sp>
         </mc:Choice>
-        <mc:Fallback xmlns="">
+        <mc:Fallback>
           <p:sp>
             <p:nvSpPr>
               <p:cNvPr id="14" name="矩形 13">

--- a/Dissertation/Figures/Figures.pptx
+++ b/Dissertation/Figures/Figures.pptx
@@ -12,6 +12,7 @@
     <p:sldId id="261" r:id="rId6"/>
     <p:sldId id="262" r:id="rId7"/>
     <p:sldId id="259" r:id="rId8"/>
+    <p:sldId id="263" r:id="rId9"/>
   </p:sldIdLst>
   <p:sldSz cx="12192000" cy="6858000"/>
   <p:notesSz cx="6858000" cy="9144000"/>
@@ -292,7 +293,7 @@
           <a:p>
             <a:fld id="{27A58F4A-DB3A-4AF3-A615-0E0692002C84}" type="datetimeFigureOut">
               <a:rPr lang="zh-CN" altLang="en-US" smtClean="0"/>
-              <a:t>2024/5/6</a:t>
+              <a:t>2024/5/9</a:t>
             </a:fld>
             <a:endParaRPr lang="zh-CN" altLang="en-US"/>
           </a:p>
@@ -490,7 +491,7 @@
           <a:p>
             <a:fld id="{27A58F4A-DB3A-4AF3-A615-0E0692002C84}" type="datetimeFigureOut">
               <a:rPr lang="zh-CN" altLang="en-US" smtClean="0"/>
-              <a:t>2024/5/6</a:t>
+              <a:t>2024/5/9</a:t>
             </a:fld>
             <a:endParaRPr lang="zh-CN" altLang="en-US"/>
           </a:p>
@@ -698,7 +699,7 @@
           <a:p>
             <a:fld id="{27A58F4A-DB3A-4AF3-A615-0E0692002C84}" type="datetimeFigureOut">
               <a:rPr lang="zh-CN" altLang="en-US" smtClean="0"/>
-              <a:t>2024/5/6</a:t>
+              <a:t>2024/5/9</a:t>
             </a:fld>
             <a:endParaRPr lang="zh-CN" altLang="en-US"/>
           </a:p>
@@ -896,7 +897,7 @@
           <a:p>
             <a:fld id="{27A58F4A-DB3A-4AF3-A615-0E0692002C84}" type="datetimeFigureOut">
               <a:rPr lang="zh-CN" altLang="en-US" smtClean="0"/>
-              <a:t>2024/5/6</a:t>
+              <a:t>2024/5/9</a:t>
             </a:fld>
             <a:endParaRPr lang="zh-CN" altLang="en-US"/>
           </a:p>
@@ -1171,7 +1172,7 @@
           <a:p>
             <a:fld id="{27A58F4A-DB3A-4AF3-A615-0E0692002C84}" type="datetimeFigureOut">
               <a:rPr lang="zh-CN" altLang="en-US" smtClean="0"/>
-              <a:t>2024/5/6</a:t>
+              <a:t>2024/5/9</a:t>
             </a:fld>
             <a:endParaRPr lang="zh-CN" altLang="en-US"/>
           </a:p>
@@ -1436,7 +1437,7 @@
           <a:p>
             <a:fld id="{27A58F4A-DB3A-4AF3-A615-0E0692002C84}" type="datetimeFigureOut">
               <a:rPr lang="zh-CN" altLang="en-US" smtClean="0"/>
-              <a:t>2024/5/6</a:t>
+              <a:t>2024/5/9</a:t>
             </a:fld>
             <a:endParaRPr lang="zh-CN" altLang="en-US"/>
           </a:p>
@@ -1848,7 +1849,7 @@
           <a:p>
             <a:fld id="{27A58F4A-DB3A-4AF3-A615-0E0692002C84}" type="datetimeFigureOut">
               <a:rPr lang="zh-CN" altLang="en-US" smtClean="0"/>
-              <a:t>2024/5/6</a:t>
+              <a:t>2024/5/9</a:t>
             </a:fld>
             <a:endParaRPr lang="zh-CN" altLang="en-US"/>
           </a:p>
@@ -1989,7 +1990,7 @@
           <a:p>
             <a:fld id="{27A58F4A-DB3A-4AF3-A615-0E0692002C84}" type="datetimeFigureOut">
               <a:rPr lang="zh-CN" altLang="en-US" smtClean="0"/>
-              <a:t>2024/5/6</a:t>
+              <a:t>2024/5/9</a:t>
             </a:fld>
             <a:endParaRPr lang="zh-CN" altLang="en-US"/>
           </a:p>
@@ -2102,7 +2103,7 @@
           <a:p>
             <a:fld id="{27A58F4A-DB3A-4AF3-A615-0E0692002C84}" type="datetimeFigureOut">
               <a:rPr lang="zh-CN" altLang="en-US" smtClean="0"/>
-              <a:t>2024/5/6</a:t>
+              <a:t>2024/5/9</a:t>
             </a:fld>
             <a:endParaRPr lang="zh-CN" altLang="en-US"/>
           </a:p>
@@ -2413,7 +2414,7 @@
           <a:p>
             <a:fld id="{27A58F4A-DB3A-4AF3-A615-0E0692002C84}" type="datetimeFigureOut">
               <a:rPr lang="zh-CN" altLang="en-US" smtClean="0"/>
-              <a:t>2024/5/6</a:t>
+              <a:t>2024/5/9</a:t>
             </a:fld>
             <a:endParaRPr lang="zh-CN" altLang="en-US"/>
           </a:p>
@@ -2701,7 +2702,7 @@
           <a:p>
             <a:fld id="{27A58F4A-DB3A-4AF3-A615-0E0692002C84}" type="datetimeFigureOut">
               <a:rPr lang="zh-CN" altLang="en-US" smtClean="0"/>
-              <a:t>2024/5/6</a:t>
+              <a:t>2024/5/9</a:t>
             </a:fld>
             <a:endParaRPr lang="zh-CN" altLang="en-US"/>
           </a:p>
@@ -2942,7 +2943,7 @@
           <a:p>
             <a:fld id="{27A58F4A-DB3A-4AF3-A615-0E0692002C84}" type="datetimeFigureOut">
               <a:rPr lang="zh-CN" altLang="en-US" smtClean="0"/>
-              <a:t>2024/5/6</a:t>
+              <a:t>2024/5/9</a:t>
             </a:fld>
             <a:endParaRPr lang="zh-CN" altLang="en-US"/>
           </a:p>
@@ -26606,8 +26607,8 @@
           </a:fontRef>
         </p:style>
       </p:cxnSp>
-      <mc:AlternateContent xmlns:mc="http://schemas.openxmlformats.org/markup-compatibility/2006">
-        <mc:Choice xmlns:a14="http://schemas.microsoft.com/office/drawing/2010/main" Requires="a14">
+      <mc:AlternateContent xmlns:mc="http://schemas.openxmlformats.org/markup-compatibility/2006" xmlns:a14="http://schemas.microsoft.com/office/drawing/2010/main">
+        <mc:Choice Requires="a14">
           <p:sp>
             <p:nvSpPr>
               <p:cNvPr id="14" name="矩形 13">
@@ -26815,16 +26816,7 @@
                                   </a:solidFill>
                                   <a:latin typeface="Cambria Math" panose="02040503050406030204" pitchFamily="18" charset="0"/>
                                 </a:rPr>
-                                <m:t>𝑠</m:t>
-                              </m:r>
-                              <m:r>
-                                <a:rPr lang="en-US" altLang="zh-CN" b="0" i="1" smtClean="0">
-                                  <a:solidFill>
-                                    <a:schemeClr val="tx1"/>
-                                  </a:solidFill>
-                                  <a:latin typeface="Cambria Math" panose="02040503050406030204" pitchFamily="18" charset="0"/>
-                                </a:rPr>
-                                <m:t>𝐿</m:t>
+                                <m:t>𝑠𝐿</m:t>
                               </m:r>
                             </m:e>
                             <m:sub>
@@ -26853,7 +26845,7 @@
             </p:txBody>
           </p:sp>
         </mc:Choice>
-        <mc:Fallback>
+        <mc:Fallback xmlns="">
           <p:sp>
             <p:nvSpPr>
               <p:cNvPr id="14" name="矩形 13">
@@ -27168,6 +27160,440 @@
     <p:extLst>
       <p:ext uri="{BB962C8B-B14F-4D97-AF65-F5344CB8AC3E}">
         <p14:creationId xmlns:p14="http://schemas.microsoft.com/office/powerpoint/2010/main" val="3831556226"/>
+      </p:ext>
+    </p:extLst>
+  </p:cSld>
+  <p:clrMapOvr>
+    <a:masterClrMapping/>
+  </p:clrMapOvr>
+</p:sld>
+</file>
+
+<file path=ppt/slides/slide8.xml><?xml version="1.0" encoding="utf-8"?>
+<p:sld xmlns:a="http://schemas.openxmlformats.org/drawingml/2006/main" xmlns:r="http://schemas.openxmlformats.org/officeDocument/2006/relationships" xmlns:p="http://schemas.openxmlformats.org/presentationml/2006/main">
+  <p:cSld>
+    <p:spTree>
+      <p:nvGrpSpPr>
+        <p:cNvPr id="1" name=""/>
+        <p:cNvGrpSpPr/>
+        <p:nvPr/>
+      </p:nvGrpSpPr>
+      <p:grpSpPr>
+        <a:xfrm>
+          <a:off x="0" y="0"/>
+          <a:ext cx="0" cy="0"/>
+          <a:chOff x="0" y="0"/>
+          <a:chExt cx="0" cy="0"/>
+        </a:xfrm>
+      </p:grpSpPr>
+      <p:pic>
+        <p:nvPicPr>
+          <p:cNvPr id="3" name="图片 2">
+            <a:extLst>
+              <a:ext uri="{FF2B5EF4-FFF2-40B4-BE49-F238E27FC236}">
+                <a16:creationId xmlns:a16="http://schemas.microsoft.com/office/drawing/2014/main" id="{8F8B6F77-564E-FBEB-794F-2B15181B0EC0}"/>
+              </a:ext>
+            </a:extLst>
+          </p:cNvPr>
+          <p:cNvPicPr>
+            <a:picLocks noChangeAspect="1"/>
+          </p:cNvPicPr>
+          <p:nvPr/>
+        </p:nvPicPr>
+        <p:blipFill>
+          <a:blip r:embed="rId2"/>
+          <a:stretch>
+            <a:fillRect/>
+          </a:stretch>
+        </p:blipFill>
+        <p:spPr>
+          <a:xfrm>
+            <a:off x="1621804" y="909286"/>
+            <a:ext cx="3029373" cy="5039428"/>
+          </a:xfrm>
+          <a:prstGeom prst="rect">
+            <a:avLst/>
+          </a:prstGeom>
+        </p:spPr>
+      </p:pic>
+      <p:sp>
+        <p:nvSpPr>
+          <p:cNvPr id="6" name="矩形 5">
+            <a:extLst>
+              <a:ext uri="{FF2B5EF4-FFF2-40B4-BE49-F238E27FC236}">
+                <a16:creationId xmlns:a16="http://schemas.microsoft.com/office/drawing/2014/main" id="{ED54211E-4F2E-55EC-F487-67EC3E78628E}"/>
+              </a:ext>
+            </a:extLst>
+          </p:cNvPr>
+          <p:cNvSpPr/>
+          <p:nvPr/>
+        </p:nvSpPr>
+        <p:spPr>
+          <a:xfrm>
+            <a:off x="1759974" y="1746080"/>
+            <a:ext cx="4021394" cy="2442462"/>
+          </a:xfrm>
+          <a:prstGeom prst="rect">
+            <a:avLst/>
+          </a:prstGeom>
+          <a:noFill/>
+          <a:ln w="25400">
+            <a:solidFill>
+              <a:schemeClr val="tx1"/>
+            </a:solidFill>
+          </a:ln>
+        </p:spPr>
+        <p:style>
+          <a:lnRef idx="2">
+            <a:schemeClr val="accent1">
+              <a:shade val="15000"/>
+            </a:schemeClr>
+          </a:lnRef>
+          <a:fillRef idx="1">
+            <a:schemeClr val="accent1"/>
+          </a:fillRef>
+          <a:effectRef idx="0">
+            <a:schemeClr val="accent1"/>
+          </a:effectRef>
+          <a:fontRef idx="minor">
+            <a:schemeClr val="lt1"/>
+          </a:fontRef>
+        </p:style>
+        <p:txBody>
+          <a:bodyPr rtlCol="0" anchor="ctr"/>
+          <a:lstStyle/>
+          <a:p>
+            <a:pPr algn="ctr"/>
+            <a:endParaRPr lang="zh-CN" altLang="en-US" dirty="0">
+              <a:solidFill>
+                <a:schemeClr val="tx1"/>
+              </a:solidFill>
+            </a:endParaRPr>
+          </a:p>
+        </p:txBody>
+      </p:sp>
+      <p:sp>
+        <p:nvSpPr>
+          <p:cNvPr id="7" name="文本框 6">
+            <a:extLst>
+              <a:ext uri="{FF2B5EF4-FFF2-40B4-BE49-F238E27FC236}">
+                <a16:creationId xmlns:a16="http://schemas.microsoft.com/office/drawing/2014/main" id="{F28186CA-6F67-E43C-AAF6-C6B714D754F0}"/>
+              </a:ext>
+            </a:extLst>
+          </p:cNvPr>
+          <p:cNvSpPr txBox="1"/>
+          <p:nvPr/>
+        </p:nvSpPr>
+        <p:spPr>
+          <a:xfrm>
+            <a:off x="4010141" y="1849318"/>
+            <a:ext cx="1880419" cy="338554"/>
+          </a:xfrm>
+          <a:prstGeom prst="rect">
+            <a:avLst/>
+          </a:prstGeom>
+          <a:noFill/>
+        </p:spPr>
+        <p:txBody>
+          <a:bodyPr wrap="square" rtlCol="0">
+            <a:spAutoFit/>
+          </a:bodyPr>
+          <a:lstStyle/>
+          <a:p>
+            <a:r>
+              <a:rPr lang="en-US" altLang="zh-CN" sz="1600" b="1" dirty="0"/>
+              <a:t>User Created Lib</a:t>
+            </a:r>
+            <a:endParaRPr lang="zh-CN" altLang="en-US" sz="1600" b="1" dirty="0"/>
+          </a:p>
+        </p:txBody>
+      </p:sp>
+      <mc:AlternateContent xmlns:mc="http://schemas.openxmlformats.org/markup-compatibility/2006">
+        <mc:Choice xmlns:a14="http://schemas.microsoft.com/office/drawing/2010/main" Requires="a14">
+          <p:sp>
+            <p:nvSpPr>
+              <p:cNvPr id="8" name="文本框 7">
+                <a:extLst>
+                  <a:ext uri="{FF2B5EF4-FFF2-40B4-BE49-F238E27FC236}">
+                    <a16:creationId xmlns:a16="http://schemas.microsoft.com/office/drawing/2014/main" id="{DEDC47DF-0BB4-0935-6FE1-4D9E1645A1BE}"/>
+                  </a:ext>
+                </a:extLst>
+              </p:cNvPr>
+              <p:cNvSpPr txBox="1"/>
+              <p:nvPr/>
+            </p:nvSpPr>
+            <p:spPr>
+              <a:xfrm>
+                <a:off x="4042096" y="4316631"/>
+                <a:ext cx="500926" cy="584775"/>
+              </a:xfrm>
+              <a:prstGeom prst="rect">
+                <a:avLst/>
+              </a:prstGeom>
+              <a:noFill/>
+            </p:spPr>
+            <p:txBody>
+              <a:bodyPr wrap="square" rtlCol="0">
+                <a:spAutoFit/>
+              </a:bodyPr>
+              <a:lstStyle/>
+              <a:p>
+                <a14:m>
+                  <m:oMathPara xmlns:m="http://schemas.openxmlformats.org/officeDocument/2006/math">
+                    <m:oMathParaPr>
+                      <m:jc m:val="centerGroup"/>
+                    </m:oMathParaPr>
+                    <m:oMath xmlns:m="http://schemas.openxmlformats.org/officeDocument/2006/math">
+                      <m:r>
+                        <a:rPr lang="en-US" altLang="zh-CN" sz="3200" b="1" i="1" smtClean="0">
+                          <a:solidFill>
+                            <a:schemeClr val="tx1"/>
+                          </a:solidFill>
+                          <a:latin typeface="Cambria Math" panose="02040503050406030204" pitchFamily="18" charset="0"/>
+                          <a:ea typeface="Cambria Math" panose="02040503050406030204" pitchFamily="18" charset="0"/>
+                        </a:rPr>
+                        <m:t>⇒</m:t>
+                      </m:r>
+                    </m:oMath>
+                  </m:oMathPara>
+                </a14:m>
+                <a:endParaRPr lang="zh-CN" altLang="en-US" sz="1600" b="1" dirty="0">
+                  <a:solidFill>
+                    <a:schemeClr val="tx1"/>
+                  </a:solidFill>
+                </a:endParaRPr>
+              </a:p>
+            </p:txBody>
+          </p:sp>
+        </mc:Choice>
+        <mc:Fallback>
+          <p:sp>
+            <p:nvSpPr>
+              <p:cNvPr id="8" name="文本框 7">
+                <a:extLst>
+                  <a:ext uri="{FF2B5EF4-FFF2-40B4-BE49-F238E27FC236}">
+                    <a16:creationId xmlns:a16="http://schemas.microsoft.com/office/drawing/2014/main" id="{DEDC47DF-0BB4-0935-6FE1-4D9E1645A1BE}"/>
+                  </a:ext>
+                </a:extLst>
+              </p:cNvPr>
+              <p:cNvSpPr txBox="1">
+                <a:spLocks noRot="1" noChangeAspect="1" noMove="1" noResize="1" noEditPoints="1" noAdjustHandles="1" noChangeArrowheads="1" noChangeShapeType="1" noTextEdit="1"/>
+              </p:cNvSpPr>
+              <p:nvPr/>
+            </p:nvSpPr>
+            <p:spPr>
+              <a:xfrm>
+                <a:off x="4042096" y="4316631"/>
+                <a:ext cx="500926" cy="584775"/>
+              </a:xfrm>
+              <a:prstGeom prst="rect">
+                <a:avLst/>
+              </a:prstGeom>
+              <a:blipFill>
+                <a:blip r:embed="rId3"/>
+                <a:stretch>
+                  <a:fillRect/>
+                </a:stretch>
+              </a:blipFill>
+            </p:spPr>
+            <p:txBody>
+              <a:bodyPr/>
+              <a:lstStyle/>
+              <a:p>
+                <a:r>
+                  <a:rPr lang="zh-CN" altLang="en-US">
+                    <a:noFill/>
+                  </a:rPr>
+                  <a:t> </a:t>
+                </a:r>
+              </a:p>
+            </p:txBody>
+          </p:sp>
+        </mc:Fallback>
+      </mc:AlternateContent>
+      <p:sp>
+        <p:nvSpPr>
+          <p:cNvPr id="11" name="文本框 10">
+            <a:extLst>
+              <a:ext uri="{FF2B5EF4-FFF2-40B4-BE49-F238E27FC236}">
+                <a16:creationId xmlns:a16="http://schemas.microsoft.com/office/drawing/2014/main" id="{1115C8F4-1482-E5F5-CD75-12AFB6FF0A61}"/>
+              </a:ext>
+            </a:extLst>
+          </p:cNvPr>
+          <p:cNvSpPr txBox="1"/>
+          <p:nvPr/>
+        </p:nvSpPr>
+        <p:spPr>
+          <a:xfrm>
+            <a:off x="4651177" y="4427715"/>
+            <a:ext cx="2743200" cy="369332"/>
+          </a:xfrm>
+          <a:prstGeom prst="rect">
+            <a:avLst/>
+          </a:prstGeom>
+          <a:noFill/>
+        </p:spPr>
+        <p:txBody>
+          <a:bodyPr wrap="square" rtlCol="0">
+            <a:spAutoFit/>
+          </a:bodyPr>
+          <a:lstStyle/>
+          <a:p>
+            <a:r>
+              <a:rPr lang="en-US" altLang="zh-CN" b="1" dirty="0"/>
+              <a:t>Library, Makefiles, etc</a:t>
+            </a:r>
+            <a:r>
+              <a:rPr lang="en-US" altLang="zh-CN" dirty="0"/>
+              <a:t>.</a:t>
+            </a:r>
+            <a:endParaRPr lang="zh-CN" altLang="en-US" dirty="0"/>
+          </a:p>
+        </p:txBody>
+      </p:sp>
+      <mc:AlternateContent xmlns:mc="http://schemas.openxmlformats.org/markup-compatibility/2006">
+        <mc:Choice xmlns:a14="http://schemas.microsoft.com/office/drawing/2010/main" Requires="a14">
+          <p:sp>
+            <p:nvSpPr>
+              <p:cNvPr id="12" name="文本框 11">
+                <a:extLst>
+                  <a:ext uri="{FF2B5EF4-FFF2-40B4-BE49-F238E27FC236}">
+                    <a16:creationId xmlns:a16="http://schemas.microsoft.com/office/drawing/2014/main" id="{2DDD6523-F4A3-3267-74AD-74A9B4714CE4}"/>
+                  </a:ext>
+                </a:extLst>
+              </p:cNvPr>
+              <p:cNvSpPr txBox="1"/>
+              <p:nvPr/>
+            </p:nvSpPr>
+            <p:spPr>
+              <a:xfrm>
+                <a:off x="2923677" y="5036220"/>
+                <a:ext cx="500926" cy="523220"/>
+              </a:xfrm>
+              <a:prstGeom prst="rect">
+                <a:avLst/>
+              </a:prstGeom>
+              <a:noFill/>
+            </p:spPr>
+            <p:txBody>
+              <a:bodyPr wrap="square" rtlCol="0">
+                <a:spAutoFit/>
+              </a:bodyPr>
+              <a:lstStyle/>
+              <a:p>
+                <a14:m>
+                  <m:oMathPara xmlns:m="http://schemas.openxmlformats.org/officeDocument/2006/math">
+                    <m:oMathParaPr>
+                      <m:jc m:val="centerGroup"/>
+                    </m:oMathParaPr>
+                    <m:oMath xmlns:m="http://schemas.openxmlformats.org/officeDocument/2006/math">
+                      <m:r>
+                        <a:rPr lang="en-US" altLang="zh-CN" sz="2800" b="1" i="1" smtClean="0">
+                          <a:solidFill>
+                            <a:schemeClr val="tx1"/>
+                          </a:solidFill>
+                          <a:latin typeface="Cambria Math" panose="02040503050406030204" pitchFamily="18" charset="0"/>
+                          <a:ea typeface="Cambria Math" panose="02040503050406030204" pitchFamily="18" charset="0"/>
+                        </a:rPr>
+                        <m:t>⇒</m:t>
+                      </m:r>
+                    </m:oMath>
+                  </m:oMathPara>
+                </a14:m>
+                <a:endParaRPr lang="zh-CN" altLang="en-US" sz="1400" b="1" dirty="0">
+                  <a:solidFill>
+                    <a:schemeClr val="tx1"/>
+                  </a:solidFill>
+                </a:endParaRPr>
+              </a:p>
+            </p:txBody>
+          </p:sp>
+        </mc:Choice>
+        <mc:Fallback>
+          <p:sp>
+            <p:nvSpPr>
+              <p:cNvPr id="12" name="文本框 11">
+                <a:extLst>
+                  <a:ext uri="{FF2B5EF4-FFF2-40B4-BE49-F238E27FC236}">
+                    <a16:creationId xmlns:a16="http://schemas.microsoft.com/office/drawing/2014/main" id="{2DDD6523-F4A3-3267-74AD-74A9B4714CE4}"/>
+                  </a:ext>
+                </a:extLst>
+              </p:cNvPr>
+              <p:cNvSpPr txBox="1">
+                <a:spLocks noRot="1" noChangeAspect="1" noMove="1" noResize="1" noEditPoints="1" noAdjustHandles="1" noChangeArrowheads="1" noChangeShapeType="1" noTextEdit="1"/>
+              </p:cNvSpPr>
+              <p:nvPr/>
+            </p:nvSpPr>
+            <p:spPr>
+              <a:xfrm>
+                <a:off x="2923677" y="5036220"/>
+                <a:ext cx="500926" cy="523220"/>
+              </a:xfrm>
+              <a:prstGeom prst="rect">
+                <a:avLst/>
+              </a:prstGeom>
+              <a:blipFill>
+                <a:blip r:embed="rId4"/>
+                <a:stretch>
+                  <a:fillRect/>
+                </a:stretch>
+              </a:blipFill>
+            </p:spPr>
+            <p:txBody>
+              <a:bodyPr/>
+              <a:lstStyle/>
+              <a:p>
+                <a:r>
+                  <a:rPr lang="zh-CN" altLang="en-US">
+                    <a:noFill/>
+                  </a:rPr>
+                  <a:t> </a:t>
+                </a:r>
+              </a:p>
+            </p:txBody>
+          </p:sp>
+        </mc:Fallback>
+      </mc:AlternateContent>
+      <p:sp>
+        <p:nvSpPr>
+          <p:cNvPr id="13" name="文本框 12">
+            <a:extLst>
+              <a:ext uri="{FF2B5EF4-FFF2-40B4-BE49-F238E27FC236}">
+                <a16:creationId xmlns:a16="http://schemas.microsoft.com/office/drawing/2014/main" id="{6D4A4541-94A2-A934-F905-9E9D37889776}"/>
+              </a:ext>
+            </a:extLst>
+          </p:cNvPr>
+          <p:cNvSpPr txBox="1"/>
+          <p:nvPr/>
+        </p:nvSpPr>
+        <p:spPr>
+          <a:xfrm>
+            <a:off x="3427060" y="5128553"/>
+            <a:ext cx="2743200" cy="338554"/>
+          </a:xfrm>
+          <a:prstGeom prst="rect">
+            <a:avLst/>
+          </a:prstGeom>
+          <a:noFill/>
+        </p:spPr>
+        <p:txBody>
+          <a:bodyPr wrap="square" rtlCol="0">
+            <a:spAutoFit/>
+          </a:bodyPr>
+          <a:lstStyle/>
+          <a:p>
+            <a:r>
+              <a:rPr lang="en-US" altLang="zh-CN" sz="1600" b="1" dirty="0"/>
+              <a:t>Main (program runs here)</a:t>
+            </a:r>
+            <a:endParaRPr lang="zh-CN" altLang="en-US" sz="1600" dirty="0"/>
+          </a:p>
+        </p:txBody>
+      </p:sp>
+    </p:spTree>
+    <p:extLst>
+      <p:ext uri="{BB962C8B-B14F-4D97-AF65-F5344CB8AC3E}">
+        <p14:creationId xmlns:p14="http://schemas.microsoft.com/office/powerpoint/2010/main" val="3031754080"/>
       </p:ext>
     </p:extLst>
   </p:cSld>
